--- a/Resource/Infra, Kubernetes, architecture.pptx
+++ b/Resource/Infra, Kubernetes, architecture.pptx
@@ -241,7 +241,7 @@
           <a:p>
             <a:fld id="{F690D3FD-2EC0-47C0-831C-8D6E4FC09FD9}" type="datetimeFigureOut">
               <a:rPr lang="ko-KR" altLang="en-US" smtClean="0"/>
-              <a:t>2025-05-16</a:t>
+              <a:t>2025-10-30</a:t>
             </a:fld>
             <a:endParaRPr lang="ko-KR" altLang="en-US"/>
           </a:p>
@@ -409,7 +409,7 @@
           <a:p>
             <a:fld id="{F690D3FD-2EC0-47C0-831C-8D6E4FC09FD9}" type="datetimeFigureOut">
               <a:rPr lang="ko-KR" altLang="en-US" smtClean="0"/>
-              <a:t>2025-05-16</a:t>
+              <a:t>2025-10-30</a:t>
             </a:fld>
             <a:endParaRPr lang="ko-KR" altLang="en-US"/>
           </a:p>
@@ -587,7 +587,7 @@
           <a:p>
             <a:fld id="{F690D3FD-2EC0-47C0-831C-8D6E4FC09FD9}" type="datetimeFigureOut">
               <a:rPr lang="ko-KR" altLang="en-US" smtClean="0"/>
-              <a:t>2025-05-16</a:t>
+              <a:t>2025-10-30</a:t>
             </a:fld>
             <a:endParaRPr lang="ko-KR" altLang="en-US"/>
           </a:p>
@@ -755,7 +755,7 @@
           <a:p>
             <a:fld id="{F690D3FD-2EC0-47C0-831C-8D6E4FC09FD9}" type="datetimeFigureOut">
               <a:rPr lang="ko-KR" altLang="en-US" smtClean="0"/>
-              <a:t>2025-05-16</a:t>
+              <a:t>2025-10-30</a:t>
             </a:fld>
             <a:endParaRPr lang="ko-KR" altLang="en-US"/>
           </a:p>
@@ -1000,7 +1000,7 @@
           <a:p>
             <a:fld id="{F690D3FD-2EC0-47C0-831C-8D6E4FC09FD9}" type="datetimeFigureOut">
               <a:rPr lang="ko-KR" altLang="en-US" smtClean="0"/>
-              <a:t>2025-05-16</a:t>
+              <a:t>2025-10-30</a:t>
             </a:fld>
             <a:endParaRPr lang="ko-KR" altLang="en-US"/>
           </a:p>
@@ -1229,7 +1229,7 @@
           <a:p>
             <a:fld id="{F690D3FD-2EC0-47C0-831C-8D6E4FC09FD9}" type="datetimeFigureOut">
               <a:rPr lang="ko-KR" altLang="en-US" smtClean="0"/>
-              <a:t>2025-05-16</a:t>
+              <a:t>2025-10-30</a:t>
             </a:fld>
             <a:endParaRPr lang="ko-KR" altLang="en-US"/>
           </a:p>
@@ -1593,7 +1593,7 @@
           <a:p>
             <a:fld id="{F690D3FD-2EC0-47C0-831C-8D6E4FC09FD9}" type="datetimeFigureOut">
               <a:rPr lang="ko-KR" altLang="en-US" smtClean="0"/>
-              <a:t>2025-05-16</a:t>
+              <a:t>2025-10-30</a:t>
             </a:fld>
             <a:endParaRPr lang="ko-KR" altLang="en-US"/>
           </a:p>
@@ -1710,7 +1710,7 @@
           <a:p>
             <a:fld id="{F690D3FD-2EC0-47C0-831C-8D6E4FC09FD9}" type="datetimeFigureOut">
               <a:rPr lang="ko-KR" altLang="en-US" smtClean="0"/>
-              <a:t>2025-05-16</a:t>
+              <a:t>2025-10-30</a:t>
             </a:fld>
             <a:endParaRPr lang="ko-KR" altLang="en-US"/>
           </a:p>
@@ -1805,7 +1805,7 @@
           <a:p>
             <a:fld id="{F690D3FD-2EC0-47C0-831C-8D6E4FC09FD9}" type="datetimeFigureOut">
               <a:rPr lang="ko-KR" altLang="en-US" smtClean="0"/>
-              <a:t>2025-05-16</a:t>
+              <a:t>2025-10-30</a:t>
             </a:fld>
             <a:endParaRPr lang="ko-KR" altLang="en-US"/>
           </a:p>
@@ -2080,7 +2080,7 @@
           <a:p>
             <a:fld id="{F690D3FD-2EC0-47C0-831C-8D6E4FC09FD9}" type="datetimeFigureOut">
               <a:rPr lang="ko-KR" altLang="en-US" smtClean="0"/>
-              <a:t>2025-05-16</a:t>
+              <a:t>2025-10-30</a:t>
             </a:fld>
             <a:endParaRPr lang="ko-KR" altLang="en-US"/>
           </a:p>
@@ -2332,7 +2332,7 @@
           <a:p>
             <a:fld id="{F690D3FD-2EC0-47C0-831C-8D6E4FC09FD9}" type="datetimeFigureOut">
               <a:rPr lang="ko-KR" altLang="en-US" smtClean="0"/>
-              <a:t>2025-05-16</a:t>
+              <a:t>2025-10-30</a:t>
             </a:fld>
             <a:endParaRPr lang="ko-KR" altLang="en-US"/>
           </a:p>
@@ -2543,7 +2543,7 @@
           <a:p>
             <a:fld id="{F690D3FD-2EC0-47C0-831C-8D6E4FC09FD9}" type="datetimeFigureOut">
               <a:rPr lang="ko-KR" altLang="en-US" smtClean="0"/>
-              <a:t>2025-05-16</a:t>
+              <a:t>2025-10-30</a:t>
             </a:fld>
             <a:endParaRPr lang="ko-KR" altLang="en-US"/>
           </a:p>
@@ -3212,7 +3212,7 @@
           </a:xfrm>
           <a:prstGeom prst="bentConnector3">
             <a:avLst>
-              <a:gd name="adj1" fmla="val 55720"/>
+              <a:gd name="adj1" fmla="val 66963"/>
             </a:avLst>
           </a:prstGeom>
           <a:ln>
@@ -3246,11 +3246,11 @@
         <p:spPr>
           <a:xfrm>
             <a:off x="4785569" y="863107"/>
-            <a:ext cx="1324942" cy="2126575"/>
+            <a:ext cx="1324942" cy="3285344"/>
           </a:xfrm>
           <a:prstGeom prst="bentConnector3">
             <a:avLst>
-              <a:gd name="adj1" fmla="val 55751"/>
+              <a:gd name="adj1" fmla="val 67254"/>
             </a:avLst>
           </a:prstGeom>
           <a:ln>
@@ -3288,8 +3288,8 @@
           </a:xfrm>
           <a:prstGeom prst="bentConnector4">
             <a:avLst>
-              <a:gd name="adj1" fmla="val -85009"/>
-              <a:gd name="adj2" fmla="val 96259"/>
+              <a:gd name="adj1" fmla="val -75619"/>
+              <a:gd name="adj2" fmla="val 95113"/>
             </a:avLst>
           </a:prstGeom>
           <a:ln>
@@ -3321,6 +3321,7 @@
         <p:nvCxnSpPr>
           <p:cNvPr id="128" name="꺾인 연결선 127"/>
           <p:cNvCxnSpPr>
+            <a:cxnSpLocks/>
             <a:stCxn id="93" idx="4"/>
             <a:endCxn id="64" idx="1"/>
           </p:cNvCxnSpPr>
@@ -3328,8 +3329,8 @@
         </p:nvCxnSpPr>
         <p:spPr>
           <a:xfrm rot="16200000" flipH="1">
-            <a:off x="3271586" y="404180"/>
-            <a:ext cx="169737" cy="5493707"/>
+            <a:off x="2692201" y="983565"/>
+            <a:ext cx="1328506" cy="5493707"/>
           </a:xfrm>
           <a:prstGeom prst="bentConnector2">
             <a:avLst/>
@@ -3363,6 +3364,7 @@
         <p:nvCxnSpPr>
           <p:cNvPr id="138" name="꺾인 연결선 137"/>
           <p:cNvCxnSpPr>
+            <a:cxnSpLocks/>
             <a:stCxn id="76" idx="3"/>
             <a:endCxn id="89" idx="0"/>
           </p:cNvCxnSpPr>
@@ -3371,12 +3373,12 @@
         <p:spPr>
           <a:xfrm flipH="1">
             <a:off x="4370689" y="1496978"/>
-            <a:ext cx="414880" cy="866269"/>
+            <a:ext cx="414880" cy="1079105"/>
           </a:xfrm>
           <a:prstGeom prst="bentConnector4">
             <a:avLst>
               <a:gd name="adj1" fmla="val -55100"/>
-              <a:gd name="adj2" fmla="val 91309"/>
+              <a:gd name="adj2" fmla="val 80523"/>
             </a:avLst>
           </a:prstGeom>
           <a:ln>
@@ -3414,7 +3416,7 @@
           </a:xfrm>
           <a:prstGeom prst="bentConnector3">
             <a:avLst>
-              <a:gd name="adj1" fmla="val 3273678"/>
+              <a:gd name="adj1" fmla="val 8854977"/>
             </a:avLst>
           </a:prstGeom>
           <a:ln>
@@ -3444,6 +3446,7 @@
         <p:nvCxnSpPr>
           <p:cNvPr id="154" name="꺾인 연결선 153"/>
           <p:cNvCxnSpPr>
+            <a:cxnSpLocks/>
             <a:stCxn id="74" idx="1"/>
             <a:endCxn id="76" idx="1"/>
           </p:cNvCxnSpPr>
@@ -3456,7 +3459,7 @@
           </a:xfrm>
           <a:prstGeom prst="bentConnector3">
             <a:avLst>
-              <a:gd name="adj1" fmla="val 1800000"/>
+              <a:gd name="adj1" fmla="val 5151717"/>
             </a:avLst>
           </a:prstGeom>
           <a:ln>
@@ -3498,7 +3501,7 @@
           </a:xfrm>
           <a:prstGeom prst="bentConnector3">
             <a:avLst>
-              <a:gd name="adj1" fmla="val -11244466"/>
+              <a:gd name="adj1" fmla="val -31794737"/>
             </a:avLst>
           </a:prstGeom>
           <a:ln>
@@ -3535,8 +3538,8 @@
         </p:nvCxnSpPr>
         <p:spPr>
           <a:xfrm rot="10800000" flipH="1" flipV="1">
-            <a:off x="3990997" y="863106"/>
-            <a:ext cx="201992" cy="2908967"/>
+            <a:off x="3990997" y="863107"/>
+            <a:ext cx="201992" cy="5352636"/>
           </a:xfrm>
           <a:prstGeom prst="bentConnector3">
             <a:avLst>
@@ -3568,1692 +3571,248 @@
       </p:cxnSp>
       <p:grpSp>
         <p:nvGrpSpPr>
-          <p:cNvPr id="185" name="그룹 184"/>
+          <p:cNvPr id="14" name="그룹 13"/>
           <p:cNvGrpSpPr/>
           <p:nvPr/>
         </p:nvGrpSpPr>
         <p:grpSpPr>
           <a:xfrm>
-            <a:off x="2898310" y="68525"/>
-            <a:ext cx="9141290" cy="4312975"/>
-            <a:chOff x="2949110" y="68525"/>
-            <a:chExt cx="9141290" cy="4312975"/>
+            <a:off x="7068076" y="767820"/>
+            <a:ext cx="2920014" cy="1355054"/>
+            <a:chOff x="3240641" y="723128"/>
+            <a:chExt cx="2920014" cy="1355054"/>
           </a:xfrm>
         </p:grpSpPr>
         <p:grpSp>
           <p:nvGrpSpPr>
-            <p:cNvPr id="67" name="그룹 66"/>
+            <p:cNvPr id="6" name="그룹 5"/>
             <p:cNvGrpSpPr/>
             <p:nvPr/>
           </p:nvGrpSpPr>
           <p:grpSpPr>
             <a:xfrm>
-              <a:off x="6001779" y="331799"/>
-              <a:ext cx="5936222" cy="1965394"/>
-              <a:chOff x="4528579" y="342526"/>
-              <a:chExt cx="5936222" cy="1965394"/>
+              <a:off x="3491098" y="1099126"/>
+              <a:ext cx="1045029" cy="793504"/>
+              <a:chOff x="2604407" y="2096654"/>
+              <a:chExt cx="1045029" cy="793504"/>
             </a:xfrm>
           </p:grpSpPr>
-          <p:grpSp>
-            <p:nvGrpSpPr>
-              <p:cNvPr id="48" name="그룹 47"/>
-              <p:cNvGrpSpPr/>
+          <p:sp>
+            <p:nvSpPr>
+              <p:cNvPr id="4" name="직사각형 3"/>
+              <p:cNvSpPr/>
               <p:nvPr/>
-            </p:nvGrpSpPr>
-            <p:grpSpPr>
+            </p:nvSpPr>
+            <p:spPr>
               <a:xfrm>
-                <a:off x="5558968" y="778547"/>
-                <a:ext cx="4756062" cy="1355054"/>
-                <a:chOff x="3240641" y="723128"/>
-                <a:chExt cx="4756062" cy="1355054"/>
+                <a:off x="2604407" y="2310494"/>
+                <a:ext cx="1045029" cy="579664"/>
               </a:xfrm>
-            </p:grpSpPr>
-            <p:grpSp>
-              <p:nvGrpSpPr>
-                <p:cNvPr id="14" name="그룹 13"/>
-                <p:cNvGrpSpPr/>
-                <p:nvPr/>
-              </p:nvGrpSpPr>
-              <p:grpSpPr>
-                <a:xfrm>
-                  <a:off x="3240641" y="723128"/>
-                  <a:ext cx="2920014" cy="1355054"/>
-                  <a:chOff x="3240641" y="723128"/>
-                  <a:chExt cx="2920014" cy="1355054"/>
-                </a:xfrm>
-              </p:grpSpPr>
-              <p:grpSp>
-                <p:nvGrpSpPr>
-                  <p:cNvPr id="6" name="그룹 5"/>
-                  <p:cNvGrpSpPr/>
-                  <p:nvPr/>
-                </p:nvGrpSpPr>
-                <p:grpSpPr>
-                  <a:xfrm>
-                    <a:off x="3491098" y="1099126"/>
-                    <a:ext cx="1045029" cy="793504"/>
-                    <a:chOff x="2604407" y="2096654"/>
-                    <a:chExt cx="1045029" cy="793504"/>
-                  </a:xfrm>
-                </p:grpSpPr>
-                <p:sp>
-                  <p:nvSpPr>
-                    <p:cNvPr id="4" name="직사각형 3"/>
-                    <p:cNvSpPr/>
-                    <p:nvPr/>
-                  </p:nvSpPr>
-                  <p:spPr>
-                    <a:xfrm>
-                      <a:off x="2604407" y="2310494"/>
-                      <a:ext cx="1045029" cy="579664"/>
-                    </a:xfrm>
-                    <a:prstGeom prst="rect">
-                      <a:avLst/>
-                    </a:prstGeom>
-                    <a:noFill/>
-                    <a:ln>
-                      <a:solidFill>
-                        <a:schemeClr val="tx1"/>
-                      </a:solidFill>
-                    </a:ln>
-                  </p:spPr>
-                  <p:style>
-                    <a:lnRef idx="2">
-                      <a:schemeClr val="accent1">
-                        <a:shade val="50000"/>
-                      </a:schemeClr>
-                    </a:lnRef>
-                    <a:fillRef idx="1">
-                      <a:schemeClr val="accent1"/>
-                    </a:fillRef>
-                    <a:effectRef idx="0">
-                      <a:schemeClr val="accent1"/>
-                    </a:effectRef>
-                    <a:fontRef idx="minor">
-                      <a:schemeClr val="lt1"/>
-                    </a:fontRef>
-                  </p:style>
-                  <p:txBody>
-                    <a:bodyPr rtlCol="0" anchor="ctr"/>
-                    <a:lstStyle/>
-                    <a:p>
-                      <a:pPr algn="ctr"/>
-                      <a:r>
-                        <a:rPr lang="en-US" altLang="ko-KR" sz="800" dirty="0">
-                          <a:solidFill>
-                            <a:schemeClr val="tx1"/>
-                          </a:solidFill>
-                        </a:rPr>
-                        <a:t>WEB Server</a:t>
-                      </a:r>
-                      <a:endParaRPr lang="ko-KR" altLang="en-US" sz="800" dirty="0">
-                        <a:solidFill>
-                          <a:schemeClr val="tx1"/>
-                        </a:solidFill>
-                      </a:endParaRPr>
-                    </a:p>
-                  </p:txBody>
-                </p:sp>
-                <p:sp>
-                  <p:nvSpPr>
-                    <p:cNvPr id="5" name="TextBox 4"/>
-                    <p:cNvSpPr txBox="1"/>
-                    <p:nvPr/>
-                  </p:nvSpPr>
-                  <p:spPr>
-                    <a:xfrm>
-                      <a:off x="2761427" y="2096654"/>
-                      <a:ext cx="757629" cy="215444"/>
-                    </a:xfrm>
-                    <a:prstGeom prst="rect">
-                      <a:avLst/>
-                    </a:prstGeom>
-                    <a:noFill/>
-                  </p:spPr>
-                  <p:txBody>
-                    <a:bodyPr wrap="square" rtlCol="0">
-                      <a:spAutoFit/>
-                    </a:bodyPr>
-                    <a:lstStyle/>
-                    <a:p>
-                      <a:r>
-                        <a:rPr lang="en-US" altLang="ko-KR" sz="800" dirty="0"/>
-                        <a:t>container</a:t>
-                      </a:r>
-                      <a:endParaRPr lang="ko-KR" altLang="en-US" sz="800" dirty="0"/>
-                    </a:p>
-                  </p:txBody>
-                </p:sp>
-              </p:grpSp>
-              <p:grpSp>
-                <p:nvGrpSpPr>
-                  <p:cNvPr id="7" name="그룹 6"/>
-                  <p:cNvGrpSpPr/>
-                  <p:nvPr/>
-                </p:nvGrpSpPr>
-                <p:grpSpPr>
-                  <a:xfrm>
-                    <a:off x="4648038" y="1099126"/>
-                    <a:ext cx="1337126" cy="793504"/>
-                    <a:chOff x="2604407" y="2096654"/>
-                    <a:chExt cx="1337126" cy="793504"/>
-                  </a:xfrm>
-                </p:grpSpPr>
-                <p:sp>
-                  <p:nvSpPr>
-                    <p:cNvPr id="8" name="직사각형 7"/>
-                    <p:cNvSpPr/>
-                    <p:nvPr/>
-                  </p:nvSpPr>
-                  <p:spPr>
-                    <a:xfrm>
-                      <a:off x="2604407" y="2310494"/>
-                      <a:ext cx="1337126" cy="579664"/>
-                    </a:xfrm>
-                    <a:prstGeom prst="rect">
-                      <a:avLst/>
-                    </a:prstGeom>
-                    <a:noFill/>
-                    <a:ln>
-                      <a:solidFill>
-                        <a:schemeClr val="tx1"/>
-                      </a:solidFill>
-                    </a:ln>
-                  </p:spPr>
-                  <p:style>
-                    <a:lnRef idx="2">
-                      <a:schemeClr val="accent1">
-                        <a:shade val="50000"/>
-                      </a:schemeClr>
-                    </a:lnRef>
-                    <a:fillRef idx="1">
-                      <a:schemeClr val="accent1"/>
-                    </a:fillRef>
-                    <a:effectRef idx="0">
-                      <a:schemeClr val="accent1"/>
-                    </a:effectRef>
-                    <a:fontRef idx="minor">
-                      <a:schemeClr val="lt1"/>
-                    </a:fontRef>
-                  </p:style>
-                  <p:txBody>
-                    <a:bodyPr rtlCol="0" anchor="ctr"/>
-                    <a:lstStyle/>
-                    <a:p>
-                      <a:pPr algn="ctr"/>
-                      <a:r>
-                        <a:rPr lang="en-US" altLang="ko-KR" sz="800" dirty="0">
-                          <a:solidFill>
-                            <a:schemeClr val="tx1"/>
-                          </a:solidFill>
-                        </a:rPr>
-                        <a:t>Log Stash</a:t>
-                      </a:r>
-                      <a:endParaRPr lang="ko-KR" altLang="en-US" sz="800" dirty="0">
-                        <a:solidFill>
-                          <a:schemeClr val="tx1"/>
-                        </a:solidFill>
-                      </a:endParaRPr>
-                    </a:p>
-                  </p:txBody>
-                </p:sp>
-                <p:sp>
-                  <p:nvSpPr>
-                    <p:cNvPr id="9" name="TextBox 8"/>
-                    <p:cNvSpPr txBox="1"/>
-                    <p:nvPr/>
-                  </p:nvSpPr>
-                  <p:spPr>
-                    <a:xfrm>
-                      <a:off x="2761427" y="2096654"/>
-                      <a:ext cx="1180106" cy="215444"/>
-                    </a:xfrm>
-                    <a:prstGeom prst="rect">
-                      <a:avLst/>
-                    </a:prstGeom>
-                    <a:noFill/>
-                  </p:spPr>
-                  <p:txBody>
-                    <a:bodyPr wrap="square" rtlCol="0">
-                      <a:spAutoFit/>
-                    </a:bodyPr>
-                    <a:lstStyle/>
-                    <a:p>
-                      <a:r>
-                        <a:rPr lang="en-US" altLang="ko-KR" sz="800" dirty="0"/>
-                        <a:t>sidecar container</a:t>
-                      </a:r>
-                      <a:endParaRPr lang="ko-KR" altLang="en-US" sz="800" dirty="0"/>
-                    </a:p>
-                  </p:txBody>
-                </p:sp>
-              </p:grpSp>
-              <p:grpSp>
-                <p:nvGrpSpPr>
-                  <p:cNvPr id="13" name="그룹 12"/>
-                  <p:cNvGrpSpPr/>
-                  <p:nvPr/>
-                </p:nvGrpSpPr>
-                <p:grpSpPr>
-                  <a:xfrm>
-                    <a:off x="3240641" y="723128"/>
-                    <a:ext cx="2920014" cy="1355054"/>
-                    <a:chOff x="3240641" y="723128"/>
-                    <a:chExt cx="2920014" cy="1355054"/>
-                  </a:xfrm>
-                </p:grpSpPr>
-                <p:sp>
-                  <p:nvSpPr>
-                    <p:cNvPr id="11" name="직사각형 10"/>
-                    <p:cNvSpPr/>
-                    <p:nvPr/>
-                  </p:nvSpPr>
-                  <p:spPr>
-                    <a:xfrm>
-                      <a:off x="3305298" y="932404"/>
-                      <a:ext cx="2855357" cy="1145778"/>
-                    </a:xfrm>
-                    <a:prstGeom prst="rect">
-                      <a:avLst/>
-                    </a:prstGeom>
-                    <a:noFill/>
-                    <a:ln>
-                      <a:solidFill>
-                        <a:schemeClr val="tx1"/>
-                      </a:solidFill>
-                    </a:ln>
-                  </p:spPr>
-                  <p:style>
-                    <a:lnRef idx="2">
-                      <a:schemeClr val="accent1">
-                        <a:shade val="50000"/>
-                      </a:schemeClr>
-                    </a:lnRef>
-                    <a:fillRef idx="1">
-                      <a:schemeClr val="accent1"/>
-                    </a:fillRef>
-                    <a:effectRef idx="0">
-                      <a:schemeClr val="accent1"/>
-                    </a:effectRef>
-                    <a:fontRef idx="minor">
-                      <a:schemeClr val="lt1"/>
-                    </a:fontRef>
-                  </p:style>
-                  <p:txBody>
-                    <a:bodyPr rtlCol="0" anchor="ctr"/>
-                    <a:lstStyle/>
-                    <a:p>
-                      <a:pPr algn="ctr"/>
-                      <a:endParaRPr lang="ko-KR" altLang="en-US" sz="800" dirty="0">
-                        <a:solidFill>
-                          <a:schemeClr val="tx1"/>
-                        </a:solidFill>
-                      </a:endParaRPr>
-                    </a:p>
-                  </p:txBody>
-                </p:sp>
-                <p:sp>
-                  <p:nvSpPr>
-                    <p:cNvPr id="12" name="TextBox 11"/>
-                    <p:cNvSpPr txBox="1"/>
-                    <p:nvPr/>
-                  </p:nvSpPr>
-                  <p:spPr>
-                    <a:xfrm>
-                      <a:off x="3240641" y="723128"/>
-                      <a:ext cx="757629" cy="215444"/>
-                    </a:xfrm>
-                    <a:prstGeom prst="rect">
-                      <a:avLst/>
-                    </a:prstGeom>
-                    <a:noFill/>
-                  </p:spPr>
-                  <p:txBody>
-                    <a:bodyPr wrap="square" rtlCol="0">
-                      <a:spAutoFit/>
-                    </a:bodyPr>
-                    <a:lstStyle/>
-                    <a:p>
-                      <a:r>
-                        <a:rPr lang="en-US" altLang="ko-KR" sz="800" dirty="0"/>
-                        <a:t>pod</a:t>
-                      </a:r>
-                      <a:endParaRPr lang="ko-KR" altLang="en-US" sz="800" dirty="0"/>
-                    </a:p>
-                  </p:txBody>
-                </p:sp>
-              </p:grpSp>
-            </p:grpSp>
-            <p:grpSp>
-              <p:nvGrpSpPr>
-                <p:cNvPr id="25" name="그룹 24"/>
-                <p:cNvGrpSpPr/>
-                <p:nvPr/>
-              </p:nvGrpSpPr>
-              <p:grpSpPr>
-                <a:xfrm>
-                  <a:off x="6528121" y="723128"/>
-                  <a:ext cx="1468582" cy="1355054"/>
-                  <a:chOff x="1693781" y="723128"/>
-                  <a:chExt cx="1468582" cy="1355054"/>
-                </a:xfrm>
-              </p:grpSpPr>
-              <p:grpSp>
-                <p:nvGrpSpPr>
-                  <p:cNvPr id="26" name="그룹 25"/>
-                  <p:cNvGrpSpPr/>
-                  <p:nvPr/>
-                </p:nvGrpSpPr>
-                <p:grpSpPr>
-                  <a:xfrm>
-                    <a:off x="1944238" y="1099126"/>
-                    <a:ext cx="1045029" cy="793504"/>
-                    <a:chOff x="1057547" y="2096654"/>
-                    <a:chExt cx="1045029" cy="793504"/>
-                  </a:xfrm>
-                </p:grpSpPr>
-                <p:sp>
-                  <p:nvSpPr>
-                    <p:cNvPr id="30" name="직사각형 29"/>
-                    <p:cNvSpPr/>
-                    <p:nvPr/>
-                  </p:nvSpPr>
-                  <p:spPr>
-                    <a:xfrm>
-                      <a:off x="1057547" y="2310494"/>
-                      <a:ext cx="1045029" cy="579664"/>
-                    </a:xfrm>
-                    <a:prstGeom prst="rect">
-                      <a:avLst/>
-                    </a:prstGeom>
-                    <a:noFill/>
-                    <a:ln>
-                      <a:solidFill>
-                        <a:schemeClr val="tx1"/>
-                      </a:solidFill>
-                    </a:ln>
-                  </p:spPr>
-                  <p:style>
-                    <a:lnRef idx="2">
-                      <a:schemeClr val="accent1">
-                        <a:shade val="50000"/>
-                      </a:schemeClr>
-                    </a:lnRef>
-                    <a:fillRef idx="1">
-                      <a:schemeClr val="accent1"/>
-                    </a:fillRef>
-                    <a:effectRef idx="0">
-                      <a:schemeClr val="accent1"/>
-                    </a:effectRef>
-                    <a:fontRef idx="minor">
-                      <a:schemeClr val="lt1"/>
-                    </a:fontRef>
-                  </p:style>
-                  <p:txBody>
-                    <a:bodyPr rtlCol="0" anchor="ctr"/>
-                    <a:lstStyle/>
-                    <a:p>
-                      <a:pPr algn="ctr"/>
-                      <a:r>
-                        <a:rPr lang="en-US" altLang="ko-KR" sz="800" dirty="0">
-                          <a:solidFill>
-                            <a:schemeClr val="tx1"/>
-                          </a:solidFill>
-                        </a:rPr>
-                        <a:t>WEB Server</a:t>
-                      </a:r>
-                      <a:endParaRPr lang="ko-KR" altLang="en-US" sz="800" dirty="0">
-                        <a:solidFill>
-                          <a:schemeClr val="tx1"/>
-                        </a:solidFill>
-                      </a:endParaRPr>
-                    </a:p>
-                  </p:txBody>
-                </p:sp>
-                <p:sp>
-                  <p:nvSpPr>
-                    <p:cNvPr id="31" name="TextBox 30"/>
-                    <p:cNvSpPr txBox="1"/>
-                    <p:nvPr/>
-                  </p:nvSpPr>
-                  <p:spPr>
-                    <a:xfrm>
-                      <a:off x="1214567" y="2096654"/>
-                      <a:ext cx="757629" cy="215444"/>
-                    </a:xfrm>
-                    <a:prstGeom prst="rect">
-                      <a:avLst/>
-                    </a:prstGeom>
-                    <a:noFill/>
-                  </p:spPr>
-                  <p:txBody>
-                    <a:bodyPr wrap="square" rtlCol="0">
-                      <a:spAutoFit/>
-                    </a:bodyPr>
-                    <a:lstStyle/>
-                    <a:p>
-                      <a:r>
-                        <a:rPr lang="en-US" altLang="ko-KR" sz="800" dirty="0"/>
-                        <a:t>container</a:t>
-                      </a:r>
-                      <a:endParaRPr lang="ko-KR" altLang="en-US" sz="800" dirty="0"/>
-                    </a:p>
-                  </p:txBody>
-                </p:sp>
-              </p:grpSp>
-              <p:grpSp>
-                <p:nvGrpSpPr>
-                  <p:cNvPr id="27" name="그룹 26"/>
-                  <p:cNvGrpSpPr/>
-                  <p:nvPr/>
-                </p:nvGrpSpPr>
-                <p:grpSpPr>
-                  <a:xfrm>
-                    <a:off x="1693781" y="723128"/>
-                    <a:ext cx="1468582" cy="1355054"/>
-                    <a:chOff x="1693781" y="723128"/>
-                    <a:chExt cx="1468582" cy="1355054"/>
-                  </a:xfrm>
-                </p:grpSpPr>
-                <p:sp>
-                  <p:nvSpPr>
-                    <p:cNvPr id="28" name="직사각형 27"/>
-                    <p:cNvSpPr/>
-                    <p:nvPr/>
-                  </p:nvSpPr>
-                  <p:spPr>
-                    <a:xfrm>
-                      <a:off x="1758439" y="932404"/>
-                      <a:ext cx="1403924" cy="1145778"/>
-                    </a:xfrm>
-                    <a:prstGeom prst="rect">
-                      <a:avLst/>
-                    </a:prstGeom>
-                    <a:noFill/>
-                    <a:ln>
-                      <a:solidFill>
-                        <a:schemeClr val="tx1"/>
-                      </a:solidFill>
-                    </a:ln>
-                  </p:spPr>
-                  <p:style>
-                    <a:lnRef idx="2">
-                      <a:schemeClr val="accent1">
-                        <a:shade val="50000"/>
-                      </a:schemeClr>
-                    </a:lnRef>
-                    <a:fillRef idx="1">
-                      <a:schemeClr val="accent1"/>
-                    </a:fillRef>
-                    <a:effectRef idx="0">
-                      <a:schemeClr val="accent1"/>
-                    </a:effectRef>
-                    <a:fontRef idx="minor">
-                      <a:schemeClr val="lt1"/>
-                    </a:fontRef>
-                  </p:style>
-                  <p:txBody>
-                    <a:bodyPr rtlCol="0" anchor="ctr"/>
-                    <a:lstStyle/>
-                    <a:p>
-                      <a:pPr algn="ctr"/>
-                      <a:endParaRPr lang="ko-KR" altLang="en-US" sz="800" dirty="0">
-                        <a:solidFill>
-                          <a:schemeClr val="tx1"/>
-                        </a:solidFill>
-                      </a:endParaRPr>
-                    </a:p>
-                  </p:txBody>
-                </p:sp>
-                <p:sp>
-                  <p:nvSpPr>
-                    <p:cNvPr id="29" name="TextBox 28"/>
-                    <p:cNvSpPr txBox="1"/>
-                    <p:nvPr/>
-                  </p:nvSpPr>
-                  <p:spPr>
-                    <a:xfrm>
-                      <a:off x="1693781" y="723128"/>
-                      <a:ext cx="757629" cy="215444"/>
-                    </a:xfrm>
-                    <a:prstGeom prst="rect">
-                      <a:avLst/>
-                    </a:prstGeom>
-                    <a:noFill/>
-                  </p:spPr>
-                  <p:txBody>
-                    <a:bodyPr wrap="square" rtlCol="0">
-                      <a:spAutoFit/>
-                    </a:bodyPr>
-                    <a:lstStyle/>
-                    <a:p>
-                      <a:r>
-                        <a:rPr lang="en-US" altLang="ko-KR" sz="800" dirty="0"/>
-                        <a:t>pod</a:t>
-                      </a:r>
-                      <a:endParaRPr lang="ko-KR" altLang="en-US" sz="800" dirty="0"/>
-                    </a:p>
-                  </p:txBody>
-                </p:sp>
-              </p:grpSp>
-            </p:grpSp>
-            <p:sp>
-              <p:nvSpPr>
-                <p:cNvPr id="32" name="TextBox 31"/>
-                <p:cNvSpPr txBox="1"/>
-                <p:nvPr/>
-              </p:nvSpPr>
-              <p:spPr>
-                <a:xfrm>
-                  <a:off x="6197641" y="1365812"/>
-                  <a:ext cx="358190" cy="215444"/>
-                </a:xfrm>
-                <a:prstGeom prst="rect">
-                  <a:avLst/>
-                </a:prstGeom>
-                <a:noFill/>
-              </p:spPr>
-              <p:txBody>
-                <a:bodyPr wrap="square" rtlCol="0">
-                  <a:spAutoFit/>
-                </a:bodyPr>
-                <a:lstStyle/>
-                <a:p>
-                  <a:r>
-                    <a:rPr lang="en-US" altLang="ko-KR" sz="800" dirty="0"/>
-                    <a:t>· · ·</a:t>
-                  </a:r>
-                  <a:endParaRPr lang="ko-KR" altLang="en-US" sz="800" dirty="0"/>
-                </a:p>
-              </p:txBody>
-            </p:sp>
-          </p:grpSp>
-          <p:grpSp>
-            <p:nvGrpSpPr>
-              <p:cNvPr id="66" name="그룹 65"/>
-              <p:cNvGrpSpPr/>
-              <p:nvPr/>
-            </p:nvGrpSpPr>
-            <p:grpSpPr>
-              <a:xfrm>
-                <a:off x="4528579" y="342526"/>
-                <a:ext cx="5936222" cy="1965394"/>
-                <a:chOff x="4528579" y="342526"/>
-                <a:chExt cx="5936222" cy="1965394"/>
-              </a:xfrm>
-            </p:grpSpPr>
-            <p:sp>
-              <p:nvSpPr>
-                <p:cNvPr id="50" name="직사각형 49"/>
-                <p:cNvSpPr/>
-                <p:nvPr/>
-              </p:nvSpPr>
-              <p:spPr>
-                <a:xfrm>
-                  <a:off x="4593237" y="659579"/>
-                  <a:ext cx="5871564" cy="1648341"/>
-                </a:xfrm>
-                <a:prstGeom prst="rect">
-                  <a:avLst/>
-                </a:prstGeom>
-                <a:noFill/>
-                <a:ln>
+              <a:prstGeom prst="rect">
+                <a:avLst/>
+              </a:prstGeom>
+              <a:noFill/>
+              <a:ln>
+                <a:solidFill>
+                  <a:schemeClr val="tx1"/>
+                </a:solidFill>
+              </a:ln>
+            </p:spPr>
+            <p:style>
+              <a:lnRef idx="2">
+                <a:schemeClr val="accent1">
+                  <a:shade val="50000"/>
+                </a:schemeClr>
+              </a:lnRef>
+              <a:fillRef idx="1">
+                <a:schemeClr val="accent1"/>
+              </a:fillRef>
+              <a:effectRef idx="0">
+                <a:schemeClr val="accent1"/>
+              </a:effectRef>
+              <a:fontRef idx="minor">
+                <a:schemeClr val="lt1"/>
+              </a:fontRef>
+            </p:style>
+            <p:txBody>
+              <a:bodyPr rtlCol="0" anchor="ctr"/>
+              <a:lstStyle/>
+              <a:p>
+                <a:pPr algn="ctr"/>
+                <a:r>
+                  <a:rPr lang="en-US" altLang="ko-KR" sz="800" dirty="0">
+                    <a:solidFill>
+                      <a:schemeClr val="tx1"/>
+                    </a:solidFill>
+                  </a:rPr>
+                  <a:t>WEB Server</a:t>
+                </a:r>
+                <a:endParaRPr lang="ko-KR" altLang="en-US" sz="800" dirty="0">
                   <a:solidFill>
                     <a:schemeClr val="tx1"/>
                   </a:solidFill>
-                </a:ln>
-              </p:spPr>
-              <p:style>
-                <a:lnRef idx="2">
-                  <a:schemeClr val="accent1">
-                    <a:shade val="50000"/>
-                  </a:schemeClr>
-                </a:lnRef>
-                <a:fillRef idx="1">
-                  <a:schemeClr val="accent1"/>
-                </a:fillRef>
-                <a:effectRef idx="0">
-                  <a:schemeClr val="accent1"/>
-                </a:effectRef>
-                <a:fontRef idx="minor">
-                  <a:schemeClr val="lt1"/>
-                </a:fontRef>
-              </p:style>
-              <p:txBody>
-                <a:bodyPr rtlCol="0" anchor="ctr"/>
-                <a:lstStyle/>
-                <a:p>
-                  <a:pPr algn="ctr"/>
-                  <a:endParaRPr lang="ko-KR" altLang="en-US" sz="800" dirty="0">
-                    <a:solidFill>
-                      <a:schemeClr val="tx1"/>
-                    </a:solidFill>
-                  </a:endParaRPr>
-                </a:p>
-              </p:txBody>
-            </p:sp>
-            <p:sp>
-              <p:nvSpPr>
-                <p:cNvPr id="51" name="TextBox 50"/>
-                <p:cNvSpPr txBox="1"/>
-                <p:nvPr/>
-              </p:nvSpPr>
-              <p:spPr>
-                <a:xfrm>
-                  <a:off x="4528579" y="342526"/>
-                  <a:ext cx="5923521" cy="338554"/>
-                </a:xfrm>
-                <a:prstGeom prst="rect">
-                  <a:avLst/>
-                </a:prstGeom>
-                <a:noFill/>
-              </p:spPr>
-              <p:txBody>
-                <a:bodyPr wrap="square" rtlCol="0">
-                  <a:spAutoFit/>
-                </a:bodyPr>
-                <a:lstStyle/>
-                <a:p>
-                  <a:r>
-                    <a:rPr lang="en-US" altLang="ko-KR" sz="800" dirty="0"/>
-                    <a:t>Worker Node</a:t>
-                  </a:r>
-                </a:p>
-                <a:p>
-                  <a:r>
-                    <a:rPr lang="en-US" altLang="ko-KR" sz="800" dirty="0"/>
-                    <a:t>  - Worker Node 1~3</a:t>
-                  </a:r>
-                  <a:r>
-                    <a:rPr lang="ko-KR" altLang="en-US" sz="800" dirty="0"/>
-                    <a:t>은 </a:t>
-                  </a:r>
-                  <a:r>
-                    <a:rPr lang="en-US" altLang="ko-KR" sz="800" dirty="0"/>
-                    <a:t>Web Server, Worker Node 4</a:t>
-                  </a:r>
-                  <a:r>
-                    <a:rPr lang="ko-KR" altLang="en-US" sz="800" dirty="0"/>
-                    <a:t>는 </a:t>
-                  </a:r>
-                  <a:r>
-                    <a:rPr lang="en-US" altLang="ko-KR" sz="800" dirty="0"/>
-                    <a:t>Log</a:t>
-                  </a:r>
-                  <a:r>
-                    <a:rPr lang="en-US" altLang="ko-KR" sz="800"/>
-                    <a:t>, Worker Node 5</a:t>
-                  </a:r>
-                  <a:r>
-                    <a:rPr lang="ko-KR" altLang="en-US" sz="800" dirty="0"/>
-                    <a:t>는 </a:t>
-                  </a:r>
-                  <a:r>
-                    <a:rPr lang="en-US" altLang="ko-KR" sz="800" dirty="0"/>
-                    <a:t>Monitoring </a:t>
-                  </a:r>
-                  <a:r>
-                    <a:rPr lang="ko-KR" altLang="en-US" sz="800" dirty="0"/>
-                    <a:t>등과 같이 구성</a:t>
-                  </a:r>
-                </a:p>
-              </p:txBody>
-            </p:sp>
-            <p:sp>
-              <p:nvSpPr>
-                <p:cNvPr id="59" name="직사각형 58"/>
-                <p:cNvSpPr/>
-                <p:nvPr/>
-              </p:nvSpPr>
-              <p:spPr>
-                <a:xfrm>
-                  <a:off x="4695314" y="981048"/>
-                  <a:ext cx="794572" cy="173497"/>
-                </a:xfrm>
-                <a:prstGeom prst="rect">
-                  <a:avLst/>
-                </a:prstGeom>
-                <a:noFill/>
-                <a:ln>
-                  <a:solidFill>
-                    <a:schemeClr val="tx1"/>
-                  </a:solidFill>
-                </a:ln>
-              </p:spPr>
-              <p:style>
-                <a:lnRef idx="2">
-                  <a:schemeClr val="accent1">
-                    <a:shade val="50000"/>
-                  </a:schemeClr>
-                </a:lnRef>
-                <a:fillRef idx="1">
-                  <a:schemeClr val="accent1"/>
-                </a:fillRef>
-                <a:effectRef idx="0">
-                  <a:schemeClr val="accent1"/>
-                </a:effectRef>
-                <a:fontRef idx="minor">
-                  <a:schemeClr val="lt1"/>
-                </a:fontRef>
-              </p:style>
-              <p:txBody>
-                <a:bodyPr rtlCol="0" anchor="ctr"/>
-                <a:lstStyle/>
-                <a:p>
-                  <a:pPr algn="ctr"/>
-                  <a:r>
-                    <a:rPr lang="en-US" altLang="ko-KR" sz="800" dirty="0" err="1">
-                      <a:solidFill>
-                        <a:schemeClr val="tx1"/>
-                      </a:solidFill>
-                    </a:rPr>
-                    <a:t>kubelet</a:t>
-                  </a:r>
-                  <a:endParaRPr lang="ko-KR" altLang="en-US" sz="800" dirty="0">
-                    <a:solidFill>
-                      <a:schemeClr val="tx1"/>
-                    </a:solidFill>
-                  </a:endParaRPr>
-                </a:p>
-              </p:txBody>
-            </p:sp>
-            <p:sp>
-              <p:nvSpPr>
-                <p:cNvPr id="61" name="직사각형 60"/>
-                <p:cNvSpPr/>
-                <p:nvPr/>
-              </p:nvSpPr>
-              <p:spPr>
-                <a:xfrm>
-                  <a:off x="4688111" y="1227269"/>
-                  <a:ext cx="794572" cy="173497"/>
-                </a:xfrm>
-                <a:prstGeom prst="rect">
-                  <a:avLst/>
-                </a:prstGeom>
-                <a:noFill/>
-                <a:ln>
-                  <a:solidFill>
-                    <a:schemeClr val="tx1"/>
-                  </a:solidFill>
-                </a:ln>
-              </p:spPr>
-              <p:style>
-                <a:lnRef idx="2">
-                  <a:schemeClr val="accent1">
-                    <a:shade val="50000"/>
-                  </a:schemeClr>
-                </a:lnRef>
-                <a:fillRef idx="1">
-                  <a:schemeClr val="accent1"/>
-                </a:fillRef>
-                <a:effectRef idx="0">
-                  <a:schemeClr val="accent1"/>
-                </a:effectRef>
-                <a:fontRef idx="minor">
-                  <a:schemeClr val="lt1"/>
-                </a:fontRef>
-              </p:style>
-              <p:txBody>
-                <a:bodyPr rtlCol="0" anchor="ctr"/>
-                <a:lstStyle/>
-                <a:p>
-                  <a:pPr algn="ctr"/>
-                  <a:r>
-                    <a:rPr lang="en-US" altLang="ko-KR" sz="800" dirty="0" err="1">
-                      <a:solidFill>
-                        <a:schemeClr val="tx1"/>
-                      </a:solidFill>
-                    </a:rPr>
-                    <a:t>kubeproxy</a:t>
-                  </a:r>
-                  <a:endParaRPr lang="ko-KR" altLang="en-US" sz="800" dirty="0">
-                    <a:solidFill>
-                      <a:schemeClr val="tx1"/>
-                    </a:solidFill>
-                  </a:endParaRPr>
-                </a:p>
-              </p:txBody>
-            </p:sp>
-            <p:sp>
-              <p:nvSpPr>
-                <p:cNvPr id="62" name="직사각형 61"/>
-                <p:cNvSpPr/>
-                <p:nvPr/>
-              </p:nvSpPr>
-              <p:spPr>
-                <a:xfrm>
-                  <a:off x="4695314" y="1468580"/>
-                  <a:ext cx="794572" cy="173497"/>
-                </a:xfrm>
-                <a:prstGeom prst="rect">
-                  <a:avLst/>
-                </a:prstGeom>
-                <a:noFill/>
-                <a:ln>
-                  <a:solidFill>
-                    <a:schemeClr val="tx1"/>
-                  </a:solidFill>
-                </a:ln>
-              </p:spPr>
-              <p:style>
-                <a:lnRef idx="2">
-                  <a:schemeClr val="accent1">
-                    <a:shade val="50000"/>
-                  </a:schemeClr>
-                </a:lnRef>
-                <a:fillRef idx="1">
-                  <a:schemeClr val="accent1"/>
-                </a:fillRef>
-                <a:effectRef idx="0">
-                  <a:schemeClr val="accent1"/>
-                </a:effectRef>
-                <a:fontRef idx="minor">
-                  <a:schemeClr val="lt1"/>
-                </a:fontRef>
-              </p:style>
-              <p:txBody>
-                <a:bodyPr rtlCol="0" anchor="ctr"/>
-                <a:lstStyle/>
-                <a:p>
-                  <a:pPr algn="ctr"/>
-                  <a:r>
-                    <a:rPr lang="en-US" altLang="ko-KR" sz="800" dirty="0" err="1">
-                      <a:solidFill>
-                        <a:schemeClr val="tx1"/>
-                      </a:solidFill>
-                    </a:rPr>
-                    <a:t>cAdvisor</a:t>
-                  </a:r>
-                  <a:endParaRPr lang="ko-KR" altLang="en-US" sz="800" dirty="0">
-                    <a:solidFill>
-                      <a:schemeClr val="tx1"/>
-                    </a:solidFill>
-                  </a:endParaRPr>
-                </a:p>
-              </p:txBody>
-            </p:sp>
-          </p:grpSp>
+                </a:endParaRPr>
+              </a:p>
+            </p:txBody>
+          </p:sp>
+          <p:sp>
+            <p:nvSpPr>
+              <p:cNvPr id="5" name="TextBox 4"/>
+              <p:cNvSpPr txBox="1"/>
+              <p:nvPr/>
+            </p:nvSpPr>
+            <p:spPr>
+              <a:xfrm>
+                <a:off x="2761427" y="2096654"/>
+                <a:ext cx="757629" cy="215444"/>
+              </a:xfrm>
+              <a:prstGeom prst="rect">
+                <a:avLst/>
+              </a:prstGeom>
+              <a:noFill/>
+            </p:spPr>
+            <p:txBody>
+              <a:bodyPr wrap="square" rtlCol="0">
+                <a:spAutoFit/>
+              </a:bodyPr>
+              <a:lstStyle/>
+              <a:p>
+                <a:r>
+                  <a:rPr lang="en-US" altLang="ko-KR" sz="800" dirty="0"/>
+                  <a:t>container</a:t>
+                </a:r>
+                <a:endParaRPr lang="ko-KR" altLang="en-US" sz="800" dirty="0"/>
+              </a:p>
+            </p:txBody>
+          </p:sp>
         </p:grpSp>
         <p:grpSp>
           <p:nvGrpSpPr>
-            <p:cNvPr id="69" name="그룹 68"/>
+            <p:cNvPr id="7" name="그룹 6"/>
             <p:cNvGrpSpPr/>
             <p:nvPr/>
           </p:nvGrpSpPr>
           <p:grpSpPr>
             <a:xfrm>
-              <a:off x="6001780" y="2354687"/>
-              <a:ext cx="5936221" cy="1857616"/>
-              <a:chOff x="4528580" y="2365414"/>
-              <a:chExt cx="5936221" cy="1857616"/>
+              <a:off x="4648038" y="1099126"/>
+              <a:ext cx="1337126" cy="793504"/>
+              <a:chOff x="2604407" y="2096654"/>
+              <a:chExt cx="1337126" cy="793504"/>
             </a:xfrm>
           </p:grpSpPr>
-          <p:grpSp>
-            <p:nvGrpSpPr>
-              <p:cNvPr id="49" name="그룹 48"/>
-              <p:cNvGrpSpPr/>
+          <p:sp>
+            <p:nvSpPr>
+              <p:cNvPr id="8" name="직사각형 7"/>
+              <p:cNvSpPr/>
               <p:nvPr/>
-            </p:nvGrpSpPr>
-            <p:grpSpPr>
+            </p:nvSpPr>
+            <p:spPr>
               <a:xfrm>
-                <a:off x="5558490" y="2713619"/>
-                <a:ext cx="4761666" cy="1376299"/>
-                <a:chOff x="3240163" y="2658200"/>
-                <a:chExt cx="4761666" cy="1376299"/>
+                <a:off x="2604407" y="2310494"/>
+                <a:ext cx="1337126" cy="579664"/>
               </a:xfrm>
-            </p:grpSpPr>
-            <p:grpSp>
-              <p:nvGrpSpPr>
-                <p:cNvPr id="33" name="그룹 32"/>
-                <p:cNvGrpSpPr/>
-                <p:nvPr/>
-              </p:nvGrpSpPr>
-              <p:grpSpPr>
-                <a:xfrm>
-                  <a:off x="3240163" y="2658200"/>
-                  <a:ext cx="1468582" cy="1355054"/>
-                  <a:chOff x="3240641" y="723128"/>
-                  <a:chExt cx="1468582" cy="1355054"/>
-                </a:xfrm>
-              </p:grpSpPr>
-              <p:grpSp>
-                <p:nvGrpSpPr>
-                  <p:cNvPr id="34" name="그룹 33"/>
-                  <p:cNvGrpSpPr/>
-                  <p:nvPr/>
-                </p:nvGrpSpPr>
-                <p:grpSpPr>
-                  <a:xfrm>
-                    <a:off x="3491098" y="1099126"/>
-                    <a:ext cx="1045029" cy="793504"/>
-                    <a:chOff x="2604407" y="2096654"/>
-                    <a:chExt cx="1045029" cy="793504"/>
-                  </a:xfrm>
-                </p:grpSpPr>
-                <p:sp>
-                  <p:nvSpPr>
-                    <p:cNvPr id="38" name="직사각형 37"/>
-                    <p:cNvSpPr/>
-                    <p:nvPr/>
-                  </p:nvSpPr>
-                  <p:spPr>
-                    <a:xfrm>
-                      <a:off x="2604407" y="2310494"/>
-                      <a:ext cx="1045029" cy="579664"/>
-                    </a:xfrm>
-                    <a:prstGeom prst="rect">
-                      <a:avLst/>
-                    </a:prstGeom>
-                    <a:noFill/>
-                    <a:ln>
-                      <a:solidFill>
-                        <a:schemeClr val="tx1"/>
-                      </a:solidFill>
-                    </a:ln>
-                  </p:spPr>
-                  <p:style>
-                    <a:lnRef idx="2">
-                      <a:schemeClr val="accent1">
-                        <a:shade val="50000"/>
-                      </a:schemeClr>
-                    </a:lnRef>
-                    <a:fillRef idx="1">
-                      <a:schemeClr val="accent1"/>
-                    </a:fillRef>
-                    <a:effectRef idx="0">
-                      <a:schemeClr val="accent1"/>
-                    </a:effectRef>
-                    <a:fontRef idx="minor">
-                      <a:schemeClr val="lt1"/>
-                    </a:fontRef>
-                  </p:style>
-                  <p:txBody>
-                    <a:bodyPr rtlCol="0" anchor="ctr"/>
-                    <a:lstStyle/>
-                    <a:p>
-                      <a:pPr algn="ctr"/>
-                      <a:r>
-                        <a:rPr lang="en-US" altLang="ko-KR" sz="800" dirty="0">
-                          <a:solidFill>
-                            <a:schemeClr val="tx1"/>
-                          </a:solidFill>
-                        </a:rPr>
-                        <a:t>WEB Server</a:t>
-                      </a:r>
-                      <a:endParaRPr lang="ko-KR" altLang="en-US" sz="800" dirty="0">
-                        <a:solidFill>
-                          <a:schemeClr val="tx1"/>
-                        </a:solidFill>
-                      </a:endParaRPr>
-                    </a:p>
-                  </p:txBody>
-                </p:sp>
-                <p:sp>
-                  <p:nvSpPr>
-                    <p:cNvPr id="39" name="TextBox 38"/>
-                    <p:cNvSpPr txBox="1"/>
-                    <p:nvPr/>
-                  </p:nvSpPr>
-                  <p:spPr>
-                    <a:xfrm>
-                      <a:off x="2761427" y="2096654"/>
-                      <a:ext cx="757629" cy="215444"/>
-                    </a:xfrm>
-                    <a:prstGeom prst="rect">
-                      <a:avLst/>
-                    </a:prstGeom>
-                    <a:noFill/>
-                  </p:spPr>
-                  <p:txBody>
-                    <a:bodyPr wrap="square" rtlCol="0">
-                      <a:spAutoFit/>
-                    </a:bodyPr>
-                    <a:lstStyle/>
-                    <a:p>
-                      <a:r>
-                        <a:rPr lang="en-US" altLang="ko-KR" sz="800" dirty="0"/>
-                        <a:t>container</a:t>
-                      </a:r>
-                      <a:endParaRPr lang="ko-KR" altLang="en-US" sz="800" dirty="0"/>
-                    </a:p>
-                  </p:txBody>
-                </p:sp>
-              </p:grpSp>
-              <p:grpSp>
-                <p:nvGrpSpPr>
-                  <p:cNvPr id="35" name="그룹 34"/>
-                  <p:cNvGrpSpPr/>
-                  <p:nvPr/>
-                </p:nvGrpSpPr>
-                <p:grpSpPr>
-                  <a:xfrm>
-                    <a:off x="3240641" y="723128"/>
-                    <a:ext cx="1468582" cy="1355054"/>
-                    <a:chOff x="3240641" y="723128"/>
-                    <a:chExt cx="1468582" cy="1355054"/>
-                  </a:xfrm>
-                </p:grpSpPr>
-                <p:sp>
-                  <p:nvSpPr>
-                    <p:cNvPr id="36" name="직사각형 35"/>
-                    <p:cNvSpPr/>
-                    <p:nvPr/>
-                  </p:nvSpPr>
-                  <p:spPr>
-                    <a:xfrm>
-                      <a:off x="3305299" y="932404"/>
-                      <a:ext cx="1403924" cy="1145778"/>
-                    </a:xfrm>
-                    <a:prstGeom prst="rect">
-                      <a:avLst/>
-                    </a:prstGeom>
-                    <a:noFill/>
-                    <a:ln>
-                      <a:solidFill>
-                        <a:schemeClr val="tx1"/>
-                      </a:solidFill>
-                    </a:ln>
-                  </p:spPr>
-                  <p:style>
-                    <a:lnRef idx="2">
-                      <a:schemeClr val="accent1">
-                        <a:shade val="50000"/>
-                      </a:schemeClr>
-                    </a:lnRef>
-                    <a:fillRef idx="1">
-                      <a:schemeClr val="accent1"/>
-                    </a:fillRef>
-                    <a:effectRef idx="0">
-                      <a:schemeClr val="accent1"/>
-                    </a:effectRef>
-                    <a:fontRef idx="minor">
-                      <a:schemeClr val="lt1"/>
-                    </a:fontRef>
-                  </p:style>
-                  <p:txBody>
-                    <a:bodyPr rtlCol="0" anchor="ctr"/>
-                    <a:lstStyle/>
-                    <a:p>
-                      <a:pPr algn="ctr"/>
-                      <a:endParaRPr lang="ko-KR" altLang="en-US" sz="800" dirty="0">
-                        <a:solidFill>
-                          <a:schemeClr val="tx1"/>
-                        </a:solidFill>
-                      </a:endParaRPr>
-                    </a:p>
-                  </p:txBody>
-                </p:sp>
-                <p:sp>
-                  <p:nvSpPr>
-                    <p:cNvPr id="37" name="TextBox 36"/>
-                    <p:cNvSpPr txBox="1"/>
-                    <p:nvPr/>
-                  </p:nvSpPr>
-                  <p:spPr>
-                    <a:xfrm>
-                      <a:off x="3240641" y="723128"/>
-                      <a:ext cx="757629" cy="215444"/>
-                    </a:xfrm>
-                    <a:prstGeom prst="rect">
-                      <a:avLst/>
-                    </a:prstGeom>
-                    <a:noFill/>
-                  </p:spPr>
-                  <p:txBody>
-                    <a:bodyPr wrap="square" rtlCol="0">
-                      <a:spAutoFit/>
-                    </a:bodyPr>
-                    <a:lstStyle/>
-                    <a:p>
-                      <a:r>
-                        <a:rPr lang="en-US" altLang="ko-KR" sz="800" dirty="0"/>
-                        <a:t>pod</a:t>
-                      </a:r>
-                      <a:endParaRPr lang="ko-KR" altLang="en-US" sz="800" dirty="0"/>
-                    </a:p>
-                  </p:txBody>
-                </p:sp>
-              </p:grpSp>
-            </p:grpSp>
-            <p:grpSp>
-              <p:nvGrpSpPr>
-                <p:cNvPr id="40" name="그룹 39"/>
-                <p:cNvGrpSpPr/>
-                <p:nvPr/>
-              </p:nvGrpSpPr>
-              <p:grpSpPr>
-                <a:xfrm>
-                  <a:off x="6533247" y="2679445"/>
-                  <a:ext cx="1468582" cy="1355054"/>
-                  <a:chOff x="4665581" y="753608"/>
-                  <a:chExt cx="1468582" cy="1355054"/>
-                </a:xfrm>
-              </p:grpSpPr>
-              <p:grpSp>
-                <p:nvGrpSpPr>
-                  <p:cNvPr id="41" name="그룹 40"/>
-                  <p:cNvGrpSpPr/>
-                  <p:nvPr/>
-                </p:nvGrpSpPr>
-                <p:grpSpPr>
-                  <a:xfrm>
-                    <a:off x="4916038" y="1129606"/>
-                    <a:ext cx="1045029" cy="793504"/>
-                    <a:chOff x="4029347" y="2127134"/>
-                    <a:chExt cx="1045029" cy="793504"/>
-                  </a:xfrm>
-                </p:grpSpPr>
-                <p:sp>
-                  <p:nvSpPr>
-                    <p:cNvPr id="45" name="직사각형 44"/>
-                    <p:cNvSpPr/>
-                    <p:nvPr/>
-                  </p:nvSpPr>
-                  <p:spPr>
-                    <a:xfrm>
-                      <a:off x="4029347" y="2340974"/>
-                      <a:ext cx="1045029" cy="579664"/>
-                    </a:xfrm>
-                    <a:prstGeom prst="rect">
-                      <a:avLst/>
-                    </a:prstGeom>
-                    <a:noFill/>
-                    <a:ln>
-                      <a:solidFill>
-                        <a:schemeClr val="tx1"/>
-                      </a:solidFill>
-                    </a:ln>
-                  </p:spPr>
-                  <p:style>
-                    <a:lnRef idx="2">
-                      <a:schemeClr val="accent1">
-                        <a:shade val="50000"/>
-                      </a:schemeClr>
-                    </a:lnRef>
-                    <a:fillRef idx="1">
-                      <a:schemeClr val="accent1"/>
-                    </a:fillRef>
-                    <a:effectRef idx="0">
-                      <a:schemeClr val="accent1"/>
-                    </a:effectRef>
-                    <a:fontRef idx="minor">
-                      <a:schemeClr val="lt1"/>
-                    </a:fontRef>
-                  </p:style>
-                  <p:txBody>
-                    <a:bodyPr rtlCol="0" anchor="ctr"/>
-                    <a:lstStyle/>
-                    <a:p>
-                      <a:pPr algn="ctr"/>
-                      <a:r>
-                        <a:rPr lang="en-US" altLang="ko-KR" sz="800" dirty="0">
-                          <a:solidFill>
-                            <a:schemeClr val="tx1"/>
-                          </a:solidFill>
-                        </a:rPr>
-                        <a:t>WEB Server</a:t>
-                      </a:r>
-                      <a:endParaRPr lang="ko-KR" altLang="en-US" sz="800" dirty="0">
-                        <a:solidFill>
-                          <a:schemeClr val="tx1"/>
-                        </a:solidFill>
-                      </a:endParaRPr>
-                    </a:p>
-                  </p:txBody>
-                </p:sp>
-                <p:sp>
-                  <p:nvSpPr>
-                    <p:cNvPr id="46" name="TextBox 45"/>
-                    <p:cNvSpPr txBox="1"/>
-                    <p:nvPr/>
-                  </p:nvSpPr>
-                  <p:spPr>
-                    <a:xfrm>
-                      <a:off x="4186367" y="2127134"/>
-                      <a:ext cx="757629" cy="215444"/>
-                    </a:xfrm>
-                    <a:prstGeom prst="rect">
-                      <a:avLst/>
-                    </a:prstGeom>
-                    <a:noFill/>
-                  </p:spPr>
-                  <p:txBody>
-                    <a:bodyPr wrap="square" rtlCol="0">
-                      <a:spAutoFit/>
-                    </a:bodyPr>
-                    <a:lstStyle/>
-                    <a:p>
-                      <a:r>
-                        <a:rPr lang="en-US" altLang="ko-KR" sz="800" dirty="0"/>
-                        <a:t>container</a:t>
-                      </a:r>
-                      <a:endParaRPr lang="ko-KR" altLang="en-US" sz="800" dirty="0"/>
-                    </a:p>
-                  </p:txBody>
-                </p:sp>
-              </p:grpSp>
-              <p:grpSp>
-                <p:nvGrpSpPr>
-                  <p:cNvPr id="42" name="그룹 41"/>
-                  <p:cNvGrpSpPr/>
-                  <p:nvPr/>
-                </p:nvGrpSpPr>
-                <p:grpSpPr>
-                  <a:xfrm>
-                    <a:off x="4665581" y="753608"/>
-                    <a:ext cx="1468582" cy="1355054"/>
-                    <a:chOff x="4665581" y="753608"/>
-                    <a:chExt cx="1468582" cy="1355054"/>
-                  </a:xfrm>
-                </p:grpSpPr>
-                <p:sp>
-                  <p:nvSpPr>
-                    <p:cNvPr id="43" name="직사각형 42"/>
-                    <p:cNvSpPr/>
-                    <p:nvPr/>
-                  </p:nvSpPr>
-                  <p:spPr>
-                    <a:xfrm>
-                      <a:off x="4730239" y="962884"/>
-                      <a:ext cx="1403924" cy="1145778"/>
-                    </a:xfrm>
-                    <a:prstGeom prst="rect">
-                      <a:avLst/>
-                    </a:prstGeom>
-                    <a:noFill/>
-                    <a:ln>
-                      <a:solidFill>
-                        <a:schemeClr val="tx1"/>
-                      </a:solidFill>
-                    </a:ln>
-                  </p:spPr>
-                  <p:style>
-                    <a:lnRef idx="2">
-                      <a:schemeClr val="accent1">
-                        <a:shade val="50000"/>
-                      </a:schemeClr>
-                    </a:lnRef>
-                    <a:fillRef idx="1">
-                      <a:schemeClr val="accent1"/>
-                    </a:fillRef>
-                    <a:effectRef idx="0">
-                      <a:schemeClr val="accent1"/>
-                    </a:effectRef>
-                    <a:fontRef idx="minor">
-                      <a:schemeClr val="lt1"/>
-                    </a:fontRef>
-                  </p:style>
-                  <p:txBody>
-                    <a:bodyPr rtlCol="0" anchor="ctr"/>
-                    <a:lstStyle/>
-                    <a:p>
-                      <a:pPr algn="ctr"/>
-                      <a:endParaRPr lang="ko-KR" altLang="en-US" sz="800" dirty="0">
-                        <a:solidFill>
-                          <a:schemeClr val="tx1"/>
-                        </a:solidFill>
-                      </a:endParaRPr>
-                    </a:p>
-                  </p:txBody>
-                </p:sp>
-                <p:sp>
-                  <p:nvSpPr>
-                    <p:cNvPr id="44" name="TextBox 43"/>
-                    <p:cNvSpPr txBox="1"/>
-                    <p:nvPr/>
-                  </p:nvSpPr>
-                  <p:spPr>
-                    <a:xfrm>
-                      <a:off x="4665581" y="753608"/>
-                      <a:ext cx="757629" cy="215444"/>
-                    </a:xfrm>
-                    <a:prstGeom prst="rect">
-                      <a:avLst/>
-                    </a:prstGeom>
-                    <a:noFill/>
-                  </p:spPr>
-                  <p:txBody>
-                    <a:bodyPr wrap="square" rtlCol="0">
-                      <a:spAutoFit/>
-                    </a:bodyPr>
-                    <a:lstStyle/>
-                    <a:p>
-                      <a:r>
-                        <a:rPr lang="en-US" altLang="ko-KR" sz="800" dirty="0"/>
-                        <a:t>pod</a:t>
-                      </a:r>
-                      <a:endParaRPr lang="ko-KR" altLang="en-US" sz="800" dirty="0"/>
-                    </a:p>
-                  </p:txBody>
-                </p:sp>
-              </p:grpSp>
-            </p:grpSp>
-            <p:sp>
-              <p:nvSpPr>
-                <p:cNvPr id="47" name="TextBox 46"/>
-                <p:cNvSpPr txBox="1"/>
-                <p:nvPr/>
-              </p:nvSpPr>
-              <p:spPr>
-                <a:xfrm>
-                  <a:off x="5463627" y="3291649"/>
-                  <a:ext cx="358190" cy="215444"/>
-                </a:xfrm>
-                <a:prstGeom prst="rect">
-                  <a:avLst/>
-                </a:prstGeom>
-                <a:noFill/>
-              </p:spPr>
-              <p:txBody>
-                <a:bodyPr wrap="square" rtlCol="0">
-                  <a:spAutoFit/>
-                </a:bodyPr>
-                <a:lstStyle/>
-                <a:p>
-                  <a:r>
-                    <a:rPr lang="en-US" altLang="ko-KR" sz="800" dirty="0"/>
-                    <a:t>· · ·</a:t>
-                  </a:r>
-                  <a:endParaRPr lang="ko-KR" altLang="en-US" sz="800" dirty="0"/>
-                </a:p>
-              </p:txBody>
-            </p:sp>
-          </p:grpSp>
-          <p:grpSp>
-            <p:nvGrpSpPr>
-              <p:cNvPr id="68" name="그룹 67"/>
-              <p:cNvGrpSpPr/>
-              <p:nvPr/>
-            </p:nvGrpSpPr>
-            <p:grpSpPr>
-              <a:xfrm>
-                <a:off x="4528580" y="2365414"/>
-                <a:ext cx="5936221" cy="1857616"/>
-                <a:chOff x="4528580" y="2365414"/>
-                <a:chExt cx="5936221" cy="1857616"/>
-              </a:xfrm>
-            </p:grpSpPr>
-            <p:sp>
-              <p:nvSpPr>
-                <p:cNvPr id="57" name="직사각형 56"/>
-                <p:cNvSpPr/>
-                <p:nvPr/>
-              </p:nvSpPr>
-              <p:spPr>
-                <a:xfrm>
-                  <a:off x="4593236" y="2574689"/>
-                  <a:ext cx="5871565" cy="1648341"/>
-                </a:xfrm>
-                <a:prstGeom prst="rect">
-                  <a:avLst/>
-                </a:prstGeom>
-                <a:noFill/>
-                <a:ln>
+              <a:prstGeom prst="rect">
+                <a:avLst/>
+              </a:prstGeom>
+              <a:noFill/>
+              <a:ln>
+                <a:solidFill>
+                  <a:schemeClr val="tx1"/>
+                </a:solidFill>
+              </a:ln>
+            </p:spPr>
+            <p:style>
+              <a:lnRef idx="2">
+                <a:schemeClr val="accent1">
+                  <a:shade val="50000"/>
+                </a:schemeClr>
+              </a:lnRef>
+              <a:fillRef idx="1">
+                <a:schemeClr val="accent1"/>
+              </a:fillRef>
+              <a:effectRef idx="0">
+                <a:schemeClr val="accent1"/>
+              </a:effectRef>
+              <a:fontRef idx="minor">
+                <a:schemeClr val="lt1"/>
+              </a:fontRef>
+            </p:style>
+            <p:txBody>
+              <a:bodyPr rtlCol="0" anchor="ctr"/>
+              <a:lstStyle/>
+              <a:p>
+                <a:pPr algn="ctr"/>
+                <a:r>
+                  <a:rPr lang="en-US" altLang="ko-KR" sz="800" dirty="0">
+                    <a:solidFill>
+                      <a:schemeClr val="tx1"/>
+                    </a:solidFill>
+                  </a:rPr>
+                  <a:t>Log Stash</a:t>
+                </a:r>
+                <a:endParaRPr lang="ko-KR" altLang="en-US" sz="800" dirty="0">
                   <a:solidFill>
                     <a:schemeClr val="tx1"/>
                   </a:solidFill>
-                </a:ln>
-              </p:spPr>
-              <p:style>
-                <a:lnRef idx="2">
-                  <a:schemeClr val="accent1">
-                    <a:shade val="50000"/>
-                  </a:schemeClr>
-                </a:lnRef>
-                <a:fillRef idx="1">
-                  <a:schemeClr val="accent1"/>
-                </a:fillRef>
-                <a:effectRef idx="0">
-                  <a:schemeClr val="accent1"/>
-                </a:effectRef>
-                <a:fontRef idx="minor">
-                  <a:schemeClr val="lt1"/>
-                </a:fontRef>
-              </p:style>
-              <p:txBody>
-                <a:bodyPr rtlCol="0" anchor="ctr"/>
-                <a:lstStyle/>
-                <a:p>
-                  <a:pPr algn="ctr"/>
-                  <a:endParaRPr lang="ko-KR" altLang="en-US" sz="800" dirty="0">
-                    <a:solidFill>
-                      <a:schemeClr val="tx1"/>
-                    </a:solidFill>
-                  </a:endParaRPr>
-                </a:p>
-              </p:txBody>
-            </p:sp>
-            <p:sp>
-              <p:nvSpPr>
-                <p:cNvPr id="58" name="TextBox 57"/>
-                <p:cNvSpPr txBox="1"/>
-                <p:nvPr/>
-              </p:nvSpPr>
-              <p:spPr>
-                <a:xfrm>
-                  <a:off x="4528580" y="2365414"/>
-                  <a:ext cx="965982" cy="215444"/>
-                </a:xfrm>
-                <a:prstGeom prst="rect">
-                  <a:avLst/>
-                </a:prstGeom>
-                <a:noFill/>
-              </p:spPr>
-              <p:txBody>
-                <a:bodyPr wrap="square" rtlCol="0">
-                  <a:spAutoFit/>
-                </a:bodyPr>
-                <a:lstStyle/>
-                <a:p>
-                  <a:r>
-                    <a:rPr lang="en-US" altLang="ko-KR" sz="800" dirty="0"/>
-                    <a:t>Worker Node</a:t>
-                  </a:r>
-                  <a:endParaRPr lang="ko-KR" altLang="en-US" sz="800" dirty="0"/>
-                </a:p>
-              </p:txBody>
-            </p:sp>
-            <p:sp>
-              <p:nvSpPr>
-                <p:cNvPr id="63" name="직사각형 62"/>
-                <p:cNvSpPr/>
-                <p:nvPr/>
-              </p:nvSpPr>
-              <p:spPr>
-                <a:xfrm>
-                  <a:off x="4688111" y="2913660"/>
-                  <a:ext cx="794572" cy="173497"/>
-                </a:xfrm>
-                <a:prstGeom prst="rect">
-                  <a:avLst/>
-                </a:prstGeom>
-                <a:noFill/>
-                <a:ln>
-                  <a:solidFill>
-                    <a:schemeClr val="tx1"/>
-                  </a:solidFill>
-                </a:ln>
-              </p:spPr>
-              <p:style>
-                <a:lnRef idx="2">
-                  <a:schemeClr val="accent1">
-                    <a:shade val="50000"/>
-                  </a:schemeClr>
-                </a:lnRef>
-                <a:fillRef idx="1">
-                  <a:schemeClr val="accent1"/>
-                </a:fillRef>
-                <a:effectRef idx="0">
-                  <a:schemeClr val="accent1"/>
-                </a:effectRef>
-                <a:fontRef idx="minor">
-                  <a:schemeClr val="lt1"/>
-                </a:fontRef>
-              </p:style>
-              <p:txBody>
-                <a:bodyPr rtlCol="0" anchor="ctr"/>
-                <a:lstStyle/>
-                <a:p>
-                  <a:pPr algn="ctr"/>
-                  <a:r>
-                    <a:rPr lang="en-US" altLang="ko-KR" sz="800" dirty="0" err="1">
-                      <a:solidFill>
-                        <a:schemeClr val="tx1"/>
-                      </a:solidFill>
-                    </a:rPr>
-                    <a:t>kubelet</a:t>
-                  </a:r>
-                  <a:endParaRPr lang="ko-KR" altLang="en-US" sz="800" dirty="0">
-                    <a:solidFill>
-                      <a:schemeClr val="tx1"/>
-                    </a:solidFill>
-                  </a:endParaRPr>
-                </a:p>
-              </p:txBody>
-            </p:sp>
-            <p:sp>
-              <p:nvSpPr>
-                <p:cNvPr id="64" name="직사각형 63"/>
-                <p:cNvSpPr/>
-                <p:nvPr/>
-              </p:nvSpPr>
-              <p:spPr>
-                <a:xfrm>
-                  <a:off x="4680908" y="3159881"/>
-                  <a:ext cx="794572" cy="173497"/>
-                </a:xfrm>
-                <a:prstGeom prst="rect">
-                  <a:avLst/>
-                </a:prstGeom>
-                <a:noFill/>
-                <a:ln>
-                  <a:solidFill>
-                    <a:schemeClr val="tx1"/>
-                  </a:solidFill>
-                </a:ln>
-              </p:spPr>
-              <p:style>
-                <a:lnRef idx="2">
-                  <a:schemeClr val="accent1">
-                    <a:shade val="50000"/>
-                  </a:schemeClr>
-                </a:lnRef>
-                <a:fillRef idx="1">
-                  <a:schemeClr val="accent1"/>
-                </a:fillRef>
-                <a:effectRef idx="0">
-                  <a:schemeClr val="accent1"/>
-                </a:effectRef>
-                <a:fontRef idx="minor">
-                  <a:schemeClr val="lt1"/>
-                </a:fontRef>
-              </p:style>
-              <p:txBody>
-                <a:bodyPr rtlCol="0" anchor="ctr"/>
-                <a:lstStyle/>
-                <a:p>
-                  <a:pPr algn="ctr"/>
-                  <a:r>
-                    <a:rPr lang="en-US" altLang="ko-KR" sz="800" dirty="0" err="1">
-                      <a:solidFill>
-                        <a:schemeClr val="tx1"/>
-                      </a:solidFill>
-                    </a:rPr>
-                    <a:t>kubeproxy</a:t>
-                  </a:r>
-                  <a:endParaRPr lang="ko-KR" altLang="en-US" sz="800" dirty="0">
-                    <a:solidFill>
-                      <a:schemeClr val="tx1"/>
-                    </a:solidFill>
-                  </a:endParaRPr>
-                </a:p>
-              </p:txBody>
-            </p:sp>
-            <p:sp>
-              <p:nvSpPr>
-                <p:cNvPr id="65" name="직사각형 64"/>
-                <p:cNvSpPr/>
-                <p:nvPr/>
-              </p:nvSpPr>
-              <p:spPr>
-                <a:xfrm>
-                  <a:off x="4688111" y="3401192"/>
-                  <a:ext cx="794572" cy="173497"/>
-                </a:xfrm>
-                <a:prstGeom prst="rect">
-                  <a:avLst/>
-                </a:prstGeom>
-                <a:noFill/>
-                <a:ln>
-                  <a:solidFill>
-                    <a:schemeClr val="tx1"/>
-                  </a:solidFill>
-                </a:ln>
-              </p:spPr>
-              <p:style>
-                <a:lnRef idx="2">
-                  <a:schemeClr val="accent1">
-                    <a:shade val="50000"/>
-                  </a:schemeClr>
-                </a:lnRef>
-                <a:fillRef idx="1">
-                  <a:schemeClr val="accent1"/>
-                </a:fillRef>
-                <a:effectRef idx="0">
-                  <a:schemeClr val="accent1"/>
-                </a:effectRef>
-                <a:fontRef idx="minor">
-                  <a:schemeClr val="lt1"/>
-                </a:fontRef>
-              </p:style>
-              <p:txBody>
-                <a:bodyPr rtlCol="0" anchor="ctr"/>
-                <a:lstStyle/>
-                <a:p>
-                  <a:pPr algn="ctr"/>
-                  <a:r>
-                    <a:rPr lang="en-US" altLang="ko-KR" sz="800" dirty="0" err="1">
-                      <a:solidFill>
-                        <a:schemeClr val="tx1"/>
-                      </a:solidFill>
-                    </a:rPr>
-                    <a:t>cAdvisor</a:t>
-                  </a:r>
-                  <a:endParaRPr lang="ko-KR" altLang="en-US" sz="800" dirty="0">
-                    <a:solidFill>
-                      <a:schemeClr val="tx1"/>
-                    </a:solidFill>
-                  </a:endParaRPr>
-                </a:p>
-              </p:txBody>
-            </p:sp>
-          </p:grpSp>
+                </a:endParaRPr>
+              </a:p>
+            </p:txBody>
+          </p:sp>
+          <p:sp>
+            <p:nvSpPr>
+              <p:cNvPr id="9" name="TextBox 8"/>
+              <p:cNvSpPr txBox="1"/>
+              <p:nvPr/>
+            </p:nvSpPr>
+            <p:spPr>
+              <a:xfrm>
+                <a:off x="2761427" y="2096654"/>
+                <a:ext cx="1180106" cy="215444"/>
+              </a:xfrm>
+              <a:prstGeom prst="rect">
+                <a:avLst/>
+              </a:prstGeom>
+              <a:noFill/>
+            </p:spPr>
+            <p:txBody>
+              <a:bodyPr wrap="square" rtlCol="0">
+                <a:spAutoFit/>
+              </a:bodyPr>
+              <a:lstStyle/>
+              <a:p>
+                <a:r>
+                  <a:rPr lang="en-US" altLang="ko-KR" sz="800" dirty="0"/>
+                  <a:t>sidecar container</a:t>
+                </a:r>
+                <a:endParaRPr lang="ko-KR" altLang="en-US" sz="800" dirty="0"/>
+              </a:p>
+            </p:txBody>
+          </p:sp>
         </p:grpSp>
         <p:grpSp>
           <p:nvGrpSpPr>
-            <p:cNvPr id="184" name="그룹 183"/>
+            <p:cNvPr id="13" name="그룹 12"/>
             <p:cNvGrpSpPr/>
             <p:nvPr/>
           </p:nvGrpSpPr>
           <p:grpSpPr>
             <a:xfrm>
-              <a:off x="3186282" y="331799"/>
-              <a:ext cx="2389018" cy="3880504"/>
-              <a:chOff x="3186282" y="331799"/>
-              <a:chExt cx="2389018" cy="3880504"/>
+              <a:off x="3240641" y="723128"/>
+              <a:ext cx="2920014" cy="1355054"/>
+              <a:chOff x="3240641" y="723128"/>
+              <a:chExt cx="2920014" cy="1355054"/>
             </a:xfrm>
           </p:grpSpPr>
           <p:sp>
             <p:nvSpPr>
-              <p:cNvPr id="70" name="직사각형 69"/>
+              <p:cNvPr id="11" name="직사각형 10"/>
               <p:cNvSpPr/>
               <p:nvPr/>
             </p:nvSpPr>
             <p:spPr>
               <a:xfrm>
-                <a:off x="3268861" y="645606"/>
-                <a:ext cx="2225085" cy="3566697"/>
+                <a:off x="3305298" y="932404"/>
+                <a:ext cx="2855357" cy="1145778"/>
               </a:xfrm>
               <a:prstGeom prst="rect">
                 <a:avLst/>
@@ -5296,14 +3855,14 @@
           </p:sp>
           <p:sp>
             <p:nvSpPr>
-              <p:cNvPr id="71" name="TextBox 70"/>
+              <p:cNvPr id="12" name="TextBox 11"/>
               <p:cNvSpPr txBox="1"/>
               <p:nvPr/>
             </p:nvSpPr>
             <p:spPr>
               <a:xfrm>
-                <a:off x="3186282" y="331799"/>
-                <a:ext cx="2389018" cy="338554"/>
+                <a:off x="3240641" y="723128"/>
+                <a:ext cx="757629" cy="215444"/>
               </a:xfrm>
               <a:prstGeom prst="rect">
                 <a:avLst/>
@@ -5318,52 +3877,52 @@
               <a:p>
                 <a:r>
                   <a:rPr lang="en-US" altLang="ko-KR" sz="800" dirty="0"/>
-                  <a:t>Master Node</a:t>
-                </a:r>
-              </a:p>
-              <a:p>
-                <a:r>
-                  <a:rPr lang="en-US" altLang="ko-KR" sz="800" dirty="0"/>
-                  <a:t>  - </a:t>
-                </a:r>
-                <a:r>
-                  <a:rPr lang="ko-KR" altLang="en-US" sz="800" dirty="0"/>
-                  <a:t>보통 </a:t>
-                </a:r>
-                <a:r>
-                  <a:rPr lang="en-US" altLang="ko-KR" sz="800" dirty="0"/>
-                  <a:t>3, 5, 7</a:t>
-                </a:r>
-                <a:r>
-                  <a:rPr lang="ko-KR" altLang="en-US" sz="800" dirty="0"/>
-                  <a:t>개로 구성하며</a:t>
-                </a:r>
-                <a:r>
-                  <a:rPr lang="en-US" altLang="ko-KR" sz="800" dirty="0"/>
-                  <a:t>, Clustering</a:t>
-                </a:r>
-                <a:r>
-                  <a:rPr lang="ko-KR" altLang="en-US" sz="800" dirty="0"/>
-                  <a:t>을 한다</a:t>
-                </a:r>
-                <a:r>
-                  <a:rPr lang="en-US" altLang="ko-KR" sz="800" dirty="0"/>
-                  <a:t>.</a:t>
+                  <a:t>pod</a:t>
                 </a:r>
                 <a:endParaRPr lang="ko-KR" altLang="en-US" sz="800" dirty="0"/>
               </a:p>
             </p:txBody>
           </p:sp>
+        </p:grpSp>
+      </p:grpSp>
+      <p:grpSp>
+        <p:nvGrpSpPr>
+          <p:cNvPr id="25" name="그룹 24"/>
+          <p:cNvGrpSpPr/>
+          <p:nvPr/>
+        </p:nvGrpSpPr>
+        <p:grpSpPr>
+          <a:xfrm>
+            <a:off x="10268848" y="767820"/>
+            <a:ext cx="1468582" cy="1355054"/>
+            <a:chOff x="1693781" y="723128"/>
+            <a:chExt cx="1468582" cy="1355054"/>
+          </a:xfrm>
+        </p:grpSpPr>
+        <p:grpSp>
+          <p:nvGrpSpPr>
+            <p:cNvPr id="26" name="그룹 25"/>
+            <p:cNvGrpSpPr/>
+            <p:nvPr/>
+          </p:nvGrpSpPr>
+          <p:grpSpPr>
+            <a:xfrm>
+              <a:off x="1944238" y="1099126"/>
+              <a:ext cx="1045029" cy="793504"/>
+              <a:chOff x="1057547" y="2096654"/>
+              <a:chExt cx="1045029" cy="793504"/>
+            </a:xfrm>
+          </p:grpSpPr>
           <p:sp>
             <p:nvSpPr>
-              <p:cNvPr id="74" name="직사각형 73"/>
+              <p:cNvPr id="30" name="직사각형 29"/>
               <p:cNvSpPr/>
               <p:nvPr/>
             </p:nvSpPr>
             <p:spPr>
               <a:xfrm>
-                <a:off x="4041797" y="776358"/>
-                <a:ext cx="794572" cy="173497"/>
+                <a:off x="1057547" y="2310494"/>
+                <a:ext cx="1045029" cy="579664"/>
               </a:xfrm>
               <a:prstGeom prst="rect">
                 <a:avLst/>
@@ -5402,7 +3961,7 @@
                       <a:schemeClr val="tx1"/>
                     </a:solidFill>
                   </a:rPr>
-                  <a:t>API Server</a:t>
+                  <a:t>WEB Server</a:t>
                 </a:r>
                 <a:endParaRPr lang="ko-KR" altLang="en-US" sz="800" dirty="0">
                   <a:solidFill>
@@ -5414,689 +3973,59 @@
           </p:sp>
           <p:sp>
             <p:nvSpPr>
-              <p:cNvPr id="75" name="직사각형 74"/>
+              <p:cNvPr id="31" name="TextBox 30"/>
+              <p:cNvSpPr txBox="1"/>
+              <p:nvPr/>
+            </p:nvSpPr>
+            <p:spPr>
+              <a:xfrm>
+                <a:off x="1214567" y="2096654"/>
+                <a:ext cx="757629" cy="215444"/>
+              </a:xfrm>
+              <a:prstGeom prst="rect">
+                <a:avLst/>
+              </a:prstGeom>
+              <a:noFill/>
+            </p:spPr>
+            <p:txBody>
+              <a:bodyPr wrap="square" rtlCol="0">
+                <a:spAutoFit/>
+              </a:bodyPr>
+              <a:lstStyle/>
+              <a:p>
+                <a:r>
+                  <a:rPr lang="en-US" altLang="ko-KR" sz="800" dirty="0"/>
+                  <a:t>container</a:t>
+                </a:r>
+                <a:endParaRPr lang="ko-KR" altLang="en-US" sz="800" dirty="0"/>
+              </a:p>
+            </p:txBody>
+          </p:sp>
+        </p:grpSp>
+        <p:grpSp>
+          <p:nvGrpSpPr>
+            <p:cNvPr id="27" name="그룹 26"/>
+            <p:cNvGrpSpPr/>
+            <p:nvPr/>
+          </p:nvGrpSpPr>
+          <p:grpSpPr>
+            <a:xfrm>
+              <a:off x="1693781" y="723128"/>
+              <a:ext cx="1468582" cy="1355054"/>
+              <a:chOff x="1693781" y="723128"/>
+              <a:chExt cx="1468582" cy="1355054"/>
+            </a:xfrm>
+          </p:grpSpPr>
+          <p:sp>
+            <p:nvSpPr>
+              <p:cNvPr id="28" name="직사각형 27"/>
               <p:cNvSpPr/>
               <p:nvPr/>
             </p:nvSpPr>
             <p:spPr>
               <a:xfrm>
-                <a:off x="4034594" y="1022579"/>
-                <a:ext cx="794572" cy="173497"/>
-              </a:xfrm>
-              <a:prstGeom prst="rect">
-                <a:avLst/>
-              </a:prstGeom>
-              <a:noFill/>
-              <a:ln>
-                <a:solidFill>
-                  <a:schemeClr val="tx1"/>
-                </a:solidFill>
-              </a:ln>
-            </p:spPr>
-            <p:style>
-              <a:lnRef idx="2">
-                <a:schemeClr val="accent1">
-                  <a:shade val="50000"/>
-                </a:schemeClr>
-              </a:lnRef>
-              <a:fillRef idx="1">
-                <a:schemeClr val="accent1"/>
-              </a:fillRef>
-              <a:effectRef idx="0">
-                <a:schemeClr val="accent1"/>
-              </a:effectRef>
-              <a:fontRef idx="minor">
-                <a:schemeClr val="lt1"/>
-              </a:fontRef>
-            </p:style>
-            <p:txBody>
-              <a:bodyPr rtlCol="0" anchor="ctr"/>
-              <a:lstStyle/>
-              <a:p>
-                <a:pPr algn="ctr"/>
-                <a:r>
-                  <a:rPr lang="en-US" altLang="ko-KR" sz="800" dirty="0">
-                    <a:solidFill>
-                      <a:schemeClr val="tx1"/>
-                    </a:solidFill>
-                  </a:rPr>
-                  <a:t>Scheduler</a:t>
-                </a:r>
-                <a:endParaRPr lang="ko-KR" altLang="en-US" sz="800" dirty="0">
-                  <a:solidFill>
-                    <a:schemeClr val="tx1"/>
-                  </a:solidFill>
-                </a:endParaRPr>
-              </a:p>
-            </p:txBody>
-          </p:sp>
-          <p:sp>
-            <p:nvSpPr>
-              <p:cNvPr id="76" name="직사각형 75"/>
-              <p:cNvSpPr/>
-              <p:nvPr/>
-            </p:nvSpPr>
-            <p:spPr>
-              <a:xfrm>
-                <a:off x="4041797" y="1263890"/>
-                <a:ext cx="794572" cy="466176"/>
-              </a:xfrm>
-              <a:prstGeom prst="rect">
-                <a:avLst/>
-              </a:prstGeom>
-              <a:noFill/>
-              <a:ln>
-                <a:solidFill>
-                  <a:schemeClr val="tx1"/>
-                </a:solidFill>
-              </a:ln>
-            </p:spPr>
-            <p:style>
-              <a:lnRef idx="2">
-                <a:schemeClr val="accent1">
-                  <a:shade val="50000"/>
-                </a:schemeClr>
-              </a:lnRef>
-              <a:fillRef idx="1">
-                <a:schemeClr val="accent1"/>
-              </a:fillRef>
-              <a:effectRef idx="0">
-                <a:schemeClr val="accent1"/>
-              </a:effectRef>
-              <a:fontRef idx="minor">
-                <a:schemeClr val="lt1"/>
-              </a:fontRef>
-            </p:style>
-            <p:txBody>
-              <a:bodyPr rtlCol="0" anchor="ctr"/>
-              <a:lstStyle/>
-              <a:p>
-                <a:pPr algn="ctr"/>
-                <a:r>
-                  <a:rPr lang="en-US" altLang="ko-KR" sz="800" dirty="0" err="1">
-                    <a:solidFill>
-                      <a:schemeClr val="tx1"/>
-                    </a:solidFill>
-                  </a:rPr>
-                  <a:t>Kube</a:t>
-                </a:r>
-                <a:r>
-                  <a:rPr lang="en-US" altLang="ko-KR" sz="800" dirty="0">
-                    <a:solidFill>
-                      <a:schemeClr val="tx1"/>
-                    </a:solidFill>
-                  </a:rPr>
-                  <a:t> Controller Manager</a:t>
-                </a:r>
-                <a:endParaRPr lang="ko-KR" altLang="en-US" sz="800" dirty="0">
-                  <a:solidFill>
-                    <a:schemeClr val="tx1"/>
-                  </a:solidFill>
-                </a:endParaRPr>
-              </a:p>
-            </p:txBody>
-          </p:sp>
-          <p:sp>
-            <p:nvSpPr>
-              <p:cNvPr id="77" name="직사각형 76"/>
-              <p:cNvSpPr/>
-              <p:nvPr/>
-            </p:nvSpPr>
-            <p:spPr>
-              <a:xfrm>
-                <a:off x="4043830" y="1797880"/>
-                <a:ext cx="794572" cy="466176"/>
-              </a:xfrm>
-              <a:prstGeom prst="rect">
-                <a:avLst/>
-              </a:prstGeom>
-              <a:noFill/>
-              <a:ln>
-                <a:solidFill>
-                  <a:schemeClr val="tx1"/>
-                </a:solidFill>
-              </a:ln>
-            </p:spPr>
-            <p:style>
-              <a:lnRef idx="2">
-                <a:schemeClr val="accent1">
-                  <a:shade val="50000"/>
-                </a:schemeClr>
-              </a:lnRef>
-              <a:fillRef idx="1">
-                <a:schemeClr val="accent1"/>
-              </a:fillRef>
-              <a:effectRef idx="0">
-                <a:schemeClr val="accent1"/>
-              </a:effectRef>
-              <a:fontRef idx="minor">
-                <a:schemeClr val="lt1"/>
-              </a:fontRef>
-            </p:style>
-            <p:txBody>
-              <a:bodyPr rtlCol="0" anchor="ctr"/>
-              <a:lstStyle/>
-              <a:p>
-                <a:pPr algn="ctr"/>
-                <a:r>
-                  <a:rPr lang="en-US" altLang="ko-KR" sz="800" dirty="0">
-                    <a:solidFill>
-                      <a:schemeClr val="tx1"/>
-                    </a:solidFill>
-                  </a:rPr>
-                  <a:t>Cloud Controller Manager</a:t>
-                </a:r>
-                <a:endParaRPr lang="ko-KR" altLang="en-US" sz="800" dirty="0">
-                  <a:solidFill>
-                    <a:schemeClr val="tx1"/>
-                  </a:solidFill>
-                </a:endParaRPr>
-              </a:p>
-            </p:txBody>
-          </p:sp>
-          <p:grpSp>
-            <p:nvGrpSpPr>
-              <p:cNvPr id="81" name="그룹 80"/>
-              <p:cNvGrpSpPr/>
-              <p:nvPr/>
-            </p:nvGrpSpPr>
-            <p:grpSpPr>
-              <a:xfrm>
-                <a:off x="4243789" y="3437003"/>
-                <a:ext cx="794572" cy="655591"/>
-                <a:chOff x="353291" y="2611636"/>
-                <a:chExt cx="794572" cy="655591"/>
-              </a:xfrm>
-            </p:grpSpPr>
-            <p:sp>
-              <p:nvSpPr>
-                <p:cNvPr id="79" name="직사각형 78"/>
-                <p:cNvSpPr/>
-                <p:nvPr/>
-              </p:nvSpPr>
-              <p:spPr>
-                <a:xfrm>
-                  <a:off x="353291" y="2713619"/>
-                  <a:ext cx="794572" cy="466176"/>
-                </a:xfrm>
-                <a:prstGeom prst="rect">
-                  <a:avLst/>
-                </a:prstGeom>
-                <a:solidFill>
-                  <a:schemeClr val="bg1"/>
-                </a:solidFill>
-                <a:ln>
-                  <a:solidFill>
-                    <a:schemeClr val="tx1"/>
-                  </a:solidFill>
-                </a:ln>
-              </p:spPr>
-              <p:style>
-                <a:lnRef idx="2">
-                  <a:schemeClr val="accent1">
-                    <a:shade val="50000"/>
-                  </a:schemeClr>
-                </a:lnRef>
-                <a:fillRef idx="1">
-                  <a:schemeClr val="accent1"/>
-                </a:fillRef>
-                <a:effectRef idx="0">
-                  <a:schemeClr val="accent1"/>
-                </a:effectRef>
-                <a:fontRef idx="minor">
-                  <a:schemeClr val="lt1"/>
-                </a:fontRef>
-              </p:style>
-              <p:txBody>
-                <a:bodyPr rtlCol="0" anchor="ctr"/>
-                <a:lstStyle/>
-                <a:p>
-                  <a:pPr algn="ctr"/>
-                  <a:r>
-                    <a:rPr lang="en-US" altLang="ko-KR" sz="800" dirty="0">
-                      <a:solidFill>
-                        <a:schemeClr val="tx1"/>
-                      </a:solidFill>
-                    </a:rPr>
-                    <a:t>ETC</a:t>
-                  </a:r>
-                  <a:endParaRPr lang="ko-KR" altLang="en-US" sz="800" dirty="0">
-                    <a:solidFill>
-                      <a:schemeClr val="tx1"/>
-                    </a:solidFill>
-                  </a:endParaRPr>
-                </a:p>
-              </p:txBody>
-            </p:sp>
-            <p:sp>
-              <p:nvSpPr>
-                <p:cNvPr id="78" name="타원 77"/>
-                <p:cNvSpPr/>
-                <p:nvPr/>
-              </p:nvSpPr>
-              <p:spPr>
-                <a:xfrm>
-                  <a:off x="353291" y="2611636"/>
-                  <a:ext cx="794572" cy="214692"/>
-                </a:xfrm>
-                <a:prstGeom prst="ellipse">
-                  <a:avLst/>
-                </a:prstGeom>
-                <a:solidFill>
-                  <a:schemeClr val="bg1"/>
-                </a:solidFill>
-                <a:ln>
-                  <a:solidFill>
-                    <a:schemeClr val="tx1"/>
-                  </a:solidFill>
-                </a:ln>
-              </p:spPr>
-              <p:style>
-                <a:lnRef idx="2">
-                  <a:schemeClr val="accent1">
-                    <a:shade val="50000"/>
-                  </a:schemeClr>
-                </a:lnRef>
-                <a:fillRef idx="1">
-                  <a:schemeClr val="accent1"/>
-                </a:fillRef>
-                <a:effectRef idx="0">
-                  <a:schemeClr val="accent1"/>
-                </a:effectRef>
-                <a:fontRef idx="minor">
-                  <a:schemeClr val="lt1"/>
-                </a:fontRef>
-              </p:style>
-              <p:txBody>
-                <a:bodyPr rtlCol="0" anchor="ctr"/>
-                <a:lstStyle/>
-                <a:p>
-                  <a:pPr algn="ctr"/>
-                  <a:endParaRPr lang="ko-KR" altLang="en-US" sz="800"/>
-                </a:p>
-              </p:txBody>
-            </p:sp>
-            <p:sp>
-              <p:nvSpPr>
-                <p:cNvPr id="80" name="타원 79"/>
-                <p:cNvSpPr/>
-                <p:nvPr/>
-              </p:nvSpPr>
-              <p:spPr>
-                <a:xfrm>
-                  <a:off x="353291" y="3052535"/>
-                  <a:ext cx="794572" cy="214692"/>
-                </a:xfrm>
-                <a:prstGeom prst="ellipse">
-                  <a:avLst/>
-                </a:prstGeom>
-                <a:solidFill>
-                  <a:schemeClr val="bg1"/>
-                </a:solidFill>
-                <a:ln>
-                  <a:solidFill>
-                    <a:schemeClr val="tx1"/>
-                  </a:solidFill>
-                </a:ln>
-              </p:spPr>
-              <p:style>
-                <a:lnRef idx="2">
-                  <a:schemeClr val="accent1">
-                    <a:shade val="50000"/>
-                  </a:schemeClr>
-                </a:lnRef>
-                <a:fillRef idx="1">
-                  <a:schemeClr val="accent1"/>
-                </a:fillRef>
-                <a:effectRef idx="0">
-                  <a:schemeClr val="accent1"/>
-                </a:effectRef>
-                <a:fontRef idx="minor">
-                  <a:schemeClr val="lt1"/>
-                </a:fontRef>
-              </p:style>
-              <p:txBody>
-                <a:bodyPr rtlCol="0" anchor="ctr"/>
-                <a:lstStyle/>
-                <a:p>
-                  <a:pPr algn="ctr"/>
-                  <a:endParaRPr lang="ko-KR" altLang="en-US" sz="800"/>
-                </a:p>
-              </p:txBody>
-            </p:sp>
-          </p:grpSp>
-          <p:grpSp>
-            <p:nvGrpSpPr>
-              <p:cNvPr id="183" name="그룹 182"/>
-              <p:cNvGrpSpPr/>
-              <p:nvPr/>
-            </p:nvGrpSpPr>
-            <p:grpSpPr>
-              <a:xfrm>
-                <a:off x="3510992" y="2363247"/>
-                <a:ext cx="1820994" cy="1049823"/>
-                <a:chOff x="3510992" y="2363247"/>
-                <a:chExt cx="1820994" cy="1049823"/>
-              </a:xfrm>
-            </p:grpSpPr>
-            <p:sp>
-              <p:nvSpPr>
-                <p:cNvPr id="89" name="직사각형 88"/>
-                <p:cNvSpPr/>
-                <p:nvPr/>
-              </p:nvSpPr>
-              <p:spPr>
-                <a:xfrm>
-                  <a:off x="3510992" y="2363247"/>
-                  <a:ext cx="1820994" cy="1049823"/>
-                </a:xfrm>
-                <a:prstGeom prst="rect">
-                  <a:avLst/>
-                </a:prstGeom>
-                <a:solidFill>
-                  <a:schemeClr val="bg1"/>
-                </a:solidFill>
-                <a:ln>
-                  <a:solidFill>
-                    <a:schemeClr val="tx1"/>
-                  </a:solidFill>
-                </a:ln>
-              </p:spPr>
-              <p:style>
-                <a:lnRef idx="2">
-                  <a:schemeClr val="accent1">
-                    <a:shade val="50000"/>
-                  </a:schemeClr>
-                </a:lnRef>
-                <a:fillRef idx="1">
-                  <a:schemeClr val="accent1"/>
-                </a:fillRef>
-                <a:effectRef idx="0">
-                  <a:schemeClr val="accent1"/>
-                </a:effectRef>
-                <a:fontRef idx="minor">
-                  <a:schemeClr val="lt1"/>
-                </a:fontRef>
-              </p:style>
-              <p:txBody>
-                <a:bodyPr rtlCol="0" anchor="ctr"/>
-                <a:lstStyle/>
-                <a:p>
-                  <a:pPr algn="ctr"/>
-                  <a:endParaRPr lang="ko-KR" altLang="en-US" sz="800" dirty="0">
-                    <a:solidFill>
-                      <a:schemeClr val="tx1"/>
-                    </a:solidFill>
-                  </a:endParaRPr>
-                </a:p>
-              </p:txBody>
-            </p:sp>
-            <p:sp>
-              <p:nvSpPr>
-                <p:cNvPr id="82" name="직사각형 81"/>
-                <p:cNvSpPr/>
-                <p:nvPr/>
-              </p:nvSpPr>
-              <p:spPr>
-                <a:xfrm>
-                  <a:off x="3561745" y="2457823"/>
-                  <a:ext cx="799127" cy="381030"/>
-                </a:xfrm>
-                <a:prstGeom prst="rect">
-                  <a:avLst/>
-                </a:prstGeom>
-                <a:solidFill>
-                  <a:schemeClr val="bg1"/>
-                </a:solidFill>
-                <a:ln>
-                  <a:solidFill>
-                    <a:schemeClr val="tx1"/>
-                  </a:solidFill>
-                </a:ln>
-              </p:spPr>
-              <p:style>
-                <a:lnRef idx="2">
-                  <a:schemeClr val="accent1">
-                    <a:shade val="50000"/>
-                  </a:schemeClr>
-                </a:lnRef>
-                <a:fillRef idx="1">
-                  <a:schemeClr val="accent1"/>
-                </a:fillRef>
-                <a:effectRef idx="0">
-                  <a:schemeClr val="accent1"/>
-                </a:effectRef>
-                <a:fontRef idx="minor">
-                  <a:schemeClr val="lt1"/>
-                </a:fontRef>
-              </p:style>
-              <p:txBody>
-                <a:bodyPr rtlCol="0" anchor="ctr"/>
-                <a:lstStyle/>
-                <a:p>
-                  <a:pPr algn="ctr"/>
-                  <a:r>
-                    <a:rPr lang="en-US" altLang="ko-KR" sz="800" dirty="0">
-                      <a:solidFill>
-                        <a:schemeClr val="tx1"/>
-                      </a:solidFill>
-                    </a:rPr>
-                    <a:t>Replica controller</a:t>
-                  </a:r>
-                  <a:endParaRPr lang="ko-KR" altLang="en-US" sz="800" dirty="0">
-                    <a:solidFill>
-                      <a:schemeClr val="tx1"/>
-                    </a:solidFill>
-                  </a:endParaRPr>
-                </a:p>
-              </p:txBody>
-            </p:sp>
-            <p:sp>
-              <p:nvSpPr>
-                <p:cNvPr id="83" name="직사각형 82"/>
-                <p:cNvSpPr/>
-                <p:nvPr/>
-              </p:nvSpPr>
-              <p:spPr>
-                <a:xfrm>
-                  <a:off x="3734234" y="2820783"/>
-                  <a:ext cx="799127" cy="381030"/>
-                </a:xfrm>
-                <a:prstGeom prst="rect">
-                  <a:avLst/>
-                </a:prstGeom>
-                <a:solidFill>
-                  <a:schemeClr val="bg1"/>
-                </a:solidFill>
-                <a:ln>
-                  <a:solidFill>
-                    <a:schemeClr val="tx1"/>
-                  </a:solidFill>
-                </a:ln>
-              </p:spPr>
-              <p:style>
-                <a:lnRef idx="2">
-                  <a:schemeClr val="accent1">
-                    <a:shade val="50000"/>
-                  </a:schemeClr>
-                </a:lnRef>
-                <a:fillRef idx="1">
-                  <a:schemeClr val="accent1"/>
-                </a:fillRef>
-                <a:effectRef idx="0">
-                  <a:schemeClr val="accent1"/>
-                </a:effectRef>
-                <a:fontRef idx="minor">
-                  <a:schemeClr val="lt1"/>
-                </a:fontRef>
-              </p:style>
-              <p:txBody>
-                <a:bodyPr rtlCol="0" anchor="ctr"/>
-                <a:lstStyle/>
-                <a:p>
-                  <a:pPr algn="ctr"/>
-                  <a:r>
-                    <a:rPr lang="en-US" altLang="ko-KR" sz="800" dirty="0" err="1">
-                      <a:solidFill>
-                        <a:schemeClr val="tx1"/>
-                      </a:solidFill>
-                    </a:rPr>
-                    <a:t>Replicaset</a:t>
-                  </a:r>
-                  <a:endParaRPr lang="ko-KR" altLang="en-US" sz="800" dirty="0">
-                    <a:solidFill>
-                      <a:schemeClr val="tx1"/>
-                    </a:solidFill>
-                  </a:endParaRPr>
-                </a:p>
-              </p:txBody>
-            </p:sp>
-            <p:sp>
-              <p:nvSpPr>
-                <p:cNvPr id="84" name="직사각형 83"/>
-                <p:cNvSpPr/>
-                <p:nvPr/>
-              </p:nvSpPr>
-              <p:spPr>
-                <a:xfrm>
-                  <a:off x="4273128" y="2534611"/>
-                  <a:ext cx="832723" cy="381030"/>
-                </a:xfrm>
-                <a:prstGeom prst="rect">
-                  <a:avLst/>
-                </a:prstGeom>
-                <a:solidFill>
-                  <a:schemeClr val="bg1"/>
-                </a:solidFill>
-                <a:ln>
-                  <a:solidFill>
-                    <a:schemeClr val="tx1"/>
-                  </a:solidFill>
-                </a:ln>
-              </p:spPr>
-              <p:style>
-                <a:lnRef idx="2">
-                  <a:schemeClr val="accent1">
-                    <a:shade val="50000"/>
-                  </a:schemeClr>
-                </a:lnRef>
-                <a:fillRef idx="1">
-                  <a:schemeClr val="accent1"/>
-                </a:fillRef>
-                <a:effectRef idx="0">
-                  <a:schemeClr val="accent1"/>
-                </a:effectRef>
-                <a:fontRef idx="minor">
-                  <a:schemeClr val="lt1"/>
-                </a:fontRef>
-              </p:style>
-              <p:txBody>
-                <a:bodyPr rtlCol="0" anchor="ctr"/>
-                <a:lstStyle/>
-                <a:p>
-                  <a:pPr algn="ctr"/>
-                  <a:r>
-                    <a:rPr lang="en-US" altLang="ko-KR" sz="800" dirty="0">
-                      <a:solidFill>
-                        <a:schemeClr val="tx1"/>
-                      </a:solidFill>
-                    </a:rPr>
-                    <a:t>Deployment</a:t>
-                  </a:r>
-                  <a:endParaRPr lang="ko-KR" altLang="en-US" sz="800" dirty="0">
-                    <a:solidFill>
-                      <a:schemeClr val="tx1"/>
-                    </a:solidFill>
-                  </a:endParaRPr>
-                </a:p>
-              </p:txBody>
-            </p:sp>
-            <p:sp>
-              <p:nvSpPr>
-                <p:cNvPr id="85" name="직사각형 84"/>
-                <p:cNvSpPr/>
-                <p:nvPr/>
-              </p:nvSpPr>
-              <p:spPr>
-                <a:xfrm>
-                  <a:off x="4445983" y="2860945"/>
-                  <a:ext cx="799127" cy="381030"/>
-                </a:xfrm>
-                <a:prstGeom prst="rect">
-                  <a:avLst/>
-                </a:prstGeom>
-                <a:solidFill>
-                  <a:schemeClr val="bg1"/>
-                </a:solidFill>
-                <a:ln>
-                  <a:solidFill>
-                    <a:schemeClr val="tx1"/>
-                  </a:solidFill>
-                </a:ln>
-              </p:spPr>
-              <p:style>
-                <a:lnRef idx="2">
-                  <a:schemeClr val="accent1">
-                    <a:shade val="50000"/>
-                  </a:schemeClr>
-                </a:lnRef>
-                <a:fillRef idx="1">
-                  <a:schemeClr val="accent1"/>
-                </a:fillRef>
-                <a:effectRef idx="0">
-                  <a:schemeClr val="accent1"/>
-                </a:effectRef>
-                <a:fontRef idx="minor">
-                  <a:schemeClr val="lt1"/>
-                </a:fontRef>
-              </p:style>
-              <p:txBody>
-                <a:bodyPr rtlCol="0" anchor="ctr"/>
-                <a:lstStyle/>
-                <a:p>
-                  <a:pPr algn="ctr"/>
-                  <a:r>
-                    <a:rPr lang="en-US" altLang="ko-KR" sz="800" dirty="0">
-                      <a:solidFill>
-                        <a:schemeClr val="tx1"/>
-                      </a:solidFill>
-                    </a:rPr>
-                    <a:t>etc…</a:t>
-                  </a:r>
-                  <a:endParaRPr lang="ko-KR" altLang="en-US" sz="800" dirty="0">
-                    <a:solidFill>
-                      <a:schemeClr val="tx1"/>
-                    </a:solidFill>
-                  </a:endParaRPr>
-                </a:p>
-              </p:txBody>
-            </p:sp>
-          </p:grpSp>
-        </p:grpSp>
-        <p:grpSp>
-          <p:nvGrpSpPr>
-            <p:cNvPr id="181" name="그룹 180"/>
-            <p:cNvGrpSpPr/>
-            <p:nvPr/>
-          </p:nvGrpSpPr>
-          <p:grpSpPr>
-            <a:xfrm>
-              <a:off x="2949110" y="68525"/>
-              <a:ext cx="9141290" cy="4312975"/>
-              <a:chOff x="2949110" y="68525"/>
-              <a:chExt cx="9141290" cy="4312975"/>
-            </a:xfrm>
-          </p:grpSpPr>
-          <p:sp>
-            <p:nvSpPr>
-              <p:cNvPr id="179" name="직사각형 178"/>
-              <p:cNvSpPr/>
-              <p:nvPr/>
-            </p:nvSpPr>
-            <p:spPr>
-              <a:xfrm>
-                <a:off x="3001307" y="290500"/>
-                <a:ext cx="9089093" cy="4091000"/>
+                <a:off x="1758439" y="932404"/>
+                <a:ext cx="1403924" cy="1145778"/>
               </a:xfrm>
               <a:prstGeom prst="rect">
                 <a:avLst/>
@@ -6139,14 +4068,14 @@
           </p:sp>
           <p:sp>
             <p:nvSpPr>
-              <p:cNvPr id="180" name="TextBox 179"/>
+              <p:cNvPr id="29" name="TextBox 28"/>
               <p:cNvSpPr txBox="1"/>
               <p:nvPr/>
             </p:nvSpPr>
             <p:spPr>
               <a:xfrm>
-                <a:off x="2949110" y="68525"/>
-                <a:ext cx="1257240" cy="215444"/>
+                <a:off x="1693781" y="723128"/>
+                <a:ext cx="757629" cy="215444"/>
               </a:xfrm>
               <a:prstGeom prst="rect">
                 <a:avLst/>
@@ -6160,12 +4089,538 @@
               <a:lstStyle/>
               <a:p>
                 <a:r>
-                  <a:rPr lang="en-US" altLang="ko-KR" sz="800" dirty="0" err="1"/>
-                  <a:t>Clouster</a:t>
+                  <a:rPr lang="en-US" altLang="ko-KR" sz="800" dirty="0"/>
+                  <a:t>pod</a:t>
                 </a:r>
+                <a:endParaRPr lang="ko-KR" altLang="en-US" sz="800" dirty="0"/>
+              </a:p>
+            </p:txBody>
+          </p:sp>
+        </p:grpSp>
+      </p:grpSp>
+      <p:sp>
+        <p:nvSpPr>
+          <p:cNvPr id="32" name="TextBox 31"/>
+          <p:cNvSpPr txBox="1"/>
+          <p:nvPr/>
+        </p:nvSpPr>
+        <p:spPr>
+          <a:xfrm>
+            <a:off x="9969900" y="1410504"/>
+            <a:ext cx="358190" cy="215444"/>
+          </a:xfrm>
+          <a:prstGeom prst="rect">
+            <a:avLst/>
+          </a:prstGeom>
+          <a:noFill/>
+        </p:spPr>
+        <p:txBody>
+          <a:bodyPr wrap="square" rtlCol="0">
+            <a:spAutoFit/>
+          </a:bodyPr>
+          <a:lstStyle/>
+          <a:p>
+            <a:r>
+              <a:rPr lang="en-US" altLang="ko-KR" sz="800" dirty="0"/>
+              <a:t>· · ·</a:t>
+            </a:r>
+            <a:endParaRPr lang="ko-KR" altLang="en-US" sz="800" dirty="0"/>
+          </a:p>
+        </p:txBody>
+      </p:sp>
+      <p:sp>
+        <p:nvSpPr>
+          <p:cNvPr id="50" name="직사각형 49"/>
+          <p:cNvSpPr/>
+          <p:nvPr/>
+        </p:nvSpPr>
+        <p:spPr>
+          <a:xfrm>
+            <a:off x="6015637" y="648852"/>
+            <a:ext cx="5871564" cy="2857998"/>
+          </a:xfrm>
+          <a:prstGeom prst="rect">
+            <a:avLst/>
+          </a:prstGeom>
+          <a:noFill/>
+          <a:ln>
+            <a:solidFill>
+              <a:schemeClr val="tx1"/>
+            </a:solidFill>
+          </a:ln>
+        </p:spPr>
+        <p:style>
+          <a:lnRef idx="2">
+            <a:schemeClr val="accent1">
+              <a:shade val="50000"/>
+            </a:schemeClr>
+          </a:lnRef>
+          <a:fillRef idx="1">
+            <a:schemeClr val="accent1"/>
+          </a:fillRef>
+          <a:effectRef idx="0">
+            <a:schemeClr val="accent1"/>
+          </a:effectRef>
+          <a:fontRef idx="minor">
+            <a:schemeClr val="lt1"/>
+          </a:fontRef>
+        </p:style>
+        <p:txBody>
+          <a:bodyPr rtlCol="0" anchor="ctr"/>
+          <a:lstStyle/>
+          <a:p>
+            <a:pPr algn="ctr"/>
+            <a:endParaRPr lang="ko-KR" altLang="en-US" sz="800" dirty="0">
+              <a:solidFill>
+                <a:schemeClr val="tx1"/>
+              </a:solidFill>
+            </a:endParaRPr>
+          </a:p>
+        </p:txBody>
+      </p:sp>
+      <p:sp>
+        <p:nvSpPr>
+          <p:cNvPr id="51" name="TextBox 50"/>
+          <p:cNvSpPr txBox="1"/>
+          <p:nvPr/>
+        </p:nvSpPr>
+        <p:spPr>
+          <a:xfrm>
+            <a:off x="5950979" y="331799"/>
+            <a:ext cx="5923521" cy="338554"/>
+          </a:xfrm>
+          <a:prstGeom prst="rect">
+            <a:avLst/>
+          </a:prstGeom>
+          <a:noFill/>
+        </p:spPr>
+        <p:txBody>
+          <a:bodyPr wrap="square" rtlCol="0">
+            <a:spAutoFit/>
+          </a:bodyPr>
+          <a:lstStyle/>
+          <a:p>
+            <a:r>
+              <a:rPr lang="en-US" altLang="ko-KR" sz="800" dirty="0"/>
+              <a:t>Worker Node</a:t>
+            </a:r>
+          </a:p>
+          <a:p>
+            <a:r>
+              <a:rPr lang="en-US" altLang="ko-KR" sz="800" dirty="0"/>
+              <a:t>  - Worker Node 1~3</a:t>
+            </a:r>
+            <a:r>
+              <a:rPr lang="ko-KR" altLang="en-US" sz="800" dirty="0"/>
+              <a:t>은 </a:t>
+            </a:r>
+            <a:r>
+              <a:rPr lang="en-US" altLang="ko-KR" sz="800" dirty="0"/>
+              <a:t>Web Server, Worker Node 4</a:t>
+            </a:r>
+            <a:r>
+              <a:rPr lang="ko-KR" altLang="en-US" sz="800" dirty="0"/>
+              <a:t>는 </a:t>
+            </a:r>
+            <a:r>
+              <a:rPr lang="en-US" altLang="ko-KR" sz="800" dirty="0"/>
+              <a:t>Log, Worker Node 5</a:t>
+            </a:r>
+            <a:r>
+              <a:rPr lang="ko-KR" altLang="en-US" sz="800" dirty="0"/>
+              <a:t>는 </a:t>
+            </a:r>
+            <a:r>
+              <a:rPr lang="en-US" altLang="ko-KR" sz="800" dirty="0"/>
+              <a:t>Monitoring </a:t>
+            </a:r>
+            <a:r>
+              <a:rPr lang="ko-KR" altLang="en-US" sz="800" dirty="0"/>
+              <a:t>등과 같이 구성</a:t>
+            </a:r>
+          </a:p>
+        </p:txBody>
+      </p:sp>
+      <p:sp>
+        <p:nvSpPr>
+          <p:cNvPr id="59" name="직사각형 58"/>
+          <p:cNvSpPr/>
+          <p:nvPr/>
+        </p:nvSpPr>
+        <p:spPr>
+          <a:xfrm>
+            <a:off x="6117714" y="970321"/>
+            <a:ext cx="794572" cy="173497"/>
+          </a:xfrm>
+          <a:prstGeom prst="rect">
+            <a:avLst/>
+          </a:prstGeom>
+          <a:noFill/>
+          <a:ln>
+            <a:solidFill>
+              <a:schemeClr val="tx1"/>
+            </a:solidFill>
+          </a:ln>
+        </p:spPr>
+        <p:style>
+          <a:lnRef idx="2">
+            <a:schemeClr val="accent1">
+              <a:shade val="50000"/>
+            </a:schemeClr>
+          </a:lnRef>
+          <a:fillRef idx="1">
+            <a:schemeClr val="accent1"/>
+          </a:fillRef>
+          <a:effectRef idx="0">
+            <a:schemeClr val="accent1"/>
+          </a:effectRef>
+          <a:fontRef idx="minor">
+            <a:schemeClr val="lt1"/>
+          </a:fontRef>
+        </p:style>
+        <p:txBody>
+          <a:bodyPr rtlCol="0" anchor="ctr"/>
+          <a:lstStyle/>
+          <a:p>
+            <a:pPr algn="ctr"/>
+            <a:r>
+              <a:rPr lang="en-US" altLang="ko-KR" sz="800" dirty="0" err="1">
+                <a:solidFill>
+                  <a:schemeClr val="tx1"/>
+                </a:solidFill>
+              </a:rPr>
+              <a:t>kubelet</a:t>
+            </a:r>
+            <a:endParaRPr lang="ko-KR" altLang="en-US" sz="800" dirty="0">
+              <a:solidFill>
+                <a:schemeClr val="tx1"/>
+              </a:solidFill>
+            </a:endParaRPr>
+          </a:p>
+        </p:txBody>
+      </p:sp>
+      <p:sp>
+        <p:nvSpPr>
+          <p:cNvPr id="61" name="직사각형 60"/>
+          <p:cNvSpPr/>
+          <p:nvPr/>
+        </p:nvSpPr>
+        <p:spPr>
+          <a:xfrm>
+            <a:off x="6110511" y="1216542"/>
+            <a:ext cx="794572" cy="173497"/>
+          </a:xfrm>
+          <a:prstGeom prst="rect">
+            <a:avLst/>
+          </a:prstGeom>
+          <a:noFill/>
+          <a:ln>
+            <a:solidFill>
+              <a:schemeClr val="tx1"/>
+            </a:solidFill>
+          </a:ln>
+        </p:spPr>
+        <p:style>
+          <a:lnRef idx="2">
+            <a:schemeClr val="accent1">
+              <a:shade val="50000"/>
+            </a:schemeClr>
+          </a:lnRef>
+          <a:fillRef idx="1">
+            <a:schemeClr val="accent1"/>
+          </a:fillRef>
+          <a:effectRef idx="0">
+            <a:schemeClr val="accent1"/>
+          </a:effectRef>
+          <a:fontRef idx="minor">
+            <a:schemeClr val="lt1"/>
+          </a:fontRef>
+        </p:style>
+        <p:txBody>
+          <a:bodyPr rtlCol="0" anchor="ctr"/>
+          <a:lstStyle/>
+          <a:p>
+            <a:pPr algn="ctr"/>
+            <a:r>
+              <a:rPr lang="en-US" altLang="ko-KR" sz="800" dirty="0" err="1">
+                <a:solidFill>
+                  <a:schemeClr val="tx1"/>
+                </a:solidFill>
+              </a:rPr>
+              <a:t>kubeproxy</a:t>
+            </a:r>
+            <a:endParaRPr lang="ko-KR" altLang="en-US" sz="800" dirty="0">
+              <a:solidFill>
+                <a:schemeClr val="tx1"/>
+              </a:solidFill>
+            </a:endParaRPr>
+          </a:p>
+        </p:txBody>
+      </p:sp>
+      <p:sp>
+        <p:nvSpPr>
+          <p:cNvPr id="62" name="직사각형 61"/>
+          <p:cNvSpPr/>
+          <p:nvPr/>
+        </p:nvSpPr>
+        <p:spPr>
+          <a:xfrm>
+            <a:off x="6117714" y="1457853"/>
+            <a:ext cx="794572" cy="173497"/>
+          </a:xfrm>
+          <a:prstGeom prst="rect">
+            <a:avLst/>
+          </a:prstGeom>
+          <a:noFill/>
+          <a:ln>
+            <a:solidFill>
+              <a:schemeClr val="tx1"/>
+            </a:solidFill>
+          </a:ln>
+        </p:spPr>
+        <p:style>
+          <a:lnRef idx="2">
+            <a:schemeClr val="accent1">
+              <a:shade val="50000"/>
+            </a:schemeClr>
+          </a:lnRef>
+          <a:fillRef idx="1">
+            <a:schemeClr val="accent1"/>
+          </a:fillRef>
+          <a:effectRef idx="0">
+            <a:schemeClr val="accent1"/>
+          </a:effectRef>
+          <a:fontRef idx="minor">
+            <a:schemeClr val="lt1"/>
+          </a:fontRef>
+        </p:style>
+        <p:txBody>
+          <a:bodyPr rtlCol="0" anchor="ctr"/>
+          <a:lstStyle/>
+          <a:p>
+            <a:pPr algn="ctr"/>
+            <a:r>
+              <a:rPr lang="en-US" altLang="ko-KR" sz="800" dirty="0" err="1">
+                <a:solidFill>
+                  <a:schemeClr val="tx1"/>
+                </a:solidFill>
+              </a:rPr>
+              <a:t>cAdvisor</a:t>
+            </a:r>
+            <a:endParaRPr lang="ko-KR" altLang="en-US" sz="800" dirty="0">
+              <a:solidFill>
+                <a:schemeClr val="tx1"/>
+              </a:solidFill>
+            </a:endParaRPr>
+          </a:p>
+        </p:txBody>
+      </p:sp>
+      <p:grpSp>
+        <p:nvGrpSpPr>
+          <p:cNvPr id="33" name="그룹 32"/>
+          <p:cNvGrpSpPr/>
+          <p:nvPr/>
+        </p:nvGrpSpPr>
+        <p:grpSpPr>
+          <a:xfrm>
+            <a:off x="7067598" y="3861661"/>
+            <a:ext cx="1468582" cy="1355054"/>
+            <a:chOff x="3240641" y="723128"/>
+            <a:chExt cx="1468582" cy="1355054"/>
+          </a:xfrm>
+        </p:grpSpPr>
+        <p:grpSp>
+          <p:nvGrpSpPr>
+            <p:cNvPr id="34" name="그룹 33"/>
+            <p:cNvGrpSpPr/>
+            <p:nvPr/>
+          </p:nvGrpSpPr>
+          <p:grpSpPr>
+            <a:xfrm>
+              <a:off x="3491098" y="1099126"/>
+              <a:ext cx="1045029" cy="793504"/>
+              <a:chOff x="2604407" y="2096654"/>
+              <a:chExt cx="1045029" cy="793504"/>
+            </a:xfrm>
+          </p:grpSpPr>
+          <p:sp>
+            <p:nvSpPr>
+              <p:cNvPr id="38" name="직사각형 37"/>
+              <p:cNvSpPr/>
+              <p:nvPr/>
+            </p:nvSpPr>
+            <p:spPr>
+              <a:xfrm>
+                <a:off x="2604407" y="2310494"/>
+                <a:ext cx="1045029" cy="579664"/>
+              </a:xfrm>
+              <a:prstGeom prst="rect">
+                <a:avLst/>
+              </a:prstGeom>
+              <a:noFill/>
+              <a:ln>
+                <a:solidFill>
+                  <a:schemeClr val="tx1"/>
+                </a:solidFill>
+              </a:ln>
+            </p:spPr>
+            <p:style>
+              <a:lnRef idx="2">
+                <a:schemeClr val="accent1">
+                  <a:shade val="50000"/>
+                </a:schemeClr>
+              </a:lnRef>
+              <a:fillRef idx="1">
+                <a:schemeClr val="accent1"/>
+              </a:fillRef>
+              <a:effectRef idx="0">
+                <a:schemeClr val="accent1"/>
+              </a:effectRef>
+              <a:fontRef idx="minor">
+                <a:schemeClr val="lt1"/>
+              </a:fontRef>
+            </p:style>
+            <p:txBody>
+              <a:bodyPr rtlCol="0" anchor="ctr"/>
+              <a:lstStyle/>
+              <a:p>
+                <a:pPr algn="ctr"/>
+                <a:r>
+                  <a:rPr lang="en-US" altLang="ko-KR" sz="800" dirty="0">
+                    <a:solidFill>
+                      <a:schemeClr val="tx1"/>
+                    </a:solidFill>
+                  </a:rPr>
+                  <a:t>WEB Server</a:t>
+                </a:r>
+                <a:endParaRPr lang="ko-KR" altLang="en-US" sz="800" dirty="0">
+                  <a:solidFill>
+                    <a:schemeClr val="tx1"/>
+                  </a:solidFill>
+                </a:endParaRPr>
+              </a:p>
+            </p:txBody>
+          </p:sp>
+          <p:sp>
+            <p:nvSpPr>
+              <p:cNvPr id="39" name="TextBox 38"/>
+              <p:cNvSpPr txBox="1"/>
+              <p:nvPr/>
+            </p:nvSpPr>
+            <p:spPr>
+              <a:xfrm>
+                <a:off x="2761427" y="2096654"/>
+                <a:ext cx="757629" cy="215444"/>
+              </a:xfrm>
+              <a:prstGeom prst="rect">
+                <a:avLst/>
+              </a:prstGeom>
+              <a:noFill/>
+            </p:spPr>
+            <p:txBody>
+              <a:bodyPr wrap="square" rtlCol="0">
+                <a:spAutoFit/>
+              </a:bodyPr>
+              <a:lstStyle/>
+              <a:p>
                 <a:r>
                   <a:rPr lang="en-US" altLang="ko-KR" sz="800" dirty="0"/>
-                  <a:t> Network</a:t>
+                  <a:t>container</a:t>
+                </a:r>
+                <a:endParaRPr lang="ko-KR" altLang="en-US" sz="800" dirty="0"/>
+              </a:p>
+            </p:txBody>
+          </p:sp>
+        </p:grpSp>
+        <p:grpSp>
+          <p:nvGrpSpPr>
+            <p:cNvPr id="35" name="그룹 34"/>
+            <p:cNvGrpSpPr/>
+            <p:nvPr/>
+          </p:nvGrpSpPr>
+          <p:grpSpPr>
+            <a:xfrm>
+              <a:off x="3240641" y="723128"/>
+              <a:ext cx="1468582" cy="1355054"/>
+              <a:chOff x="3240641" y="723128"/>
+              <a:chExt cx="1468582" cy="1355054"/>
+            </a:xfrm>
+          </p:grpSpPr>
+          <p:sp>
+            <p:nvSpPr>
+              <p:cNvPr id="36" name="직사각형 35"/>
+              <p:cNvSpPr/>
+              <p:nvPr/>
+            </p:nvSpPr>
+            <p:spPr>
+              <a:xfrm>
+                <a:off x="3305299" y="932404"/>
+                <a:ext cx="1403924" cy="1145778"/>
+              </a:xfrm>
+              <a:prstGeom prst="rect">
+                <a:avLst/>
+              </a:prstGeom>
+              <a:noFill/>
+              <a:ln>
+                <a:solidFill>
+                  <a:schemeClr val="tx1"/>
+                </a:solidFill>
+              </a:ln>
+            </p:spPr>
+            <p:style>
+              <a:lnRef idx="2">
+                <a:schemeClr val="accent1">
+                  <a:shade val="50000"/>
+                </a:schemeClr>
+              </a:lnRef>
+              <a:fillRef idx="1">
+                <a:schemeClr val="accent1"/>
+              </a:fillRef>
+              <a:effectRef idx="0">
+                <a:schemeClr val="accent1"/>
+              </a:effectRef>
+              <a:fontRef idx="minor">
+                <a:schemeClr val="lt1"/>
+              </a:fontRef>
+            </p:style>
+            <p:txBody>
+              <a:bodyPr rtlCol="0" anchor="ctr"/>
+              <a:lstStyle/>
+              <a:p>
+                <a:pPr algn="ctr"/>
+                <a:endParaRPr lang="ko-KR" altLang="en-US" sz="800" dirty="0">
+                  <a:solidFill>
+                    <a:schemeClr val="tx1"/>
+                  </a:solidFill>
+                </a:endParaRPr>
+              </a:p>
+            </p:txBody>
+          </p:sp>
+          <p:sp>
+            <p:nvSpPr>
+              <p:cNvPr id="37" name="TextBox 36"/>
+              <p:cNvSpPr txBox="1"/>
+              <p:nvPr/>
+            </p:nvSpPr>
+            <p:spPr>
+              <a:xfrm>
+                <a:off x="3240641" y="723128"/>
+                <a:ext cx="757629" cy="215444"/>
+              </a:xfrm>
+              <a:prstGeom prst="rect">
+                <a:avLst/>
+              </a:prstGeom>
+              <a:noFill/>
+            </p:spPr>
+            <p:txBody>
+              <a:bodyPr wrap="square" rtlCol="0">
+                <a:spAutoFit/>
+              </a:bodyPr>
+              <a:lstStyle/>
+              <a:p>
+                <a:r>
+                  <a:rPr lang="en-US" altLang="ko-KR" sz="800" dirty="0"/>
+                  <a:t>pod</a:t>
                 </a:r>
                 <a:endParaRPr lang="ko-KR" altLang="en-US" sz="800" dirty="0"/>
               </a:p>
@@ -6175,28 +4630,825 @@
       </p:grpSp>
       <p:grpSp>
         <p:nvGrpSpPr>
-          <p:cNvPr id="191" name="그룹 190"/>
+          <p:cNvPr id="40" name="그룹 39"/>
           <p:cNvGrpSpPr/>
           <p:nvPr/>
         </p:nvGrpSpPr>
         <p:grpSpPr>
           <a:xfrm>
-            <a:off x="2950507" y="4965420"/>
-            <a:ext cx="1517323" cy="1113859"/>
-            <a:chOff x="1489158" y="1986275"/>
-            <a:chExt cx="1517323" cy="1113859"/>
+            <a:off x="10273974" y="3882906"/>
+            <a:ext cx="1468582" cy="1355054"/>
+            <a:chOff x="4665581" y="753608"/>
+            <a:chExt cx="1468582" cy="1355054"/>
+          </a:xfrm>
+        </p:grpSpPr>
+        <p:grpSp>
+          <p:nvGrpSpPr>
+            <p:cNvPr id="41" name="그룹 40"/>
+            <p:cNvGrpSpPr/>
+            <p:nvPr/>
+          </p:nvGrpSpPr>
+          <p:grpSpPr>
+            <a:xfrm>
+              <a:off x="4916038" y="1129606"/>
+              <a:ext cx="1045029" cy="793504"/>
+              <a:chOff x="4029347" y="2127134"/>
+              <a:chExt cx="1045029" cy="793504"/>
+            </a:xfrm>
+          </p:grpSpPr>
+          <p:sp>
+            <p:nvSpPr>
+              <p:cNvPr id="45" name="직사각형 44"/>
+              <p:cNvSpPr/>
+              <p:nvPr/>
+            </p:nvSpPr>
+            <p:spPr>
+              <a:xfrm>
+                <a:off x="4029347" y="2340974"/>
+                <a:ext cx="1045029" cy="579664"/>
+              </a:xfrm>
+              <a:prstGeom prst="rect">
+                <a:avLst/>
+              </a:prstGeom>
+              <a:noFill/>
+              <a:ln>
+                <a:solidFill>
+                  <a:schemeClr val="tx1"/>
+                </a:solidFill>
+              </a:ln>
+            </p:spPr>
+            <p:style>
+              <a:lnRef idx="2">
+                <a:schemeClr val="accent1">
+                  <a:shade val="50000"/>
+                </a:schemeClr>
+              </a:lnRef>
+              <a:fillRef idx="1">
+                <a:schemeClr val="accent1"/>
+              </a:fillRef>
+              <a:effectRef idx="0">
+                <a:schemeClr val="accent1"/>
+              </a:effectRef>
+              <a:fontRef idx="minor">
+                <a:schemeClr val="lt1"/>
+              </a:fontRef>
+            </p:style>
+            <p:txBody>
+              <a:bodyPr rtlCol="0" anchor="ctr"/>
+              <a:lstStyle/>
+              <a:p>
+                <a:pPr algn="ctr"/>
+                <a:r>
+                  <a:rPr lang="en-US" altLang="ko-KR" sz="800" dirty="0">
+                    <a:solidFill>
+                      <a:schemeClr val="tx1"/>
+                    </a:solidFill>
+                  </a:rPr>
+                  <a:t>WEB Server</a:t>
+                </a:r>
+                <a:endParaRPr lang="ko-KR" altLang="en-US" sz="800" dirty="0">
+                  <a:solidFill>
+                    <a:schemeClr val="tx1"/>
+                  </a:solidFill>
+                </a:endParaRPr>
+              </a:p>
+            </p:txBody>
+          </p:sp>
+          <p:sp>
+            <p:nvSpPr>
+              <p:cNvPr id="46" name="TextBox 45"/>
+              <p:cNvSpPr txBox="1"/>
+              <p:nvPr/>
+            </p:nvSpPr>
+            <p:spPr>
+              <a:xfrm>
+                <a:off x="4186367" y="2127134"/>
+                <a:ext cx="757629" cy="215444"/>
+              </a:xfrm>
+              <a:prstGeom prst="rect">
+                <a:avLst/>
+              </a:prstGeom>
+              <a:noFill/>
+            </p:spPr>
+            <p:txBody>
+              <a:bodyPr wrap="square" rtlCol="0">
+                <a:spAutoFit/>
+              </a:bodyPr>
+              <a:lstStyle/>
+              <a:p>
+                <a:r>
+                  <a:rPr lang="en-US" altLang="ko-KR" sz="800" dirty="0"/>
+                  <a:t>container</a:t>
+                </a:r>
+                <a:endParaRPr lang="ko-KR" altLang="en-US" sz="800" dirty="0"/>
+              </a:p>
+            </p:txBody>
+          </p:sp>
+        </p:grpSp>
+        <p:grpSp>
+          <p:nvGrpSpPr>
+            <p:cNvPr id="42" name="그룹 41"/>
+            <p:cNvGrpSpPr/>
+            <p:nvPr/>
+          </p:nvGrpSpPr>
+          <p:grpSpPr>
+            <a:xfrm>
+              <a:off x="4665581" y="753608"/>
+              <a:ext cx="1468582" cy="1355054"/>
+              <a:chOff x="4665581" y="753608"/>
+              <a:chExt cx="1468582" cy="1355054"/>
+            </a:xfrm>
+          </p:grpSpPr>
+          <p:sp>
+            <p:nvSpPr>
+              <p:cNvPr id="43" name="직사각형 42"/>
+              <p:cNvSpPr/>
+              <p:nvPr/>
+            </p:nvSpPr>
+            <p:spPr>
+              <a:xfrm>
+                <a:off x="4730239" y="962884"/>
+                <a:ext cx="1403924" cy="1145778"/>
+              </a:xfrm>
+              <a:prstGeom prst="rect">
+                <a:avLst/>
+              </a:prstGeom>
+              <a:noFill/>
+              <a:ln>
+                <a:solidFill>
+                  <a:schemeClr val="tx1"/>
+                </a:solidFill>
+              </a:ln>
+            </p:spPr>
+            <p:style>
+              <a:lnRef idx="2">
+                <a:schemeClr val="accent1">
+                  <a:shade val="50000"/>
+                </a:schemeClr>
+              </a:lnRef>
+              <a:fillRef idx="1">
+                <a:schemeClr val="accent1"/>
+              </a:fillRef>
+              <a:effectRef idx="0">
+                <a:schemeClr val="accent1"/>
+              </a:effectRef>
+              <a:fontRef idx="minor">
+                <a:schemeClr val="lt1"/>
+              </a:fontRef>
+            </p:style>
+            <p:txBody>
+              <a:bodyPr rtlCol="0" anchor="ctr"/>
+              <a:lstStyle/>
+              <a:p>
+                <a:pPr algn="ctr"/>
+                <a:endParaRPr lang="ko-KR" altLang="en-US" sz="800" dirty="0">
+                  <a:solidFill>
+                    <a:schemeClr val="tx1"/>
+                  </a:solidFill>
+                </a:endParaRPr>
+              </a:p>
+            </p:txBody>
+          </p:sp>
+          <p:sp>
+            <p:nvSpPr>
+              <p:cNvPr id="44" name="TextBox 43"/>
+              <p:cNvSpPr txBox="1"/>
+              <p:nvPr/>
+            </p:nvSpPr>
+            <p:spPr>
+              <a:xfrm>
+                <a:off x="4665581" y="753608"/>
+                <a:ext cx="757629" cy="215444"/>
+              </a:xfrm>
+              <a:prstGeom prst="rect">
+                <a:avLst/>
+              </a:prstGeom>
+              <a:noFill/>
+            </p:spPr>
+            <p:txBody>
+              <a:bodyPr wrap="square" rtlCol="0">
+                <a:spAutoFit/>
+              </a:bodyPr>
+              <a:lstStyle/>
+              <a:p>
+                <a:r>
+                  <a:rPr lang="en-US" altLang="ko-KR" sz="800" dirty="0"/>
+                  <a:t>pod</a:t>
+                </a:r>
+                <a:endParaRPr lang="ko-KR" altLang="en-US" sz="800" dirty="0"/>
+              </a:p>
+            </p:txBody>
+          </p:sp>
+        </p:grpSp>
+      </p:grpSp>
+      <p:sp>
+        <p:nvSpPr>
+          <p:cNvPr id="47" name="TextBox 46"/>
+          <p:cNvSpPr txBox="1"/>
+          <p:nvPr/>
+        </p:nvSpPr>
+        <p:spPr>
+          <a:xfrm>
+            <a:off x="9294068" y="4597557"/>
+            <a:ext cx="358190" cy="215444"/>
+          </a:xfrm>
+          <a:prstGeom prst="rect">
+            <a:avLst/>
+          </a:prstGeom>
+          <a:noFill/>
+        </p:spPr>
+        <p:txBody>
+          <a:bodyPr wrap="square" rtlCol="0">
+            <a:spAutoFit/>
+          </a:bodyPr>
+          <a:lstStyle/>
+          <a:p>
+            <a:r>
+              <a:rPr lang="en-US" altLang="ko-KR" sz="800" dirty="0"/>
+              <a:t>· · ·</a:t>
+            </a:r>
+            <a:endParaRPr lang="ko-KR" altLang="en-US" sz="800" dirty="0"/>
+          </a:p>
+        </p:txBody>
+      </p:sp>
+      <p:sp>
+        <p:nvSpPr>
+          <p:cNvPr id="58" name="TextBox 57"/>
+          <p:cNvSpPr txBox="1"/>
+          <p:nvPr/>
+        </p:nvSpPr>
+        <p:spPr>
+          <a:xfrm>
+            <a:off x="5950980" y="3513456"/>
+            <a:ext cx="965982" cy="215444"/>
+          </a:xfrm>
+          <a:prstGeom prst="rect">
+            <a:avLst/>
+          </a:prstGeom>
+          <a:noFill/>
+        </p:spPr>
+        <p:txBody>
+          <a:bodyPr wrap="square" rtlCol="0">
+            <a:spAutoFit/>
+          </a:bodyPr>
+          <a:lstStyle/>
+          <a:p>
+            <a:r>
+              <a:rPr lang="en-US" altLang="ko-KR" sz="800" dirty="0"/>
+              <a:t>Worker Node</a:t>
+            </a:r>
+            <a:endParaRPr lang="ko-KR" altLang="en-US" sz="800" dirty="0"/>
+          </a:p>
+        </p:txBody>
+      </p:sp>
+      <p:sp>
+        <p:nvSpPr>
+          <p:cNvPr id="63" name="직사각형 62"/>
+          <p:cNvSpPr/>
+          <p:nvPr/>
+        </p:nvSpPr>
+        <p:spPr>
+          <a:xfrm>
+            <a:off x="6110511" y="4061702"/>
+            <a:ext cx="794572" cy="173497"/>
+          </a:xfrm>
+          <a:prstGeom prst="rect">
+            <a:avLst/>
+          </a:prstGeom>
+          <a:noFill/>
+          <a:ln>
+            <a:solidFill>
+              <a:schemeClr val="tx1"/>
+            </a:solidFill>
+          </a:ln>
+        </p:spPr>
+        <p:style>
+          <a:lnRef idx="2">
+            <a:schemeClr val="accent1">
+              <a:shade val="50000"/>
+            </a:schemeClr>
+          </a:lnRef>
+          <a:fillRef idx="1">
+            <a:schemeClr val="accent1"/>
+          </a:fillRef>
+          <a:effectRef idx="0">
+            <a:schemeClr val="accent1"/>
+          </a:effectRef>
+          <a:fontRef idx="minor">
+            <a:schemeClr val="lt1"/>
+          </a:fontRef>
+        </p:style>
+        <p:txBody>
+          <a:bodyPr rtlCol="0" anchor="ctr"/>
+          <a:lstStyle/>
+          <a:p>
+            <a:pPr algn="ctr"/>
+            <a:r>
+              <a:rPr lang="en-US" altLang="ko-KR" sz="800" dirty="0" err="1">
+                <a:solidFill>
+                  <a:schemeClr val="tx1"/>
+                </a:solidFill>
+              </a:rPr>
+              <a:t>kubelet</a:t>
+            </a:r>
+            <a:endParaRPr lang="ko-KR" altLang="en-US" sz="800" dirty="0">
+              <a:solidFill>
+                <a:schemeClr val="tx1"/>
+              </a:solidFill>
+            </a:endParaRPr>
+          </a:p>
+        </p:txBody>
+      </p:sp>
+      <p:sp>
+        <p:nvSpPr>
+          <p:cNvPr id="64" name="직사각형 63"/>
+          <p:cNvSpPr/>
+          <p:nvPr/>
+        </p:nvSpPr>
+        <p:spPr>
+          <a:xfrm>
+            <a:off x="6103308" y="4307923"/>
+            <a:ext cx="794572" cy="173497"/>
+          </a:xfrm>
+          <a:prstGeom prst="rect">
+            <a:avLst/>
+          </a:prstGeom>
+          <a:noFill/>
+          <a:ln>
+            <a:solidFill>
+              <a:schemeClr val="tx1"/>
+            </a:solidFill>
+          </a:ln>
+        </p:spPr>
+        <p:style>
+          <a:lnRef idx="2">
+            <a:schemeClr val="accent1">
+              <a:shade val="50000"/>
+            </a:schemeClr>
+          </a:lnRef>
+          <a:fillRef idx="1">
+            <a:schemeClr val="accent1"/>
+          </a:fillRef>
+          <a:effectRef idx="0">
+            <a:schemeClr val="accent1"/>
+          </a:effectRef>
+          <a:fontRef idx="minor">
+            <a:schemeClr val="lt1"/>
+          </a:fontRef>
+        </p:style>
+        <p:txBody>
+          <a:bodyPr rtlCol="0" anchor="ctr"/>
+          <a:lstStyle/>
+          <a:p>
+            <a:pPr algn="ctr"/>
+            <a:r>
+              <a:rPr lang="en-US" altLang="ko-KR" sz="800" dirty="0" err="1">
+                <a:solidFill>
+                  <a:schemeClr val="tx1"/>
+                </a:solidFill>
+              </a:rPr>
+              <a:t>kubeproxy</a:t>
+            </a:r>
+            <a:endParaRPr lang="ko-KR" altLang="en-US" sz="800" dirty="0">
+              <a:solidFill>
+                <a:schemeClr val="tx1"/>
+              </a:solidFill>
+            </a:endParaRPr>
+          </a:p>
+        </p:txBody>
+      </p:sp>
+      <p:sp>
+        <p:nvSpPr>
+          <p:cNvPr id="65" name="직사각형 64"/>
+          <p:cNvSpPr/>
+          <p:nvPr/>
+        </p:nvSpPr>
+        <p:spPr>
+          <a:xfrm>
+            <a:off x="6110511" y="4549234"/>
+            <a:ext cx="794572" cy="173497"/>
+          </a:xfrm>
+          <a:prstGeom prst="rect">
+            <a:avLst/>
+          </a:prstGeom>
+          <a:noFill/>
+          <a:ln>
+            <a:solidFill>
+              <a:schemeClr val="tx1"/>
+            </a:solidFill>
+          </a:ln>
+        </p:spPr>
+        <p:style>
+          <a:lnRef idx="2">
+            <a:schemeClr val="accent1">
+              <a:shade val="50000"/>
+            </a:schemeClr>
+          </a:lnRef>
+          <a:fillRef idx="1">
+            <a:schemeClr val="accent1"/>
+          </a:fillRef>
+          <a:effectRef idx="0">
+            <a:schemeClr val="accent1"/>
+          </a:effectRef>
+          <a:fontRef idx="minor">
+            <a:schemeClr val="lt1"/>
+          </a:fontRef>
+        </p:style>
+        <p:txBody>
+          <a:bodyPr rtlCol="0" anchor="ctr"/>
+          <a:lstStyle/>
+          <a:p>
+            <a:pPr algn="ctr"/>
+            <a:r>
+              <a:rPr lang="en-US" altLang="ko-KR" sz="800" dirty="0" err="1">
+                <a:solidFill>
+                  <a:schemeClr val="tx1"/>
+                </a:solidFill>
+              </a:rPr>
+              <a:t>cAdvisor</a:t>
+            </a:r>
+            <a:endParaRPr lang="ko-KR" altLang="en-US" sz="800" dirty="0">
+              <a:solidFill>
+                <a:schemeClr val="tx1"/>
+              </a:solidFill>
+            </a:endParaRPr>
+          </a:p>
+        </p:txBody>
+      </p:sp>
+      <p:sp>
+        <p:nvSpPr>
+          <p:cNvPr id="70" name="직사각형 69"/>
+          <p:cNvSpPr/>
+          <p:nvPr/>
+        </p:nvSpPr>
+        <p:spPr>
+          <a:xfrm>
+            <a:off x="3218061" y="645606"/>
+            <a:ext cx="2225085" cy="5929576"/>
+          </a:xfrm>
+          <a:prstGeom prst="rect">
+            <a:avLst/>
+          </a:prstGeom>
+          <a:noFill/>
+          <a:ln>
+            <a:solidFill>
+              <a:schemeClr val="tx1"/>
+            </a:solidFill>
+          </a:ln>
+        </p:spPr>
+        <p:style>
+          <a:lnRef idx="2">
+            <a:schemeClr val="accent1">
+              <a:shade val="50000"/>
+            </a:schemeClr>
+          </a:lnRef>
+          <a:fillRef idx="1">
+            <a:schemeClr val="accent1"/>
+          </a:fillRef>
+          <a:effectRef idx="0">
+            <a:schemeClr val="accent1"/>
+          </a:effectRef>
+          <a:fontRef idx="minor">
+            <a:schemeClr val="lt1"/>
+          </a:fontRef>
+        </p:style>
+        <p:txBody>
+          <a:bodyPr rtlCol="0" anchor="ctr"/>
+          <a:lstStyle/>
+          <a:p>
+            <a:pPr algn="ctr"/>
+            <a:endParaRPr lang="ko-KR" altLang="en-US" sz="800" dirty="0">
+              <a:solidFill>
+                <a:schemeClr val="tx1"/>
+              </a:solidFill>
+            </a:endParaRPr>
+          </a:p>
+        </p:txBody>
+      </p:sp>
+      <p:sp>
+        <p:nvSpPr>
+          <p:cNvPr id="71" name="TextBox 70"/>
+          <p:cNvSpPr txBox="1"/>
+          <p:nvPr/>
+        </p:nvSpPr>
+        <p:spPr>
+          <a:xfrm>
+            <a:off x="3135482" y="331799"/>
+            <a:ext cx="2389018" cy="338554"/>
+          </a:xfrm>
+          <a:prstGeom prst="rect">
+            <a:avLst/>
+          </a:prstGeom>
+          <a:noFill/>
+        </p:spPr>
+        <p:txBody>
+          <a:bodyPr wrap="square" rtlCol="0">
+            <a:spAutoFit/>
+          </a:bodyPr>
+          <a:lstStyle/>
+          <a:p>
+            <a:r>
+              <a:rPr lang="en-US" altLang="ko-KR" sz="800" dirty="0"/>
+              <a:t>Master Node</a:t>
+            </a:r>
+          </a:p>
+          <a:p>
+            <a:r>
+              <a:rPr lang="en-US" altLang="ko-KR" sz="800" dirty="0"/>
+              <a:t>  - </a:t>
+            </a:r>
+            <a:r>
+              <a:rPr lang="ko-KR" altLang="en-US" sz="800" dirty="0"/>
+              <a:t>보통 </a:t>
+            </a:r>
+            <a:r>
+              <a:rPr lang="en-US" altLang="ko-KR" sz="800" dirty="0"/>
+              <a:t>3, 5, 7</a:t>
+            </a:r>
+            <a:r>
+              <a:rPr lang="ko-KR" altLang="en-US" sz="800" dirty="0"/>
+              <a:t>개로 구성하며</a:t>
+            </a:r>
+            <a:r>
+              <a:rPr lang="en-US" altLang="ko-KR" sz="800" dirty="0"/>
+              <a:t>, Clustering</a:t>
+            </a:r>
+            <a:r>
+              <a:rPr lang="ko-KR" altLang="en-US" sz="800" dirty="0"/>
+              <a:t>을 한다</a:t>
+            </a:r>
+            <a:r>
+              <a:rPr lang="en-US" altLang="ko-KR" sz="800" dirty="0"/>
+              <a:t>.</a:t>
+            </a:r>
+            <a:endParaRPr lang="ko-KR" altLang="en-US" sz="800" dirty="0"/>
+          </a:p>
+        </p:txBody>
+      </p:sp>
+      <p:sp>
+        <p:nvSpPr>
+          <p:cNvPr id="74" name="직사각형 73"/>
+          <p:cNvSpPr/>
+          <p:nvPr/>
+        </p:nvSpPr>
+        <p:spPr>
+          <a:xfrm>
+            <a:off x="3990997" y="776358"/>
+            <a:ext cx="794572" cy="173497"/>
+          </a:xfrm>
+          <a:prstGeom prst="rect">
+            <a:avLst/>
+          </a:prstGeom>
+          <a:noFill/>
+          <a:ln>
+            <a:solidFill>
+              <a:schemeClr val="tx1"/>
+            </a:solidFill>
+          </a:ln>
+        </p:spPr>
+        <p:style>
+          <a:lnRef idx="2">
+            <a:schemeClr val="accent1">
+              <a:shade val="50000"/>
+            </a:schemeClr>
+          </a:lnRef>
+          <a:fillRef idx="1">
+            <a:schemeClr val="accent1"/>
+          </a:fillRef>
+          <a:effectRef idx="0">
+            <a:schemeClr val="accent1"/>
+          </a:effectRef>
+          <a:fontRef idx="minor">
+            <a:schemeClr val="lt1"/>
+          </a:fontRef>
+        </p:style>
+        <p:txBody>
+          <a:bodyPr rtlCol="0" anchor="ctr"/>
+          <a:lstStyle/>
+          <a:p>
+            <a:pPr algn="ctr"/>
+            <a:r>
+              <a:rPr lang="en-US" altLang="ko-KR" sz="800" dirty="0">
+                <a:solidFill>
+                  <a:schemeClr val="tx1"/>
+                </a:solidFill>
+              </a:rPr>
+              <a:t>API Server</a:t>
+            </a:r>
+            <a:endParaRPr lang="ko-KR" altLang="en-US" sz="800" dirty="0">
+              <a:solidFill>
+                <a:schemeClr val="tx1"/>
+              </a:solidFill>
+            </a:endParaRPr>
+          </a:p>
+        </p:txBody>
+      </p:sp>
+      <p:sp>
+        <p:nvSpPr>
+          <p:cNvPr id="75" name="직사각형 74"/>
+          <p:cNvSpPr/>
+          <p:nvPr/>
+        </p:nvSpPr>
+        <p:spPr>
+          <a:xfrm>
+            <a:off x="3983794" y="1022579"/>
+            <a:ext cx="794572" cy="173497"/>
+          </a:xfrm>
+          <a:prstGeom prst="rect">
+            <a:avLst/>
+          </a:prstGeom>
+          <a:noFill/>
+          <a:ln>
+            <a:solidFill>
+              <a:schemeClr val="tx1"/>
+            </a:solidFill>
+          </a:ln>
+        </p:spPr>
+        <p:style>
+          <a:lnRef idx="2">
+            <a:schemeClr val="accent1">
+              <a:shade val="50000"/>
+            </a:schemeClr>
+          </a:lnRef>
+          <a:fillRef idx="1">
+            <a:schemeClr val="accent1"/>
+          </a:fillRef>
+          <a:effectRef idx="0">
+            <a:schemeClr val="accent1"/>
+          </a:effectRef>
+          <a:fontRef idx="minor">
+            <a:schemeClr val="lt1"/>
+          </a:fontRef>
+        </p:style>
+        <p:txBody>
+          <a:bodyPr rtlCol="0" anchor="ctr"/>
+          <a:lstStyle/>
+          <a:p>
+            <a:pPr algn="ctr"/>
+            <a:r>
+              <a:rPr lang="en-US" altLang="ko-KR" sz="800" dirty="0">
+                <a:solidFill>
+                  <a:schemeClr val="tx1"/>
+                </a:solidFill>
+              </a:rPr>
+              <a:t>Scheduler</a:t>
+            </a:r>
+            <a:endParaRPr lang="ko-KR" altLang="en-US" sz="800" dirty="0">
+              <a:solidFill>
+                <a:schemeClr val="tx1"/>
+              </a:solidFill>
+            </a:endParaRPr>
+          </a:p>
+        </p:txBody>
+      </p:sp>
+      <p:sp>
+        <p:nvSpPr>
+          <p:cNvPr id="76" name="직사각형 75"/>
+          <p:cNvSpPr/>
+          <p:nvPr/>
+        </p:nvSpPr>
+        <p:spPr>
+          <a:xfrm>
+            <a:off x="3990997" y="1263890"/>
+            <a:ext cx="794572" cy="466176"/>
+          </a:xfrm>
+          <a:prstGeom prst="rect">
+            <a:avLst/>
+          </a:prstGeom>
+          <a:noFill/>
+          <a:ln>
+            <a:solidFill>
+              <a:schemeClr val="tx1"/>
+            </a:solidFill>
+          </a:ln>
+        </p:spPr>
+        <p:style>
+          <a:lnRef idx="2">
+            <a:schemeClr val="accent1">
+              <a:shade val="50000"/>
+            </a:schemeClr>
+          </a:lnRef>
+          <a:fillRef idx="1">
+            <a:schemeClr val="accent1"/>
+          </a:fillRef>
+          <a:effectRef idx="0">
+            <a:schemeClr val="accent1"/>
+          </a:effectRef>
+          <a:fontRef idx="minor">
+            <a:schemeClr val="lt1"/>
+          </a:fontRef>
+        </p:style>
+        <p:txBody>
+          <a:bodyPr rtlCol="0" anchor="ctr"/>
+          <a:lstStyle/>
+          <a:p>
+            <a:pPr algn="ctr"/>
+            <a:r>
+              <a:rPr lang="en-US" altLang="ko-KR" sz="800" dirty="0" err="1">
+                <a:solidFill>
+                  <a:schemeClr val="tx1"/>
+                </a:solidFill>
+              </a:rPr>
+              <a:t>Kube</a:t>
+            </a:r>
+            <a:r>
+              <a:rPr lang="en-US" altLang="ko-KR" sz="800" dirty="0">
+                <a:solidFill>
+                  <a:schemeClr val="tx1"/>
+                </a:solidFill>
+              </a:rPr>
+              <a:t> Controller Manager</a:t>
+            </a:r>
+            <a:endParaRPr lang="ko-KR" altLang="en-US" sz="800" dirty="0">
+              <a:solidFill>
+                <a:schemeClr val="tx1"/>
+              </a:solidFill>
+            </a:endParaRPr>
+          </a:p>
+        </p:txBody>
+      </p:sp>
+      <p:sp>
+        <p:nvSpPr>
+          <p:cNvPr id="77" name="직사각형 76"/>
+          <p:cNvSpPr/>
+          <p:nvPr/>
+        </p:nvSpPr>
+        <p:spPr>
+          <a:xfrm>
+            <a:off x="3993030" y="1797880"/>
+            <a:ext cx="794572" cy="466176"/>
+          </a:xfrm>
+          <a:prstGeom prst="rect">
+            <a:avLst/>
+          </a:prstGeom>
+          <a:noFill/>
+          <a:ln>
+            <a:solidFill>
+              <a:schemeClr val="tx1"/>
+            </a:solidFill>
+          </a:ln>
+        </p:spPr>
+        <p:style>
+          <a:lnRef idx="2">
+            <a:schemeClr val="accent1">
+              <a:shade val="50000"/>
+            </a:schemeClr>
+          </a:lnRef>
+          <a:fillRef idx="1">
+            <a:schemeClr val="accent1"/>
+          </a:fillRef>
+          <a:effectRef idx="0">
+            <a:schemeClr val="accent1"/>
+          </a:effectRef>
+          <a:fontRef idx="minor">
+            <a:schemeClr val="lt1"/>
+          </a:fontRef>
+        </p:style>
+        <p:txBody>
+          <a:bodyPr rtlCol="0" anchor="ctr"/>
+          <a:lstStyle/>
+          <a:p>
+            <a:pPr algn="ctr"/>
+            <a:r>
+              <a:rPr lang="en-US" altLang="ko-KR" sz="800" dirty="0">
+                <a:solidFill>
+                  <a:schemeClr val="tx1"/>
+                </a:solidFill>
+              </a:rPr>
+              <a:t>Cloud Controller Manager</a:t>
+            </a:r>
+            <a:endParaRPr lang="ko-KR" altLang="en-US" sz="800" dirty="0">
+              <a:solidFill>
+                <a:schemeClr val="tx1"/>
+              </a:solidFill>
+            </a:endParaRPr>
+          </a:p>
+        </p:txBody>
+      </p:sp>
+      <p:grpSp>
+        <p:nvGrpSpPr>
+          <p:cNvPr id="81" name="그룹 80"/>
+          <p:cNvGrpSpPr/>
+          <p:nvPr/>
+        </p:nvGrpSpPr>
+        <p:grpSpPr>
+          <a:xfrm>
+            <a:off x="4192989" y="5880672"/>
+            <a:ext cx="794572" cy="655591"/>
+            <a:chOff x="353291" y="2611636"/>
+            <a:chExt cx="794572" cy="655591"/>
           </a:xfrm>
         </p:grpSpPr>
         <p:sp>
           <p:nvSpPr>
-            <p:cNvPr id="187" name="직사각형 186"/>
+            <p:cNvPr id="79" name="직사각형 78"/>
             <p:cNvSpPr/>
             <p:nvPr/>
           </p:nvSpPr>
           <p:spPr>
             <a:xfrm>
-              <a:off x="1489158" y="2195549"/>
-              <a:ext cx="1517323" cy="904585"/>
+              <a:off x="353291" y="2713619"/>
+              <a:ext cx="794572" cy="466176"/>
             </a:xfrm>
             <a:prstGeom prst="rect">
               <a:avLst/>
@@ -6204,6 +5456,407 @@
             <a:solidFill>
               <a:schemeClr val="bg1"/>
             </a:solidFill>
+            <a:ln>
+              <a:solidFill>
+                <a:schemeClr val="tx1"/>
+              </a:solidFill>
+            </a:ln>
+          </p:spPr>
+          <p:style>
+            <a:lnRef idx="2">
+              <a:schemeClr val="accent1">
+                <a:shade val="50000"/>
+              </a:schemeClr>
+            </a:lnRef>
+            <a:fillRef idx="1">
+              <a:schemeClr val="accent1"/>
+            </a:fillRef>
+            <a:effectRef idx="0">
+              <a:schemeClr val="accent1"/>
+            </a:effectRef>
+            <a:fontRef idx="minor">
+              <a:schemeClr val="lt1"/>
+            </a:fontRef>
+          </p:style>
+          <p:txBody>
+            <a:bodyPr rtlCol="0" anchor="ctr"/>
+            <a:lstStyle/>
+            <a:p>
+              <a:pPr algn="ctr"/>
+              <a:r>
+                <a:rPr lang="en-US" altLang="ko-KR" sz="800" dirty="0">
+                  <a:solidFill>
+                    <a:schemeClr val="tx1"/>
+                  </a:solidFill>
+                </a:rPr>
+                <a:t>ETC</a:t>
+              </a:r>
+              <a:endParaRPr lang="ko-KR" altLang="en-US" sz="800" dirty="0">
+                <a:solidFill>
+                  <a:schemeClr val="tx1"/>
+                </a:solidFill>
+              </a:endParaRPr>
+            </a:p>
+          </p:txBody>
+        </p:sp>
+        <p:sp>
+          <p:nvSpPr>
+            <p:cNvPr id="78" name="타원 77"/>
+            <p:cNvSpPr/>
+            <p:nvPr/>
+          </p:nvSpPr>
+          <p:spPr>
+            <a:xfrm>
+              <a:off x="353291" y="2611636"/>
+              <a:ext cx="794572" cy="214692"/>
+            </a:xfrm>
+            <a:prstGeom prst="ellipse">
+              <a:avLst/>
+            </a:prstGeom>
+            <a:solidFill>
+              <a:schemeClr val="bg1"/>
+            </a:solidFill>
+            <a:ln>
+              <a:solidFill>
+                <a:schemeClr val="tx1"/>
+              </a:solidFill>
+            </a:ln>
+          </p:spPr>
+          <p:style>
+            <a:lnRef idx="2">
+              <a:schemeClr val="accent1">
+                <a:shade val="50000"/>
+              </a:schemeClr>
+            </a:lnRef>
+            <a:fillRef idx="1">
+              <a:schemeClr val="accent1"/>
+            </a:fillRef>
+            <a:effectRef idx="0">
+              <a:schemeClr val="accent1"/>
+            </a:effectRef>
+            <a:fontRef idx="minor">
+              <a:schemeClr val="lt1"/>
+            </a:fontRef>
+          </p:style>
+          <p:txBody>
+            <a:bodyPr rtlCol="0" anchor="ctr"/>
+            <a:lstStyle/>
+            <a:p>
+              <a:pPr algn="ctr"/>
+              <a:endParaRPr lang="ko-KR" altLang="en-US" sz="800"/>
+            </a:p>
+          </p:txBody>
+        </p:sp>
+        <p:sp>
+          <p:nvSpPr>
+            <p:cNvPr id="80" name="타원 79"/>
+            <p:cNvSpPr/>
+            <p:nvPr/>
+          </p:nvSpPr>
+          <p:spPr>
+            <a:xfrm>
+              <a:off x="353291" y="3052535"/>
+              <a:ext cx="794572" cy="214692"/>
+            </a:xfrm>
+            <a:prstGeom prst="ellipse">
+              <a:avLst/>
+            </a:prstGeom>
+            <a:solidFill>
+              <a:schemeClr val="bg1"/>
+            </a:solidFill>
+            <a:ln>
+              <a:solidFill>
+                <a:schemeClr val="tx1"/>
+              </a:solidFill>
+            </a:ln>
+          </p:spPr>
+          <p:style>
+            <a:lnRef idx="2">
+              <a:schemeClr val="accent1">
+                <a:shade val="50000"/>
+              </a:schemeClr>
+            </a:lnRef>
+            <a:fillRef idx="1">
+              <a:schemeClr val="accent1"/>
+            </a:fillRef>
+            <a:effectRef idx="0">
+              <a:schemeClr val="accent1"/>
+            </a:effectRef>
+            <a:fontRef idx="minor">
+              <a:schemeClr val="lt1"/>
+            </a:fontRef>
+          </p:style>
+          <p:txBody>
+            <a:bodyPr rtlCol="0" anchor="ctr"/>
+            <a:lstStyle/>
+            <a:p>
+              <a:pPr algn="ctr"/>
+              <a:endParaRPr lang="ko-KR" altLang="en-US" sz="800"/>
+            </a:p>
+          </p:txBody>
+        </p:sp>
+      </p:grpSp>
+      <p:sp>
+        <p:nvSpPr>
+          <p:cNvPr id="89" name="직사각형 88"/>
+          <p:cNvSpPr/>
+          <p:nvPr/>
+        </p:nvSpPr>
+        <p:spPr>
+          <a:xfrm>
+            <a:off x="3460192" y="2576083"/>
+            <a:ext cx="1820994" cy="1417850"/>
+          </a:xfrm>
+          <a:prstGeom prst="rect">
+            <a:avLst/>
+          </a:prstGeom>
+          <a:solidFill>
+            <a:schemeClr val="bg1"/>
+          </a:solidFill>
+          <a:ln>
+            <a:solidFill>
+              <a:schemeClr val="tx1"/>
+            </a:solidFill>
+          </a:ln>
+        </p:spPr>
+        <p:style>
+          <a:lnRef idx="2">
+            <a:schemeClr val="accent1">
+              <a:shade val="50000"/>
+            </a:schemeClr>
+          </a:lnRef>
+          <a:fillRef idx="1">
+            <a:schemeClr val="accent1"/>
+          </a:fillRef>
+          <a:effectRef idx="0">
+            <a:schemeClr val="accent1"/>
+          </a:effectRef>
+          <a:fontRef idx="minor">
+            <a:schemeClr val="lt1"/>
+          </a:fontRef>
+        </p:style>
+        <p:txBody>
+          <a:bodyPr rtlCol="0" anchor="ctr"/>
+          <a:lstStyle/>
+          <a:p>
+            <a:pPr algn="ctr"/>
+            <a:endParaRPr lang="ko-KR" altLang="en-US" sz="800" dirty="0">
+              <a:solidFill>
+                <a:schemeClr val="tx1"/>
+              </a:solidFill>
+            </a:endParaRPr>
+          </a:p>
+        </p:txBody>
+      </p:sp>
+      <p:sp>
+        <p:nvSpPr>
+          <p:cNvPr id="82" name="직사각형 81"/>
+          <p:cNvSpPr/>
+          <p:nvPr/>
+        </p:nvSpPr>
+        <p:spPr>
+          <a:xfrm>
+            <a:off x="3510945" y="2670659"/>
+            <a:ext cx="799127" cy="381030"/>
+          </a:xfrm>
+          <a:prstGeom prst="rect">
+            <a:avLst/>
+          </a:prstGeom>
+          <a:solidFill>
+            <a:schemeClr val="bg1"/>
+          </a:solidFill>
+          <a:ln>
+            <a:solidFill>
+              <a:schemeClr val="tx1"/>
+            </a:solidFill>
+          </a:ln>
+        </p:spPr>
+        <p:style>
+          <a:lnRef idx="2">
+            <a:schemeClr val="accent1">
+              <a:shade val="50000"/>
+            </a:schemeClr>
+          </a:lnRef>
+          <a:fillRef idx="1">
+            <a:schemeClr val="accent1"/>
+          </a:fillRef>
+          <a:effectRef idx="0">
+            <a:schemeClr val="accent1"/>
+          </a:effectRef>
+          <a:fontRef idx="minor">
+            <a:schemeClr val="lt1"/>
+          </a:fontRef>
+        </p:style>
+        <p:txBody>
+          <a:bodyPr rtlCol="0" anchor="ctr"/>
+          <a:lstStyle/>
+          <a:p>
+            <a:pPr algn="ctr"/>
+            <a:r>
+              <a:rPr lang="en-US" altLang="ko-KR" sz="800" dirty="0">
+                <a:solidFill>
+                  <a:schemeClr val="tx1"/>
+                </a:solidFill>
+              </a:rPr>
+              <a:t>Replica controller</a:t>
+            </a:r>
+            <a:endParaRPr lang="ko-KR" altLang="en-US" sz="800" dirty="0">
+              <a:solidFill>
+                <a:schemeClr val="tx1"/>
+              </a:solidFill>
+            </a:endParaRPr>
+          </a:p>
+        </p:txBody>
+      </p:sp>
+      <p:sp>
+        <p:nvSpPr>
+          <p:cNvPr id="84" name="직사각형 83"/>
+          <p:cNvSpPr/>
+          <p:nvPr/>
+        </p:nvSpPr>
+        <p:spPr>
+          <a:xfrm>
+            <a:off x="4222328" y="2747447"/>
+            <a:ext cx="832723" cy="381030"/>
+          </a:xfrm>
+          <a:prstGeom prst="rect">
+            <a:avLst/>
+          </a:prstGeom>
+          <a:solidFill>
+            <a:schemeClr val="bg1"/>
+          </a:solidFill>
+          <a:ln>
+            <a:solidFill>
+              <a:schemeClr val="tx1"/>
+            </a:solidFill>
+          </a:ln>
+        </p:spPr>
+        <p:style>
+          <a:lnRef idx="2">
+            <a:schemeClr val="accent1">
+              <a:shade val="50000"/>
+            </a:schemeClr>
+          </a:lnRef>
+          <a:fillRef idx="1">
+            <a:schemeClr val="accent1"/>
+          </a:fillRef>
+          <a:effectRef idx="0">
+            <a:schemeClr val="accent1"/>
+          </a:effectRef>
+          <a:fontRef idx="minor">
+            <a:schemeClr val="lt1"/>
+          </a:fontRef>
+        </p:style>
+        <p:txBody>
+          <a:bodyPr rtlCol="0" anchor="ctr"/>
+          <a:lstStyle/>
+          <a:p>
+            <a:pPr algn="ctr"/>
+            <a:r>
+              <a:rPr lang="en-US" altLang="ko-KR" sz="800" dirty="0">
+                <a:solidFill>
+                  <a:schemeClr val="tx1"/>
+                </a:solidFill>
+              </a:rPr>
+              <a:t>Deployment</a:t>
+            </a:r>
+            <a:endParaRPr lang="ko-KR" altLang="en-US" sz="800" dirty="0">
+              <a:solidFill>
+                <a:schemeClr val="tx1"/>
+              </a:solidFill>
+            </a:endParaRPr>
+          </a:p>
+        </p:txBody>
+      </p:sp>
+      <p:sp>
+        <p:nvSpPr>
+          <p:cNvPr id="85" name="직사각형 84"/>
+          <p:cNvSpPr/>
+          <p:nvPr/>
+        </p:nvSpPr>
+        <p:spPr>
+          <a:xfrm>
+            <a:off x="4347885" y="3491572"/>
+            <a:ext cx="799127" cy="381030"/>
+          </a:xfrm>
+          <a:prstGeom prst="rect">
+            <a:avLst/>
+          </a:prstGeom>
+          <a:solidFill>
+            <a:schemeClr val="bg1"/>
+          </a:solidFill>
+          <a:ln>
+            <a:solidFill>
+              <a:schemeClr val="tx1"/>
+            </a:solidFill>
+          </a:ln>
+        </p:spPr>
+        <p:style>
+          <a:lnRef idx="2">
+            <a:schemeClr val="accent1">
+              <a:shade val="50000"/>
+            </a:schemeClr>
+          </a:lnRef>
+          <a:fillRef idx="1">
+            <a:schemeClr val="accent1"/>
+          </a:fillRef>
+          <a:effectRef idx="0">
+            <a:schemeClr val="accent1"/>
+          </a:effectRef>
+          <a:fontRef idx="minor">
+            <a:schemeClr val="lt1"/>
+          </a:fontRef>
+        </p:style>
+        <p:txBody>
+          <a:bodyPr rtlCol="0" anchor="ctr"/>
+          <a:lstStyle/>
+          <a:p>
+            <a:pPr algn="ctr"/>
+            <a:r>
+              <a:rPr lang="en-US" altLang="ko-KR" sz="800" dirty="0">
+                <a:solidFill>
+                  <a:schemeClr val="tx1"/>
+                </a:solidFill>
+              </a:rPr>
+              <a:t>etc…</a:t>
+            </a:r>
+            <a:endParaRPr lang="ko-KR" altLang="en-US" sz="800" dirty="0">
+              <a:solidFill>
+                <a:schemeClr val="tx1"/>
+              </a:solidFill>
+            </a:endParaRPr>
+          </a:p>
+        </p:txBody>
+      </p:sp>
+      <p:grpSp>
+        <p:nvGrpSpPr>
+          <p:cNvPr id="181" name="그룹 180"/>
+          <p:cNvGrpSpPr/>
+          <p:nvPr/>
+        </p:nvGrpSpPr>
+        <p:grpSpPr>
+          <a:xfrm>
+            <a:off x="2898310" y="68525"/>
+            <a:ext cx="9141290" cy="6639703"/>
+            <a:chOff x="2949110" y="68525"/>
+            <a:chExt cx="9141290" cy="4312975"/>
+          </a:xfrm>
+        </p:grpSpPr>
+        <p:sp>
+          <p:nvSpPr>
+            <p:cNvPr id="179" name="직사각형 178"/>
+            <p:cNvSpPr/>
+            <p:nvPr/>
+          </p:nvSpPr>
+          <p:spPr>
+            <a:xfrm>
+              <a:off x="3001307" y="290500"/>
+              <a:ext cx="9089093" cy="4091000"/>
+            </a:xfrm>
+            <a:prstGeom prst="rect">
+              <a:avLst/>
+            </a:prstGeom>
+            <a:noFill/>
             <a:ln>
               <a:solidFill>
                 <a:schemeClr val="tx1"/>
@@ -6241,13 +5894,13 @@
         </p:sp>
         <p:sp>
           <p:nvSpPr>
-            <p:cNvPr id="188" name="TextBox 187"/>
+            <p:cNvPr id="180" name="TextBox 179"/>
             <p:cNvSpPr txBox="1"/>
             <p:nvPr/>
           </p:nvSpPr>
           <p:spPr>
             <a:xfrm>
-              <a:off x="1549565" y="1986275"/>
+              <a:off x="2949110" y="68525"/>
               <a:ext cx="1257240" cy="215444"/>
             </a:xfrm>
             <a:prstGeom prst="rect">
@@ -6262,45 +5915,836 @@
             <a:lstStyle/>
             <a:p>
               <a:r>
+                <a:rPr lang="en-US" altLang="ko-KR" sz="800" dirty="0" err="1"/>
+                <a:t>Clouster</a:t>
+              </a:r>
+              <a:r>
                 <a:rPr lang="en-US" altLang="ko-KR" sz="800" dirty="0"/>
-                <a:t>Ingress</a:t>
+                <a:t> Network</a:t>
               </a:r>
               <a:endParaRPr lang="ko-KR" altLang="en-US" sz="800" dirty="0"/>
             </a:p>
           </p:txBody>
         </p:sp>
       </p:grpSp>
+      <p:cxnSp>
+        <p:nvCxnSpPr>
+          <p:cNvPr id="195" name="꺾인 연결선 194"/>
+          <p:cNvCxnSpPr>
+            <a:cxnSpLocks/>
+            <a:stCxn id="89" idx="3"/>
+            <a:endCxn id="11" idx="1"/>
+          </p:cNvCxnSpPr>
+          <p:nvPr/>
+        </p:nvCxnSpPr>
+        <p:spPr>
+          <a:xfrm flipV="1">
+            <a:off x="5281186" y="1549985"/>
+            <a:ext cx="1851547" cy="1735023"/>
+          </a:xfrm>
+          <a:prstGeom prst="bentConnector3">
+            <a:avLst>
+              <a:gd name="adj1" fmla="val 50000"/>
+            </a:avLst>
+          </a:prstGeom>
+          <a:ln>
+            <a:tailEnd type="triangle"/>
+          </a:ln>
+        </p:spPr>
+        <p:style>
+          <a:lnRef idx="1">
+            <a:schemeClr val="accent1"/>
+          </a:lnRef>
+          <a:fillRef idx="0">
+            <a:schemeClr val="accent1"/>
+          </a:fillRef>
+          <a:effectRef idx="0">
+            <a:schemeClr val="accent1"/>
+          </a:effectRef>
+          <a:fontRef idx="minor">
+            <a:schemeClr val="tx1"/>
+          </a:fontRef>
+        </p:style>
+      </p:cxnSp>
+      <p:cxnSp>
+        <p:nvCxnSpPr>
+          <p:cNvPr id="199" name="꺾인 연결선 198"/>
+          <p:cNvCxnSpPr>
+            <a:cxnSpLocks/>
+            <a:stCxn id="89" idx="3"/>
+            <a:endCxn id="28" idx="1"/>
+          </p:cNvCxnSpPr>
+          <p:nvPr/>
+        </p:nvCxnSpPr>
+        <p:spPr>
+          <a:xfrm flipV="1">
+            <a:off x="5281186" y="1549985"/>
+            <a:ext cx="5052320" cy="1735023"/>
+          </a:xfrm>
+          <a:prstGeom prst="bentConnector3">
+            <a:avLst>
+              <a:gd name="adj1" fmla="val 50000"/>
+            </a:avLst>
+          </a:prstGeom>
+          <a:ln>
+            <a:tailEnd type="triangle"/>
+          </a:ln>
+        </p:spPr>
+        <p:style>
+          <a:lnRef idx="1">
+            <a:schemeClr val="accent1"/>
+          </a:lnRef>
+          <a:fillRef idx="0">
+            <a:schemeClr val="accent1"/>
+          </a:fillRef>
+          <a:effectRef idx="0">
+            <a:schemeClr val="accent1"/>
+          </a:effectRef>
+          <a:fontRef idx="minor">
+            <a:schemeClr val="tx1"/>
+          </a:fontRef>
+        </p:style>
+      </p:cxnSp>
+      <p:cxnSp>
+        <p:nvCxnSpPr>
+          <p:cNvPr id="203" name="꺾인 연결선 202"/>
+          <p:cNvCxnSpPr>
+            <a:cxnSpLocks/>
+            <a:stCxn id="89" idx="3"/>
+            <a:endCxn id="43" idx="1"/>
+          </p:cNvCxnSpPr>
+          <p:nvPr/>
+        </p:nvCxnSpPr>
+        <p:spPr>
+          <a:xfrm>
+            <a:off x="5281186" y="3285008"/>
+            <a:ext cx="5057446" cy="1380063"/>
+          </a:xfrm>
+          <a:prstGeom prst="bentConnector3">
+            <a:avLst>
+              <a:gd name="adj1" fmla="val 50000"/>
+            </a:avLst>
+          </a:prstGeom>
+          <a:ln>
+            <a:tailEnd type="triangle"/>
+          </a:ln>
+        </p:spPr>
+        <p:style>
+          <a:lnRef idx="1">
+            <a:schemeClr val="accent1"/>
+          </a:lnRef>
+          <a:fillRef idx="0">
+            <a:schemeClr val="accent1"/>
+          </a:fillRef>
+          <a:effectRef idx="0">
+            <a:schemeClr val="accent1"/>
+          </a:effectRef>
+          <a:fontRef idx="minor">
+            <a:schemeClr val="tx1"/>
+          </a:fontRef>
+        </p:style>
+      </p:cxnSp>
+      <p:cxnSp>
+        <p:nvCxnSpPr>
+          <p:cNvPr id="210" name="꺾인 연결선 209"/>
+          <p:cNvCxnSpPr>
+            <a:cxnSpLocks/>
+            <a:stCxn id="89" idx="3"/>
+            <a:endCxn id="36" idx="1"/>
+          </p:cNvCxnSpPr>
+          <p:nvPr/>
+        </p:nvCxnSpPr>
+        <p:spPr>
+          <a:xfrm>
+            <a:off x="5281186" y="3285008"/>
+            <a:ext cx="1851070" cy="1358818"/>
+          </a:xfrm>
+          <a:prstGeom prst="bentConnector3">
+            <a:avLst>
+              <a:gd name="adj1" fmla="val 50000"/>
+            </a:avLst>
+          </a:prstGeom>
+          <a:ln>
+            <a:tailEnd type="triangle"/>
+          </a:ln>
+        </p:spPr>
+        <p:style>
+          <a:lnRef idx="1">
+            <a:schemeClr val="accent1"/>
+          </a:lnRef>
+          <a:fillRef idx="0">
+            <a:schemeClr val="accent1"/>
+          </a:fillRef>
+          <a:effectRef idx="0">
+            <a:schemeClr val="accent1"/>
+          </a:effectRef>
+          <a:fontRef idx="minor">
+            <a:schemeClr val="tx1"/>
+          </a:fontRef>
+        </p:style>
+      </p:cxnSp>
+      <p:cxnSp>
+        <p:nvCxnSpPr>
+          <p:cNvPr id="3" name="꺾인 연결선 2"/>
+          <p:cNvCxnSpPr>
+            <a:cxnSpLocks/>
+            <a:stCxn id="50" idx="3"/>
+          </p:cNvCxnSpPr>
+          <p:nvPr/>
+        </p:nvCxnSpPr>
+        <p:spPr>
+          <a:xfrm>
+            <a:off x="11887201" y="2077851"/>
+            <a:ext cx="12700" cy="2776480"/>
+          </a:xfrm>
+          <a:prstGeom prst="bentConnector3">
+            <a:avLst>
+              <a:gd name="adj1" fmla="val 1800000"/>
+            </a:avLst>
+          </a:prstGeom>
+          <a:ln>
+            <a:solidFill>
+              <a:srgbClr val="FF0000"/>
+            </a:solidFill>
+            <a:headEnd type="triangle"/>
+            <a:tailEnd type="triangle"/>
+          </a:ln>
+        </p:spPr>
+        <p:style>
+          <a:lnRef idx="1">
+            <a:schemeClr val="accent1"/>
+          </a:lnRef>
+          <a:fillRef idx="0">
+            <a:schemeClr val="accent1"/>
+          </a:fillRef>
+          <a:effectRef idx="0">
+            <a:schemeClr val="accent1"/>
+          </a:effectRef>
+          <a:fontRef idx="minor">
+            <a:schemeClr val="tx1"/>
+          </a:fontRef>
+        </p:style>
+      </p:cxnSp>
+      <p:sp>
+        <p:nvSpPr>
+          <p:cNvPr id="18" name="TextBox 17"/>
+          <p:cNvSpPr txBox="1"/>
+          <p:nvPr/>
+        </p:nvSpPr>
+        <p:spPr>
+          <a:xfrm>
+            <a:off x="11410633" y="3803184"/>
+            <a:ext cx="825867" cy="215444"/>
+          </a:xfrm>
+          <a:prstGeom prst="rect">
+            <a:avLst/>
+          </a:prstGeom>
+          <a:noFill/>
+        </p:spPr>
+        <p:txBody>
+          <a:bodyPr wrap="none" rtlCol="0">
+            <a:spAutoFit/>
+          </a:bodyPr>
+          <a:lstStyle/>
+          <a:p>
+            <a:r>
+              <a:rPr lang="ko-KR" altLang="en-US" sz="800" dirty="0"/>
+              <a:t>네트워크</a:t>
+            </a:r>
+            <a:r>
+              <a:rPr lang="en-US" altLang="ko-KR" sz="800" dirty="0"/>
+              <a:t>: CNI</a:t>
+            </a:r>
+            <a:endParaRPr lang="ko-KR" altLang="en-US" sz="800" dirty="0"/>
+          </a:p>
+        </p:txBody>
+      </p:sp>
+      <p:sp>
+        <p:nvSpPr>
+          <p:cNvPr id="2" name="직사각형 1">
+            <a:extLst>
+              <a:ext uri="{FF2B5EF4-FFF2-40B4-BE49-F238E27FC236}">
+                <a16:creationId xmlns:a16="http://schemas.microsoft.com/office/drawing/2014/main" id="{619144D6-68CD-3E31-6D05-6559D87B5B65}"/>
+              </a:ext>
+            </a:extLst>
+          </p:cNvPr>
+          <p:cNvSpPr/>
+          <p:nvPr/>
+        </p:nvSpPr>
+        <p:spPr>
+          <a:xfrm>
+            <a:off x="3453286" y="4176899"/>
+            <a:ext cx="1820994" cy="1429327"/>
+          </a:xfrm>
+          <a:prstGeom prst="rect">
+            <a:avLst/>
+          </a:prstGeom>
+          <a:solidFill>
+            <a:schemeClr val="bg1"/>
+          </a:solidFill>
+          <a:ln>
+            <a:solidFill>
+              <a:schemeClr val="tx1"/>
+            </a:solidFill>
+          </a:ln>
+        </p:spPr>
+        <p:style>
+          <a:lnRef idx="2">
+            <a:schemeClr val="accent1">
+              <a:shade val="50000"/>
+            </a:schemeClr>
+          </a:lnRef>
+          <a:fillRef idx="1">
+            <a:schemeClr val="accent1"/>
+          </a:fillRef>
+          <a:effectRef idx="0">
+            <a:schemeClr val="accent1"/>
+          </a:effectRef>
+          <a:fontRef idx="minor">
+            <a:schemeClr val="lt1"/>
+          </a:fontRef>
+        </p:style>
+        <p:txBody>
+          <a:bodyPr rtlCol="0" anchor="ctr"/>
+          <a:lstStyle/>
+          <a:p>
+            <a:pPr algn="ctr"/>
+            <a:endParaRPr lang="ko-KR" altLang="en-US" sz="800" dirty="0">
+              <a:solidFill>
+                <a:schemeClr val="tx1"/>
+              </a:solidFill>
+            </a:endParaRPr>
+          </a:p>
+        </p:txBody>
+      </p:sp>
+      <p:cxnSp>
+        <p:nvCxnSpPr>
+          <p:cNvPr id="10" name="꺾인 연결선 137">
+            <a:extLst>
+              <a:ext uri="{FF2B5EF4-FFF2-40B4-BE49-F238E27FC236}">
+                <a16:creationId xmlns:a16="http://schemas.microsoft.com/office/drawing/2014/main" id="{BEF61012-ED4A-AD8C-8DE6-EB63D4B92573}"/>
+              </a:ext>
+            </a:extLst>
+          </p:cNvPr>
+          <p:cNvCxnSpPr>
+            <a:cxnSpLocks/>
+            <a:stCxn id="84" idx="3"/>
+            <a:endCxn id="2" idx="0"/>
+          </p:cNvCxnSpPr>
+          <p:nvPr/>
+        </p:nvCxnSpPr>
+        <p:spPr>
+          <a:xfrm flipH="1">
+            <a:off x="4363783" y="2937962"/>
+            <a:ext cx="691268" cy="1238937"/>
+          </a:xfrm>
+          <a:prstGeom prst="bentConnector4">
+            <a:avLst>
+              <a:gd name="adj1" fmla="val -26228"/>
+              <a:gd name="adj2" fmla="val 78685"/>
+            </a:avLst>
+          </a:prstGeom>
+          <a:ln>
+            <a:tailEnd type="triangle"/>
+          </a:ln>
+        </p:spPr>
+        <p:style>
+          <a:lnRef idx="1">
+            <a:schemeClr val="accent1"/>
+          </a:lnRef>
+          <a:fillRef idx="0">
+            <a:schemeClr val="accent1"/>
+          </a:fillRef>
+          <a:effectRef idx="0">
+            <a:schemeClr val="accent1"/>
+          </a:effectRef>
+          <a:fontRef idx="minor">
+            <a:schemeClr val="tx1"/>
+          </a:fontRef>
+        </p:style>
+      </p:cxnSp>
+      <p:sp>
+        <p:nvSpPr>
+          <p:cNvPr id="21" name="직사각형 20">
+            <a:extLst>
+              <a:ext uri="{FF2B5EF4-FFF2-40B4-BE49-F238E27FC236}">
+                <a16:creationId xmlns:a16="http://schemas.microsoft.com/office/drawing/2014/main" id="{FF45C693-61A0-CFA4-9D9D-797AFBB494AC}"/>
+              </a:ext>
+            </a:extLst>
+          </p:cNvPr>
+          <p:cNvSpPr/>
+          <p:nvPr/>
+        </p:nvSpPr>
+        <p:spPr>
+          <a:xfrm>
+            <a:off x="3606141" y="4280913"/>
+            <a:ext cx="957976" cy="381030"/>
+          </a:xfrm>
+          <a:prstGeom prst="rect">
+            <a:avLst/>
+          </a:prstGeom>
+          <a:solidFill>
+            <a:schemeClr val="bg1"/>
+          </a:solidFill>
+          <a:ln>
+            <a:solidFill>
+              <a:schemeClr val="tx1"/>
+            </a:solidFill>
+          </a:ln>
+        </p:spPr>
+        <p:style>
+          <a:lnRef idx="2">
+            <a:schemeClr val="accent1">
+              <a:shade val="50000"/>
+            </a:schemeClr>
+          </a:lnRef>
+          <a:fillRef idx="1">
+            <a:schemeClr val="accent1"/>
+          </a:fillRef>
+          <a:effectRef idx="0">
+            <a:schemeClr val="accent1"/>
+          </a:effectRef>
+          <a:fontRef idx="minor">
+            <a:schemeClr val="lt1"/>
+          </a:fontRef>
+        </p:style>
+        <p:txBody>
+          <a:bodyPr rtlCol="0" anchor="ctr"/>
+          <a:lstStyle/>
+          <a:p>
+            <a:pPr algn="ctr"/>
+            <a:r>
+              <a:rPr lang="en-US" altLang="ko-KR" sz="800" dirty="0">
+                <a:solidFill>
+                  <a:schemeClr val="tx1"/>
+                </a:solidFill>
+              </a:rPr>
+              <a:t>&lt;pod&gt;</a:t>
+            </a:r>
+          </a:p>
+          <a:p>
+            <a:pPr algn="ctr"/>
+            <a:r>
+              <a:rPr lang="en-US" altLang="ko-KR" sz="800" dirty="0" err="1">
+                <a:solidFill>
+                  <a:schemeClr val="tx1"/>
+                </a:solidFill>
+              </a:rPr>
+              <a:t>csi</a:t>
+            </a:r>
+            <a:r>
+              <a:rPr lang="en-US" altLang="ko-KR" sz="800" dirty="0">
+                <a:solidFill>
+                  <a:schemeClr val="tx1"/>
+                </a:solidFill>
+              </a:rPr>
+              <a:t>-provisioner</a:t>
+            </a:r>
+            <a:endParaRPr lang="ko-KR" altLang="en-US" sz="800" dirty="0">
+              <a:solidFill>
+                <a:schemeClr val="tx1"/>
+              </a:solidFill>
+            </a:endParaRPr>
+          </a:p>
+        </p:txBody>
+      </p:sp>
+      <p:sp>
+        <p:nvSpPr>
+          <p:cNvPr id="22" name="직사각형 21">
+            <a:extLst>
+              <a:ext uri="{FF2B5EF4-FFF2-40B4-BE49-F238E27FC236}">
+                <a16:creationId xmlns:a16="http://schemas.microsoft.com/office/drawing/2014/main" id="{51EBC064-14BB-626C-2066-DC82DB760A9E}"/>
+              </a:ext>
+            </a:extLst>
+          </p:cNvPr>
+          <p:cNvSpPr/>
+          <p:nvPr/>
+        </p:nvSpPr>
+        <p:spPr>
+          <a:xfrm>
+            <a:off x="4014527" y="4626433"/>
+            <a:ext cx="957976" cy="381030"/>
+          </a:xfrm>
+          <a:prstGeom prst="rect">
+            <a:avLst/>
+          </a:prstGeom>
+          <a:solidFill>
+            <a:schemeClr val="bg1"/>
+          </a:solidFill>
+          <a:ln>
+            <a:solidFill>
+              <a:schemeClr val="tx1"/>
+            </a:solidFill>
+          </a:ln>
+        </p:spPr>
+        <p:style>
+          <a:lnRef idx="2">
+            <a:schemeClr val="accent1">
+              <a:shade val="50000"/>
+            </a:schemeClr>
+          </a:lnRef>
+          <a:fillRef idx="1">
+            <a:schemeClr val="accent1"/>
+          </a:fillRef>
+          <a:effectRef idx="0">
+            <a:schemeClr val="accent1"/>
+          </a:effectRef>
+          <a:fontRef idx="minor">
+            <a:schemeClr val="lt1"/>
+          </a:fontRef>
+        </p:style>
+        <p:txBody>
+          <a:bodyPr rtlCol="0" anchor="ctr"/>
+          <a:lstStyle/>
+          <a:p>
+            <a:pPr algn="ctr"/>
+            <a:r>
+              <a:rPr lang="en-US" altLang="ko-KR" sz="800" dirty="0">
+                <a:solidFill>
+                  <a:schemeClr val="tx1"/>
+                </a:solidFill>
+              </a:rPr>
+              <a:t>&lt;pod&gt;</a:t>
+            </a:r>
+          </a:p>
+          <a:p>
+            <a:pPr algn="ctr"/>
+            <a:r>
+              <a:rPr lang="en-US" altLang="ko-KR" sz="800" dirty="0" err="1">
+                <a:solidFill>
+                  <a:schemeClr val="tx1"/>
+                </a:solidFill>
+              </a:rPr>
+              <a:t>csi-attacher</a:t>
+            </a:r>
+            <a:endParaRPr lang="ko-KR" altLang="en-US" sz="800" dirty="0">
+              <a:solidFill>
+                <a:schemeClr val="tx1"/>
+              </a:solidFill>
+            </a:endParaRPr>
+          </a:p>
+        </p:txBody>
+      </p:sp>
+      <p:sp>
+        <p:nvSpPr>
+          <p:cNvPr id="23" name="직사각형 22">
+            <a:extLst>
+              <a:ext uri="{FF2B5EF4-FFF2-40B4-BE49-F238E27FC236}">
+                <a16:creationId xmlns:a16="http://schemas.microsoft.com/office/drawing/2014/main" id="{5B52DFEE-80FA-59F0-F296-AFFD0E95C694}"/>
+              </a:ext>
+            </a:extLst>
+          </p:cNvPr>
+          <p:cNvSpPr/>
+          <p:nvPr/>
+        </p:nvSpPr>
+        <p:spPr>
+          <a:xfrm>
+            <a:off x="3613004" y="5042230"/>
+            <a:ext cx="957976" cy="381030"/>
+          </a:xfrm>
+          <a:prstGeom prst="rect">
+            <a:avLst/>
+          </a:prstGeom>
+          <a:solidFill>
+            <a:schemeClr val="bg1"/>
+          </a:solidFill>
+          <a:ln>
+            <a:solidFill>
+              <a:schemeClr val="tx1"/>
+            </a:solidFill>
+          </a:ln>
+        </p:spPr>
+        <p:style>
+          <a:lnRef idx="2">
+            <a:schemeClr val="accent1">
+              <a:shade val="50000"/>
+            </a:schemeClr>
+          </a:lnRef>
+          <a:fillRef idx="1">
+            <a:schemeClr val="accent1"/>
+          </a:fillRef>
+          <a:effectRef idx="0">
+            <a:schemeClr val="accent1"/>
+          </a:effectRef>
+          <a:fontRef idx="minor">
+            <a:schemeClr val="lt1"/>
+          </a:fontRef>
+        </p:style>
+        <p:txBody>
+          <a:bodyPr rtlCol="0" anchor="ctr"/>
+          <a:lstStyle/>
+          <a:p>
+            <a:pPr algn="ctr"/>
+            <a:r>
+              <a:rPr lang="en-US" altLang="ko-KR" sz="800" dirty="0">
+                <a:solidFill>
+                  <a:schemeClr val="tx1"/>
+                </a:solidFill>
+              </a:rPr>
+              <a:t>&lt;pod&gt;</a:t>
+            </a:r>
+          </a:p>
+          <a:p>
+            <a:pPr algn="ctr"/>
+            <a:r>
+              <a:rPr lang="en-US" altLang="ko-KR" sz="800" dirty="0" err="1">
+                <a:solidFill>
+                  <a:schemeClr val="tx1"/>
+                </a:solidFill>
+              </a:rPr>
+              <a:t>csi</a:t>
+            </a:r>
+            <a:r>
+              <a:rPr lang="en-US" altLang="ko-KR" sz="800" dirty="0">
+                <a:solidFill>
+                  <a:schemeClr val="tx1"/>
+                </a:solidFill>
+              </a:rPr>
+              <a:t>-controller</a:t>
+            </a:r>
+            <a:endParaRPr lang="ko-KR" altLang="en-US" sz="800" dirty="0">
+              <a:solidFill>
+                <a:schemeClr val="tx1"/>
+              </a:solidFill>
+            </a:endParaRPr>
+          </a:p>
+        </p:txBody>
+      </p:sp>
+      <p:sp>
+        <p:nvSpPr>
+          <p:cNvPr id="24" name="직사각형 23">
+            <a:extLst>
+              <a:ext uri="{FF2B5EF4-FFF2-40B4-BE49-F238E27FC236}">
+                <a16:creationId xmlns:a16="http://schemas.microsoft.com/office/drawing/2014/main" id="{28F251B0-D677-CF22-75C2-5067725D8318}"/>
+              </a:ext>
+            </a:extLst>
+          </p:cNvPr>
+          <p:cNvSpPr/>
+          <p:nvPr/>
+        </p:nvSpPr>
+        <p:spPr>
+          <a:xfrm>
+            <a:off x="4227694" y="5178018"/>
+            <a:ext cx="957976" cy="381030"/>
+          </a:xfrm>
+          <a:prstGeom prst="rect">
+            <a:avLst/>
+          </a:prstGeom>
+          <a:solidFill>
+            <a:schemeClr val="bg1"/>
+          </a:solidFill>
+          <a:ln>
+            <a:solidFill>
+              <a:schemeClr val="tx1"/>
+            </a:solidFill>
+          </a:ln>
+        </p:spPr>
+        <p:style>
+          <a:lnRef idx="2">
+            <a:schemeClr val="accent1">
+              <a:shade val="50000"/>
+            </a:schemeClr>
+          </a:lnRef>
+          <a:fillRef idx="1">
+            <a:schemeClr val="accent1"/>
+          </a:fillRef>
+          <a:effectRef idx="0">
+            <a:schemeClr val="accent1"/>
+          </a:effectRef>
+          <a:fontRef idx="minor">
+            <a:schemeClr val="lt1"/>
+          </a:fontRef>
+        </p:style>
+        <p:txBody>
+          <a:bodyPr rtlCol="0" anchor="ctr"/>
+          <a:lstStyle/>
+          <a:p>
+            <a:pPr algn="ctr"/>
+            <a:r>
+              <a:rPr lang="en-US" altLang="ko-KR" sz="800" dirty="0" err="1">
+                <a:solidFill>
+                  <a:schemeClr val="tx1"/>
+                </a:solidFill>
+              </a:rPr>
+              <a:t>etc</a:t>
+            </a:r>
+            <a:r>
+              <a:rPr lang="en-US" altLang="ko-KR" sz="800" dirty="0">
+                <a:solidFill>
+                  <a:schemeClr val="tx1"/>
+                </a:solidFill>
+              </a:rPr>
+              <a:t>…</a:t>
+            </a:r>
+            <a:endParaRPr lang="ko-KR" altLang="en-US" sz="800" dirty="0">
+              <a:solidFill>
+                <a:schemeClr val="tx1"/>
+              </a:solidFill>
+            </a:endParaRPr>
+          </a:p>
+        </p:txBody>
+      </p:sp>
+      <p:sp>
+        <p:nvSpPr>
+          <p:cNvPr id="53" name="직사각형 52">
+            <a:extLst>
+              <a:ext uri="{FF2B5EF4-FFF2-40B4-BE49-F238E27FC236}">
+                <a16:creationId xmlns:a16="http://schemas.microsoft.com/office/drawing/2014/main" id="{A9E239BC-8D84-8433-8E1E-19F95AE712C8}"/>
+              </a:ext>
+            </a:extLst>
+          </p:cNvPr>
+          <p:cNvSpPr/>
+          <p:nvPr/>
+        </p:nvSpPr>
+        <p:spPr>
+          <a:xfrm>
+            <a:off x="6012278" y="3717184"/>
+            <a:ext cx="5871564" cy="2857998"/>
+          </a:xfrm>
+          <a:prstGeom prst="rect">
+            <a:avLst/>
+          </a:prstGeom>
+          <a:noFill/>
+          <a:ln>
+            <a:solidFill>
+              <a:schemeClr val="tx1"/>
+            </a:solidFill>
+          </a:ln>
+        </p:spPr>
+        <p:style>
+          <a:lnRef idx="2">
+            <a:schemeClr val="accent1">
+              <a:shade val="50000"/>
+            </a:schemeClr>
+          </a:lnRef>
+          <a:fillRef idx="1">
+            <a:schemeClr val="accent1"/>
+          </a:fillRef>
+          <a:effectRef idx="0">
+            <a:schemeClr val="accent1"/>
+          </a:effectRef>
+          <a:fontRef idx="minor">
+            <a:schemeClr val="lt1"/>
+          </a:fontRef>
+        </p:style>
+        <p:txBody>
+          <a:bodyPr rtlCol="0" anchor="ctr"/>
+          <a:lstStyle/>
+          <a:p>
+            <a:pPr algn="ctr"/>
+            <a:endParaRPr lang="ko-KR" altLang="en-US" sz="800" dirty="0">
+              <a:solidFill>
+                <a:schemeClr val="tx1"/>
+              </a:solidFill>
+            </a:endParaRPr>
+          </a:p>
+        </p:txBody>
+      </p:sp>
       <p:grpSp>
         <p:nvGrpSpPr>
-          <p:cNvPr id="192" name="그룹 191"/>
+          <p:cNvPr id="113" name="그룹 112">
+            <a:extLst>
+              <a:ext uri="{FF2B5EF4-FFF2-40B4-BE49-F238E27FC236}">
+                <a16:creationId xmlns:a16="http://schemas.microsoft.com/office/drawing/2014/main" id="{69633185-D63D-F49E-CE13-F908CB425489}"/>
+              </a:ext>
+            </a:extLst>
+          </p:cNvPr>
           <p:cNvGrpSpPr/>
           <p:nvPr/>
         </p:nvGrpSpPr>
         <p:grpSpPr>
           <a:xfrm>
-            <a:off x="4705538" y="4979315"/>
-            <a:ext cx="1517323" cy="1113859"/>
-            <a:chOff x="1489158" y="1986275"/>
-            <a:chExt cx="1517323" cy="1113859"/>
+            <a:off x="6117714" y="4795415"/>
+            <a:ext cx="794572" cy="882160"/>
+            <a:chOff x="6117714" y="4803298"/>
+            <a:chExt cx="794572" cy="882160"/>
           </a:xfrm>
         </p:grpSpPr>
         <p:sp>
           <p:nvSpPr>
-            <p:cNvPr id="193" name="직사각형 192"/>
+            <p:cNvPr id="108" name="직사각형 107">
+              <a:extLst>
+                <a:ext uri="{FF2B5EF4-FFF2-40B4-BE49-F238E27FC236}">
+                  <a16:creationId xmlns:a16="http://schemas.microsoft.com/office/drawing/2014/main" id="{600FD678-60C6-FF2A-76CD-BFCC811DFBC4}"/>
+                </a:ext>
+              </a:extLst>
+            </p:cNvPr>
             <p:cNvSpPr/>
             <p:nvPr/>
           </p:nvSpPr>
           <p:spPr>
             <a:xfrm>
-              <a:off x="1489158" y="2195549"/>
-              <a:ext cx="1517323" cy="904585"/>
+              <a:off x="6117714" y="4803298"/>
+              <a:ext cx="794572" cy="882160"/>
             </a:xfrm>
             <a:prstGeom prst="rect">
               <a:avLst/>
             </a:prstGeom>
-            <a:solidFill>
-              <a:schemeClr val="bg1"/>
-            </a:solidFill>
+            <a:noFill/>
+            <a:ln>
+              <a:solidFill>
+                <a:schemeClr val="tx1"/>
+              </a:solidFill>
+            </a:ln>
+          </p:spPr>
+          <p:style>
+            <a:lnRef idx="2">
+              <a:schemeClr val="accent1">
+                <a:shade val="50000"/>
+              </a:schemeClr>
+            </a:lnRef>
+            <a:fillRef idx="1">
+              <a:schemeClr val="accent1"/>
+            </a:fillRef>
+            <a:effectRef idx="0">
+              <a:schemeClr val="accent1"/>
+            </a:effectRef>
+            <a:fontRef idx="minor">
+              <a:schemeClr val="lt1"/>
+            </a:fontRef>
+          </p:style>
+          <p:txBody>
+            <a:bodyPr rtlCol="0" anchor="t"/>
+            <a:lstStyle/>
+            <a:p>
+              <a:pPr algn="ctr"/>
+              <a:r>
+                <a:rPr lang="en-US" altLang="ko-KR" sz="800" dirty="0" err="1">
+                  <a:solidFill>
+                    <a:schemeClr val="tx1"/>
+                  </a:solidFill>
+                </a:rPr>
+                <a:t>DaemonSet</a:t>
+              </a:r>
+              <a:endParaRPr lang="ko-KR" altLang="en-US" sz="800" dirty="0">
+                <a:solidFill>
+                  <a:schemeClr val="tx1"/>
+                </a:solidFill>
+              </a:endParaRPr>
+            </a:p>
+          </p:txBody>
+        </p:sp>
+        <p:sp>
+          <p:nvSpPr>
+            <p:cNvPr id="111" name="직사각형 110">
+              <a:extLst>
+                <a:ext uri="{FF2B5EF4-FFF2-40B4-BE49-F238E27FC236}">
+                  <a16:creationId xmlns:a16="http://schemas.microsoft.com/office/drawing/2014/main" id="{7E7AA1D9-E6D3-BD56-FE7C-7D62CC82E132}"/>
+                </a:ext>
+              </a:extLst>
+            </p:cNvPr>
+            <p:cNvSpPr/>
+            <p:nvPr/>
+          </p:nvSpPr>
+          <p:spPr>
+            <a:xfrm>
+              <a:off x="6255225" y="5044190"/>
+              <a:ext cx="539713" cy="172525"/>
+            </a:xfrm>
+            <a:prstGeom prst="rect">
+              <a:avLst/>
+            </a:prstGeom>
+            <a:noFill/>
             <a:ln>
               <a:solidFill>
                 <a:schemeClr val="tx1"/>
@@ -6328,6 +6772,182 @@
             <a:lstStyle/>
             <a:p>
               <a:pPr algn="ctr"/>
+              <a:r>
+                <a:rPr lang="en-US" altLang="ko-KR" sz="700" dirty="0" err="1">
+                  <a:solidFill>
+                    <a:schemeClr val="tx1"/>
+                  </a:solidFill>
+                </a:rPr>
+                <a:t>csi</a:t>
+              </a:r>
+              <a:r>
+                <a:rPr lang="en-US" altLang="ko-KR" sz="700" dirty="0">
+                  <a:solidFill>
+                    <a:schemeClr val="tx1"/>
+                  </a:solidFill>
+                </a:rPr>
+                <a:t>-node</a:t>
+              </a:r>
+              <a:endParaRPr lang="ko-KR" altLang="en-US" sz="700" dirty="0">
+                <a:solidFill>
+                  <a:schemeClr val="tx1"/>
+                </a:solidFill>
+              </a:endParaRPr>
+            </a:p>
+          </p:txBody>
+        </p:sp>
+        <p:sp>
+          <p:nvSpPr>
+            <p:cNvPr id="112" name="직사각형 111">
+              <a:extLst>
+                <a:ext uri="{FF2B5EF4-FFF2-40B4-BE49-F238E27FC236}">
+                  <a16:creationId xmlns:a16="http://schemas.microsoft.com/office/drawing/2014/main" id="{E36CAD19-9B4A-7BDB-533F-07A4B17BF2F8}"/>
+                </a:ext>
+              </a:extLst>
+            </p:cNvPr>
+            <p:cNvSpPr/>
+            <p:nvPr/>
+          </p:nvSpPr>
+          <p:spPr>
+            <a:xfrm>
+              <a:off x="6256156" y="5247918"/>
+              <a:ext cx="539713" cy="361075"/>
+            </a:xfrm>
+            <a:prstGeom prst="rect">
+              <a:avLst/>
+            </a:prstGeom>
+            <a:noFill/>
+            <a:ln>
+              <a:solidFill>
+                <a:schemeClr val="tx1"/>
+              </a:solidFill>
+            </a:ln>
+          </p:spPr>
+          <p:style>
+            <a:lnRef idx="2">
+              <a:schemeClr val="accent1">
+                <a:shade val="50000"/>
+              </a:schemeClr>
+            </a:lnRef>
+            <a:fillRef idx="1">
+              <a:schemeClr val="accent1"/>
+            </a:fillRef>
+            <a:effectRef idx="0">
+              <a:schemeClr val="accent1"/>
+            </a:effectRef>
+            <a:fontRef idx="minor">
+              <a:schemeClr val="lt1"/>
+            </a:fontRef>
+          </p:style>
+          <p:txBody>
+            <a:bodyPr rtlCol="0" anchor="ctr"/>
+            <a:lstStyle/>
+            <a:p>
+              <a:pPr algn="ctr"/>
+              <a:r>
+                <a:rPr lang="en-US" altLang="ko-KR" sz="700" dirty="0">
+                  <a:solidFill>
+                    <a:schemeClr val="tx1"/>
+                  </a:solidFill>
+                </a:rPr>
+                <a:t>Node-</a:t>
+              </a:r>
+            </a:p>
+            <a:p>
+              <a:pPr algn="ctr"/>
+              <a:r>
+                <a:rPr lang="en-US" altLang="ko-KR" sz="700" dirty="0">
+                  <a:solidFill>
+                    <a:schemeClr val="tx1"/>
+                  </a:solidFill>
+                </a:rPr>
+                <a:t>Driver-registrar</a:t>
+              </a:r>
+              <a:endParaRPr lang="ko-KR" altLang="en-US" sz="700" dirty="0">
+                <a:solidFill>
+                  <a:schemeClr val="tx1"/>
+                </a:solidFill>
+              </a:endParaRPr>
+            </a:p>
+          </p:txBody>
+        </p:sp>
+      </p:grpSp>
+      <p:grpSp>
+        <p:nvGrpSpPr>
+          <p:cNvPr id="115" name="그룹 114">
+            <a:extLst>
+              <a:ext uri="{FF2B5EF4-FFF2-40B4-BE49-F238E27FC236}">
+                <a16:creationId xmlns:a16="http://schemas.microsoft.com/office/drawing/2014/main" id="{13111832-C621-9440-09AE-625665B9F536}"/>
+              </a:ext>
+            </a:extLst>
+          </p:cNvPr>
+          <p:cNvGrpSpPr/>
+          <p:nvPr/>
+        </p:nvGrpSpPr>
+        <p:grpSpPr>
+          <a:xfrm>
+            <a:off x="6110511" y="1700604"/>
+            <a:ext cx="794572" cy="882160"/>
+            <a:chOff x="6117714" y="4803298"/>
+            <a:chExt cx="794572" cy="882160"/>
+          </a:xfrm>
+        </p:grpSpPr>
+        <p:sp>
+          <p:nvSpPr>
+            <p:cNvPr id="116" name="직사각형 115">
+              <a:extLst>
+                <a:ext uri="{FF2B5EF4-FFF2-40B4-BE49-F238E27FC236}">
+                  <a16:creationId xmlns:a16="http://schemas.microsoft.com/office/drawing/2014/main" id="{D9BCFD6C-C542-32B3-549F-D8CC90615757}"/>
+                </a:ext>
+              </a:extLst>
+            </p:cNvPr>
+            <p:cNvSpPr/>
+            <p:nvPr/>
+          </p:nvSpPr>
+          <p:spPr>
+            <a:xfrm>
+              <a:off x="6117714" y="4803298"/>
+              <a:ext cx="794572" cy="882160"/>
+            </a:xfrm>
+            <a:prstGeom prst="rect">
+              <a:avLst/>
+            </a:prstGeom>
+            <a:noFill/>
+            <a:ln>
+              <a:solidFill>
+                <a:schemeClr val="tx1"/>
+              </a:solidFill>
+            </a:ln>
+          </p:spPr>
+          <p:style>
+            <a:lnRef idx="2">
+              <a:schemeClr val="accent1">
+                <a:shade val="50000"/>
+              </a:schemeClr>
+            </a:lnRef>
+            <a:fillRef idx="1">
+              <a:schemeClr val="accent1"/>
+            </a:fillRef>
+            <a:effectRef idx="0">
+              <a:schemeClr val="accent1"/>
+            </a:effectRef>
+            <a:fontRef idx="minor">
+              <a:schemeClr val="lt1"/>
+            </a:fontRef>
+          </p:style>
+          <p:txBody>
+            <a:bodyPr rtlCol="0" anchor="t"/>
+            <a:lstStyle/>
+            <a:p>
+              <a:pPr algn="ctr"/>
+              <a:r>
+                <a:rPr lang="en-US" altLang="ko-KR" sz="800" dirty="0" err="1">
+                  <a:solidFill>
+                    <a:schemeClr val="tx1"/>
+                  </a:solidFill>
+                </a:rPr>
+                <a:t>DaemonSet</a:t>
+              </a:r>
               <a:endParaRPr lang="ko-KR" altLang="en-US" sz="800" dirty="0">
                 <a:solidFill>
                   <a:schemeClr val="tx1"/>
@@ -6338,297 +6958,283 @@
         </p:sp>
         <p:sp>
           <p:nvSpPr>
-            <p:cNvPr id="194" name="TextBox 193"/>
-            <p:cNvSpPr txBox="1"/>
+            <p:cNvPr id="117" name="직사각형 116">
+              <a:extLst>
+                <a:ext uri="{FF2B5EF4-FFF2-40B4-BE49-F238E27FC236}">
+                  <a16:creationId xmlns:a16="http://schemas.microsoft.com/office/drawing/2014/main" id="{9D3DF61D-391E-DF1B-C257-A69143AAA2E3}"/>
+                </a:ext>
+              </a:extLst>
+            </p:cNvPr>
+            <p:cNvSpPr/>
             <p:nvPr/>
           </p:nvSpPr>
           <p:spPr>
             <a:xfrm>
-              <a:off x="1549565" y="1986275"/>
-              <a:ext cx="1257240" cy="215444"/>
+              <a:off x="6255225" y="5044190"/>
+              <a:ext cx="539713" cy="172525"/>
             </a:xfrm>
             <a:prstGeom prst="rect">
               <a:avLst/>
             </a:prstGeom>
             <a:noFill/>
+            <a:ln>
+              <a:solidFill>
+                <a:schemeClr val="tx1"/>
+              </a:solidFill>
+            </a:ln>
           </p:spPr>
+          <p:style>
+            <a:lnRef idx="2">
+              <a:schemeClr val="accent1">
+                <a:shade val="50000"/>
+              </a:schemeClr>
+            </a:lnRef>
+            <a:fillRef idx="1">
+              <a:schemeClr val="accent1"/>
+            </a:fillRef>
+            <a:effectRef idx="0">
+              <a:schemeClr val="accent1"/>
+            </a:effectRef>
+            <a:fontRef idx="minor">
+              <a:schemeClr val="lt1"/>
+            </a:fontRef>
+          </p:style>
           <p:txBody>
-            <a:bodyPr wrap="square" rtlCol="0">
-              <a:spAutoFit/>
-            </a:bodyPr>
+            <a:bodyPr rtlCol="0" anchor="ctr"/>
             <a:lstStyle/>
             <a:p>
+              <a:pPr algn="ctr"/>
               <a:r>
-                <a:rPr lang="en-US" altLang="ko-KR" sz="800" dirty="0"/>
-                <a:t>Service</a:t>
+                <a:rPr lang="en-US" altLang="ko-KR" sz="700" dirty="0" err="1">
+                  <a:solidFill>
+                    <a:schemeClr val="tx1"/>
+                  </a:solidFill>
+                </a:rPr>
+                <a:t>csi</a:t>
               </a:r>
-              <a:endParaRPr lang="ko-KR" altLang="en-US" sz="800" dirty="0"/>
+              <a:r>
+                <a:rPr lang="en-US" altLang="ko-KR" sz="700" dirty="0">
+                  <a:solidFill>
+                    <a:schemeClr val="tx1"/>
+                  </a:solidFill>
+                </a:rPr>
+                <a:t>-node</a:t>
+              </a:r>
+              <a:endParaRPr lang="ko-KR" altLang="en-US" sz="700" dirty="0">
+                <a:solidFill>
+                  <a:schemeClr val="tx1"/>
+                </a:solidFill>
+              </a:endParaRPr>
+            </a:p>
+          </p:txBody>
+        </p:sp>
+        <p:sp>
+          <p:nvSpPr>
+            <p:cNvPr id="118" name="직사각형 117">
+              <a:extLst>
+                <a:ext uri="{FF2B5EF4-FFF2-40B4-BE49-F238E27FC236}">
+                  <a16:creationId xmlns:a16="http://schemas.microsoft.com/office/drawing/2014/main" id="{9C57CE43-3D60-3C7E-19BC-708656A3D165}"/>
+                </a:ext>
+              </a:extLst>
+            </p:cNvPr>
+            <p:cNvSpPr/>
+            <p:nvPr/>
+          </p:nvSpPr>
+          <p:spPr>
+            <a:xfrm>
+              <a:off x="6256156" y="5247918"/>
+              <a:ext cx="539713" cy="361075"/>
+            </a:xfrm>
+            <a:prstGeom prst="rect">
+              <a:avLst/>
+            </a:prstGeom>
+            <a:noFill/>
+            <a:ln>
+              <a:solidFill>
+                <a:schemeClr val="tx1"/>
+              </a:solidFill>
+            </a:ln>
+          </p:spPr>
+          <p:style>
+            <a:lnRef idx="2">
+              <a:schemeClr val="accent1">
+                <a:shade val="50000"/>
+              </a:schemeClr>
+            </a:lnRef>
+            <a:fillRef idx="1">
+              <a:schemeClr val="accent1"/>
+            </a:fillRef>
+            <a:effectRef idx="0">
+              <a:schemeClr val="accent1"/>
+            </a:effectRef>
+            <a:fontRef idx="minor">
+              <a:schemeClr val="lt1"/>
+            </a:fontRef>
+          </p:style>
+          <p:txBody>
+            <a:bodyPr rtlCol="0" anchor="ctr"/>
+            <a:lstStyle/>
+            <a:p>
+              <a:pPr algn="ctr"/>
+              <a:r>
+                <a:rPr lang="en-US" altLang="ko-KR" sz="700" dirty="0">
+                  <a:solidFill>
+                    <a:schemeClr val="tx1"/>
+                  </a:solidFill>
+                </a:rPr>
+                <a:t>Node-</a:t>
+              </a:r>
+            </a:p>
+            <a:p>
+              <a:pPr algn="ctr"/>
+              <a:r>
+                <a:rPr lang="en-US" altLang="ko-KR" sz="700" dirty="0">
+                  <a:solidFill>
+                    <a:schemeClr val="tx1"/>
+                  </a:solidFill>
+                </a:rPr>
+                <a:t>Driver-registrar</a:t>
+              </a:r>
+              <a:endParaRPr lang="ko-KR" altLang="en-US" sz="700" dirty="0">
+                <a:solidFill>
+                  <a:schemeClr val="tx1"/>
+                </a:solidFill>
+              </a:endParaRPr>
             </a:p>
           </p:txBody>
         </p:sp>
       </p:grpSp>
-      <p:cxnSp>
-        <p:nvCxnSpPr>
-          <p:cNvPr id="195" name="꺾인 연결선 194"/>
-          <p:cNvCxnSpPr>
-            <a:stCxn id="89" idx="3"/>
-            <a:endCxn id="11" idx="1"/>
-          </p:cNvCxnSpPr>
+      <p:sp>
+        <p:nvSpPr>
+          <p:cNvPr id="119" name="직사각형 118">
+            <a:extLst>
+              <a:ext uri="{FF2B5EF4-FFF2-40B4-BE49-F238E27FC236}">
+                <a16:creationId xmlns:a16="http://schemas.microsoft.com/office/drawing/2014/main" id="{86F4DB3F-596A-9A0B-3195-87F35F73C4F5}"/>
+              </a:ext>
+            </a:extLst>
+          </p:cNvPr>
+          <p:cNvSpPr/>
           <p:nvPr/>
-        </p:nvCxnSpPr>
+        </p:nvSpPr>
         <p:spPr>
-          <a:xfrm flipV="1">
-            <a:off x="5281186" y="1549985"/>
-            <a:ext cx="1764839" cy="1338174"/>
-          </a:xfrm>
-          <a:prstGeom prst="bentConnector3">
-            <a:avLst>
-              <a:gd name="adj1" fmla="val 94616"/>
-            </a:avLst>
+          <a:xfrm>
+            <a:off x="3511597" y="3367878"/>
+            <a:ext cx="799127" cy="381030"/>
+          </a:xfrm>
+          <a:prstGeom prst="rect">
+            <a:avLst/>
           </a:prstGeom>
+          <a:solidFill>
+            <a:schemeClr val="bg1"/>
+          </a:solidFill>
           <a:ln>
-            <a:tailEnd type="triangle"/>
+            <a:solidFill>
+              <a:schemeClr val="tx1"/>
+            </a:solidFill>
           </a:ln>
         </p:spPr>
         <p:style>
-          <a:lnRef idx="1">
-            <a:schemeClr val="accent1"/>
+          <a:lnRef idx="2">
+            <a:schemeClr val="accent1">
+              <a:shade val="50000"/>
+            </a:schemeClr>
           </a:lnRef>
-          <a:fillRef idx="0">
+          <a:fillRef idx="1">
             <a:schemeClr val="accent1"/>
           </a:fillRef>
           <a:effectRef idx="0">
             <a:schemeClr val="accent1"/>
           </a:effectRef>
           <a:fontRef idx="minor">
-            <a:schemeClr val="tx1"/>
+            <a:schemeClr val="lt1"/>
           </a:fontRef>
         </p:style>
-      </p:cxnSp>
-      <p:cxnSp>
-        <p:nvCxnSpPr>
-          <p:cNvPr id="199" name="꺾인 연결선 198"/>
-          <p:cNvCxnSpPr>
-            <a:stCxn id="89" idx="3"/>
-            <a:endCxn id="28" idx="1"/>
-          </p:cNvCxnSpPr>
+        <p:txBody>
+          <a:bodyPr rtlCol="0" anchor="ctr"/>
+          <a:lstStyle/>
+          <a:p>
+            <a:pPr algn="ctr"/>
+            <a:r>
+              <a:rPr lang="en-US" altLang="ko-KR" sz="800" dirty="0" err="1">
+                <a:solidFill>
+                  <a:schemeClr val="tx1"/>
+                </a:solidFill>
+              </a:rPr>
+              <a:t>AttachDetach</a:t>
+            </a:r>
+            <a:r>
+              <a:rPr lang="en-US" altLang="ko-KR" sz="800" dirty="0">
+                <a:solidFill>
+                  <a:schemeClr val="tx1"/>
+                </a:solidFill>
+              </a:rPr>
+              <a:t> Controller</a:t>
+            </a:r>
+            <a:endParaRPr lang="ko-KR" altLang="en-US" sz="800" dirty="0">
+              <a:solidFill>
+                <a:schemeClr val="tx1"/>
+              </a:solidFill>
+            </a:endParaRPr>
+          </a:p>
+        </p:txBody>
+      </p:sp>
+      <p:sp>
+        <p:nvSpPr>
+          <p:cNvPr id="83" name="직사각형 82"/>
+          <p:cNvSpPr/>
           <p:nvPr/>
-        </p:nvCxnSpPr>
+        </p:nvSpPr>
         <p:spPr>
-          <a:xfrm flipV="1">
-            <a:off x="5281186" y="1549985"/>
-            <a:ext cx="5052320" cy="1338174"/>
-          </a:xfrm>
-          <a:prstGeom prst="bentConnector3">
-            <a:avLst>
-              <a:gd name="adj1" fmla="val 97760"/>
-            </a:avLst>
+          <a:xfrm>
+            <a:off x="3683434" y="3033619"/>
+            <a:ext cx="799127" cy="381030"/>
+          </a:xfrm>
+          <a:prstGeom prst="rect">
+            <a:avLst/>
           </a:prstGeom>
+          <a:solidFill>
+            <a:schemeClr val="bg1"/>
+          </a:solidFill>
           <a:ln>
-            <a:tailEnd type="triangle"/>
+            <a:solidFill>
+              <a:schemeClr val="tx1"/>
+            </a:solidFill>
           </a:ln>
         </p:spPr>
         <p:style>
-          <a:lnRef idx="1">
-            <a:schemeClr val="accent1"/>
+          <a:lnRef idx="2">
+            <a:schemeClr val="accent1">
+              <a:shade val="50000"/>
+            </a:schemeClr>
           </a:lnRef>
-          <a:fillRef idx="0">
+          <a:fillRef idx="1">
             <a:schemeClr val="accent1"/>
           </a:fillRef>
           <a:effectRef idx="0">
             <a:schemeClr val="accent1"/>
           </a:effectRef>
           <a:fontRef idx="minor">
-            <a:schemeClr val="tx1"/>
+            <a:schemeClr val="lt1"/>
           </a:fontRef>
         </p:style>
-      </p:cxnSp>
-      <p:cxnSp>
-        <p:nvCxnSpPr>
-          <p:cNvPr id="203" name="꺾인 연결선 202"/>
-          <p:cNvCxnSpPr>
-            <a:stCxn id="89" idx="3"/>
-            <a:endCxn id="43" idx="1"/>
-          </p:cNvCxnSpPr>
-          <p:nvPr/>
-        </p:nvCxnSpPr>
-        <p:spPr>
-          <a:xfrm>
-            <a:off x="5281186" y="2888159"/>
-            <a:ext cx="5057446" cy="618143"/>
-          </a:xfrm>
-          <a:prstGeom prst="bentConnector3">
-            <a:avLst>
-              <a:gd name="adj1" fmla="val 93192"/>
-            </a:avLst>
-          </a:prstGeom>
-          <a:ln>
-            <a:tailEnd type="triangle"/>
-          </a:ln>
-        </p:spPr>
-        <p:style>
-          <a:lnRef idx="1">
-            <a:schemeClr val="accent1"/>
-          </a:lnRef>
-          <a:fillRef idx="0">
-            <a:schemeClr val="accent1"/>
-          </a:fillRef>
-          <a:effectRef idx="0">
-            <a:schemeClr val="accent1"/>
-          </a:effectRef>
-          <a:fontRef idx="minor">
-            <a:schemeClr val="tx1"/>
-          </a:fontRef>
-        </p:style>
-      </p:cxnSp>
-      <p:cxnSp>
-        <p:nvCxnSpPr>
-          <p:cNvPr id="210" name="꺾인 연결선 209"/>
-          <p:cNvCxnSpPr>
-            <a:stCxn id="89" idx="3"/>
-            <a:endCxn id="36" idx="1"/>
-          </p:cNvCxnSpPr>
-          <p:nvPr/>
-        </p:nvCxnSpPr>
-        <p:spPr>
-          <a:xfrm>
-            <a:off x="5281186" y="2888159"/>
-            <a:ext cx="1764362" cy="596898"/>
-          </a:xfrm>
-          <a:prstGeom prst="bentConnector3">
-            <a:avLst>
-              <a:gd name="adj1" fmla="val 95348"/>
-            </a:avLst>
-          </a:prstGeom>
-          <a:ln>
-            <a:tailEnd type="triangle"/>
-          </a:ln>
-        </p:spPr>
-        <p:style>
-          <a:lnRef idx="1">
-            <a:schemeClr val="accent1"/>
-          </a:lnRef>
-          <a:fillRef idx="0">
-            <a:schemeClr val="accent1"/>
-          </a:fillRef>
-          <a:effectRef idx="0">
-            <a:schemeClr val="accent1"/>
-          </a:effectRef>
-          <a:fontRef idx="minor">
-            <a:schemeClr val="tx1"/>
-          </a:fontRef>
-        </p:style>
-      </p:cxnSp>
-      <p:cxnSp>
-        <p:nvCxnSpPr>
-          <p:cNvPr id="3" name="꺾인 연결선 2"/>
-          <p:cNvCxnSpPr>
-            <a:stCxn id="50" idx="3"/>
-            <a:endCxn id="57" idx="3"/>
-          </p:cNvCxnSpPr>
-          <p:nvPr/>
-        </p:nvCxnSpPr>
-        <p:spPr>
-          <a:xfrm>
-            <a:off x="11887201" y="1473023"/>
-            <a:ext cx="12700" cy="1915110"/>
-          </a:xfrm>
-          <a:prstGeom prst="bentConnector3">
-            <a:avLst>
-              <a:gd name="adj1" fmla="val 1800000"/>
-            </a:avLst>
-          </a:prstGeom>
-          <a:ln>
-            <a:solidFill>
-              <a:srgbClr val="FF0000"/>
-            </a:solidFill>
-            <a:headEnd type="triangle"/>
-            <a:tailEnd type="triangle"/>
-          </a:ln>
-        </p:spPr>
-        <p:style>
-          <a:lnRef idx="1">
-            <a:schemeClr val="accent1"/>
-          </a:lnRef>
-          <a:fillRef idx="0">
-            <a:schemeClr val="accent1"/>
-          </a:fillRef>
-          <a:effectRef idx="0">
-            <a:schemeClr val="accent1"/>
-          </a:effectRef>
-          <a:fontRef idx="minor">
-            <a:schemeClr val="tx1"/>
-          </a:fontRef>
-        </p:style>
-      </p:cxnSp>
-      <p:cxnSp>
-        <p:nvCxnSpPr>
-          <p:cNvPr id="17" name="직선 화살표 연결선 16"/>
-          <p:cNvCxnSpPr/>
-          <p:nvPr/>
-        </p:nvCxnSpPr>
-        <p:spPr>
-          <a:xfrm>
-            <a:off x="10750340" y="6194695"/>
-            <a:ext cx="279611" cy="0"/>
-          </a:xfrm>
-          <a:prstGeom prst="straightConnector1">
-            <a:avLst/>
-          </a:prstGeom>
-          <a:ln>
-            <a:solidFill>
-              <a:srgbClr val="FF0000"/>
-            </a:solidFill>
-            <a:headEnd type="triangle"/>
-            <a:tailEnd type="triangle"/>
-          </a:ln>
-        </p:spPr>
-        <p:style>
-          <a:lnRef idx="1">
-            <a:schemeClr val="accent1"/>
-          </a:lnRef>
-          <a:fillRef idx="0">
-            <a:schemeClr val="accent1"/>
-          </a:fillRef>
-          <a:effectRef idx="0">
-            <a:schemeClr val="accent1"/>
-          </a:effectRef>
-          <a:fontRef idx="minor">
-            <a:schemeClr val="tx1"/>
-          </a:fontRef>
-        </p:style>
-      </p:cxnSp>
-      <p:sp>
-        <p:nvSpPr>
-          <p:cNvPr id="18" name="TextBox 17"/>
-          <p:cNvSpPr txBox="1"/>
-          <p:nvPr/>
-        </p:nvSpPr>
-        <p:spPr>
-          <a:xfrm>
-            <a:off x="10982786" y="6079279"/>
-            <a:ext cx="825867" cy="215444"/>
-          </a:xfrm>
-          <a:prstGeom prst="rect">
-            <a:avLst/>
-          </a:prstGeom>
-          <a:noFill/>
-        </p:spPr>
-        <p:txBody>
-          <a:bodyPr wrap="none" rtlCol="0">
-            <a:spAutoFit/>
-          </a:bodyPr>
-          <a:lstStyle/>
-          <a:p>
-            <a:r>
-              <a:rPr lang="ko-KR" altLang="en-US" sz="800" dirty="0"/>
-              <a:t>네트워크</a:t>
-            </a:r>
-            <a:r>
-              <a:rPr lang="en-US" altLang="ko-KR" sz="800" dirty="0"/>
-              <a:t>: CNI</a:t>
-            </a:r>
-            <a:endParaRPr lang="ko-KR" altLang="en-US" sz="800" dirty="0"/>
+        <p:txBody>
+          <a:bodyPr rtlCol="0" anchor="ctr"/>
+          <a:lstStyle/>
+          <a:p>
+            <a:pPr algn="ctr"/>
+            <a:r>
+              <a:rPr lang="en-US" altLang="ko-KR" sz="800" dirty="0" err="1">
+                <a:solidFill>
+                  <a:schemeClr val="tx1"/>
+                </a:solidFill>
+              </a:rPr>
+              <a:t>Replicaset</a:t>
+            </a:r>
+            <a:endParaRPr lang="ko-KR" altLang="en-US" sz="800" dirty="0">
+              <a:solidFill>
+                <a:schemeClr val="tx1"/>
+              </a:solidFill>
+            </a:endParaRPr>
           </a:p>
         </p:txBody>
       </p:sp>
@@ -6904,4 +7510,10 @@
     </a:ext>
   </a:extLst>
 </a:theme>
+</file>
+
+<file path=docMetadata/LabelInfo.xml><?xml version="1.0" encoding="utf-8"?>
+<clbl:labelList xmlns:clbl="http://schemas.microsoft.com/office/2020/mipLabelMetadata">
+  <clbl:label id="{66cf4840-d096-4735-b8ca-3343c17f7dd7}" enabled="1" method="Standard" siteId="{4d67598d-16bc-42f1-a18d-e8fb794aedca}" contentBits="0" removed="0"/>
+</clbl:labelList>
 </file>